--- a/PLPTH813Bioinformatis/2025/2_lab/lab09_tree.pptx
+++ b/PLPTH813Bioinformatis/2025/2_lab/lab09_tree.pptx
@@ -5,7 +5,7 @@
     <p:sldMasterId id="2147483672" r:id="rId1"/>
   </p:sldMasterIdLst>
   <p:notesMasterIdLst>
-    <p:notesMasterId r:id="rId24"/>
+    <p:notesMasterId r:id="rId25"/>
   </p:notesMasterIdLst>
   <p:sldIdLst>
     <p:sldId id="256" r:id="rId2"/>
@@ -18,18 +18,19 @@
     <p:sldId id="269" r:id="rId9"/>
     <p:sldId id="282" r:id="rId10"/>
     <p:sldId id="276" r:id="rId11"/>
-    <p:sldId id="277" r:id="rId12"/>
-    <p:sldId id="275" r:id="rId13"/>
-    <p:sldId id="274" r:id="rId14"/>
-    <p:sldId id="273" r:id="rId15"/>
-    <p:sldId id="272" r:id="rId16"/>
-    <p:sldId id="271" r:id="rId17"/>
-    <p:sldId id="270" r:id="rId18"/>
-    <p:sldId id="280" r:id="rId19"/>
-    <p:sldId id="279" r:id="rId20"/>
-    <p:sldId id="281" r:id="rId21"/>
-    <p:sldId id="323" r:id="rId22"/>
-    <p:sldId id="257" r:id="rId23"/>
+    <p:sldId id="292" r:id="rId12"/>
+    <p:sldId id="277" r:id="rId13"/>
+    <p:sldId id="275" r:id="rId14"/>
+    <p:sldId id="274" r:id="rId15"/>
+    <p:sldId id="273" r:id="rId16"/>
+    <p:sldId id="272" r:id="rId17"/>
+    <p:sldId id="271" r:id="rId18"/>
+    <p:sldId id="270" r:id="rId19"/>
+    <p:sldId id="280" r:id="rId20"/>
+    <p:sldId id="279" r:id="rId21"/>
+    <p:sldId id="281" r:id="rId22"/>
+    <p:sldId id="323" r:id="rId23"/>
+    <p:sldId id="257" r:id="rId24"/>
   </p:sldIdLst>
   <p:sldSz cx="9144000" cy="5143500" type="screen16x9"/>
   <p:notesSz cx="6858000" cy="9144000"/>
@@ -218,7 +219,7 @@
           <a:p>
             <a:fld id="{8855602D-883D-CC4D-93B3-DEDFCD22325B}" type="datetimeFigureOut">
               <a:rPr lang="en-US" smtClean="0"/>
-              <a:t>3/31/25</a:t>
+              <a:t>4/9/25</a:t>
             </a:fld>
             <a:endParaRPr lang="en-US"/>
           </a:p>
@@ -512,12 +513,7 @@
             <p:ph type="sldImg"/>
           </p:nvPr>
         </p:nvSpPr>
-        <p:spPr>
-          <a:xfrm>
-            <a:off x="685800" y="1143000"/>
-            <a:ext cx="5486400" cy="3086100"/>
-          </a:xfrm>
-        </p:spPr>
+        <p:spPr/>
       </p:sp>
       <p:sp>
         <p:nvSpPr>
@@ -534,35 +530,7 @@
           <a:bodyPr/>
           <a:lstStyle/>
           <a:p>
-            <a:pPr marL="0" marR="0" indent="0" algn="l" defTabSz="914400" rtl="0" eaLnBrk="1" fontAlgn="auto" latinLnBrk="0" hangingPunct="1">
-              <a:lnSpc>
-                <a:spcPct val="100000"/>
-              </a:lnSpc>
-              <a:spcBef>
-                <a:spcPts val="0"/>
-              </a:spcBef>
-              <a:spcAft>
-                <a:spcPts val="0"/>
-              </a:spcAft>
-              <a:buClrTx/>
-              <a:buSzTx/>
-              <a:buFontTx/>
-              <a:buNone/>
-              <a:tabLst/>
-              <a:defRPr/>
-            </a:pPr>
-            <a:r>
-              <a:rPr lang="en-US" dirty="0"/>
-              <a:t>Fig. 3. The life cycle of SARS-CoV-2 in host cells; begins its life cycle when S protein binds to the cellular receptor ACE2. After receptor binding, the conformation change in the S protein facilitates viral envelope fusion with the cell membrane through the endosomal pathway. Then SARS-CoV-2 releases RNA into the host cell. Genome RNA is translated into viral replicase polyproteins pp1a and 1ab, which are then cleaved into small products by viral proteinases. The polymerase produces a series of </a:t>
-            </a:r>
-            <a:r>
-              <a:rPr lang="en-US" dirty="0" err="1"/>
-              <a:t>subgenomic</a:t>
-            </a:r>
-            <a:r>
-              <a:rPr lang="en-US" dirty="0"/>
-              <a:t> mRNAs by discontinuous transcription and finally translated into relevant viral proteins. Viral proteins and genome RNA are subsequently assembled into virions in the ER and Golgi and then transported via vesicles and released out of the cell. ACE2, angiotensin-converting enzyme 2; ER, endoplasmic reticulum; ERGIC, ER–Golgi intermediate compartment.</a:t>
-            </a:r>
+            <a:endParaRPr lang="en-US" dirty="0"/>
           </a:p>
         </p:txBody>
       </p:sp>
@@ -583,7 +551,7 @@
           <a:p>
             <a:fld id="{05BC6DBA-3023-8A45-AEFA-36DB5A24FF80}" type="slidenum">
               <a:rPr lang="en-US" smtClean="0"/>
-              <a:t>6</a:t>
+              <a:t>3</a:t>
             </a:fld>
             <a:endParaRPr lang="en-US"/>
           </a:p>
@@ -592,7 +560,175 @@
     </p:spTree>
     <p:extLst>
       <p:ext uri="{BB962C8B-B14F-4D97-AF65-F5344CB8AC3E}">
-        <p14:creationId xmlns:p14="http://schemas.microsoft.com/office/powerpoint/2010/main" val="3628400913"/>
+        <p14:creationId xmlns:p14="http://schemas.microsoft.com/office/powerpoint/2010/main" val="2153382884"/>
+      </p:ext>
+    </p:extLst>
+  </p:cSld>
+  <p:clrMapOvr>
+    <a:masterClrMapping/>
+  </p:clrMapOvr>
+</p:notes>
+</file>
+
+<file path=ppt/notesSlides/notesSlide10.xml><?xml version="1.0" encoding="utf-8"?>
+<p:notes xmlns:a="http://schemas.openxmlformats.org/drawingml/2006/main" xmlns:r="http://schemas.openxmlformats.org/officeDocument/2006/relationships" xmlns:p="http://schemas.openxmlformats.org/presentationml/2006/main">
+  <p:cSld>
+    <p:spTree>
+      <p:nvGrpSpPr>
+        <p:cNvPr id="1" name=""/>
+        <p:cNvGrpSpPr/>
+        <p:nvPr/>
+      </p:nvGrpSpPr>
+      <p:grpSpPr>
+        <a:xfrm>
+          <a:off x="0" y="0"/>
+          <a:ext cx="0" cy="0"/>
+          <a:chOff x="0" y="0"/>
+          <a:chExt cx="0" cy="0"/>
+        </a:xfrm>
+      </p:grpSpPr>
+      <p:sp>
+        <p:nvSpPr>
+          <p:cNvPr id="2" name="Slide Image Placeholder 1"/>
+          <p:cNvSpPr>
+            <a:spLocks noGrp="1" noRot="1" noChangeAspect="1"/>
+          </p:cNvSpPr>
+          <p:nvPr>
+            <p:ph type="sldImg"/>
+          </p:nvPr>
+        </p:nvSpPr>
+        <p:spPr/>
+      </p:sp>
+      <p:sp>
+        <p:nvSpPr>
+          <p:cNvPr id="3" name="Notes Placeholder 2"/>
+          <p:cNvSpPr>
+            <a:spLocks noGrp="1"/>
+          </p:cNvSpPr>
+          <p:nvPr>
+            <p:ph type="body" idx="1"/>
+          </p:nvPr>
+        </p:nvSpPr>
+        <p:spPr/>
+        <p:txBody>
+          <a:bodyPr/>
+          <a:lstStyle/>
+          <a:p>
+            <a:endParaRPr lang="en-US" dirty="0"/>
+          </a:p>
+        </p:txBody>
+      </p:sp>
+      <p:sp>
+        <p:nvSpPr>
+          <p:cNvPr id="4" name="Slide Number Placeholder 3"/>
+          <p:cNvSpPr>
+            <a:spLocks noGrp="1"/>
+          </p:cNvSpPr>
+          <p:nvPr>
+            <p:ph type="sldNum" sz="quarter" idx="5"/>
+          </p:nvPr>
+        </p:nvSpPr>
+        <p:spPr/>
+        <p:txBody>
+          <a:bodyPr/>
+          <a:lstStyle/>
+          <a:p>
+            <a:fld id="{05BC6DBA-3023-8A45-AEFA-36DB5A24FF80}" type="slidenum">
+              <a:rPr lang="en-US" smtClean="0"/>
+              <a:t>21</a:t>
+            </a:fld>
+            <a:endParaRPr lang="en-US"/>
+          </a:p>
+        </p:txBody>
+      </p:sp>
+    </p:spTree>
+    <p:extLst>
+      <p:ext uri="{BB962C8B-B14F-4D97-AF65-F5344CB8AC3E}">
+        <p14:creationId xmlns:p14="http://schemas.microsoft.com/office/powerpoint/2010/main" val="1779341855"/>
+      </p:ext>
+    </p:extLst>
+  </p:cSld>
+  <p:clrMapOvr>
+    <a:masterClrMapping/>
+  </p:clrMapOvr>
+</p:notes>
+</file>
+
+<file path=ppt/notesSlides/notesSlide11.xml><?xml version="1.0" encoding="utf-8"?>
+<p:notes xmlns:a="http://schemas.openxmlformats.org/drawingml/2006/main" xmlns:r="http://schemas.openxmlformats.org/officeDocument/2006/relationships" xmlns:p="http://schemas.openxmlformats.org/presentationml/2006/main">
+  <p:cSld>
+    <p:spTree>
+      <p:nvGrpSpPr>
+        <p:cNvPr id="1" name=""/>
+        <p:cNvGrpSpPr/>
+        <p:nvPr/>
+      </p:nvGrpSpPr>
+      <p:grpSpPr>
+        <a:xfrm>
+          <a:off x="0" y="0"/>
+          <a:ext cx="0" cy="0"/>
+          <a:chOff x="0" y="0"/>
+          <a:chExt cx="0" cy="0"/>
+        </a:xfrm>
+      </p:grpSpPr>
+      <p:sp>
+        <p:nvSpPr>
+          <p:cNvPr id="2" name="Slide Image Placeholder 1"/>
+          <p:cNvSpPr>
+            <a:spLocks noGrp="1" noRot="1" noChangeAspect="1"/>
+          </p:cNvSpPr>
+          <p:nvPr>
+            <p:ph type="sldImg"/>
+          </p:nvPr>
+        </p:nvSpPr>
+        <p:spPr/>
+      </p:sp>
+      <p:sp>
+        <p:nvSpPr>
+          <p:cNvPr id="3" name="Notes Placeholder 2"/>
+          <p:cNvSpPr>
+            <a:spLocks noGrp="1"/>
+          </p:cNvSpPr>
+          <p:nvPr>
+            <p:ph type="body" idx="1"/>
+          </p:nvPr>
+        </p:nvSpPr>
+        <p:spPr/>
+        <p:txBody>
+          <a:bodyPr/>
+          <a:lstStyle/>
+          <a:p>
+            <a:endParaRPr lang="en-US"/>
+          </a:p>
+        </p:txBody>
+      </p:sp>
+      <p:sp>
+        <p:nvSpPr>
+          <p:cNvPr id="4" name="Slide Number Placeholder 3"/>
+          <p:cNvSpPr>
+            <a:spLocks noGrp="1"/>
+          </p:cNvSpPr>
+          <p:nvPr>
+            <p:ph type="sldNum" sz="quarter" idx="5"/>
+          </p:nvPr>
+        </p:nvSpPr>
+        <p:spPr/>
+        <p:txBody>
+          <a:bodyPr/>
+          <a:lstStyle/>
+          <a:p>
+            <a:fld id="{DC2B8C24-ACAE-AE41-B565-178ED93271F0}" type="slidenum">
+              <a:rPr lang="en-US" smtClean="0"/>
+              <a:t>22</a:t>
+            </a:fld>
+            <a:endParaRPr lang="en-US"/>
+          </a:p>
+        </p:txBody>
+      </p:sp>
+    </p:spTree>
+    <p:extLst>
+      <p:ext uri="{BB962C8B-B14F-4D97-AF65-F5344CB8AC3E}">
+        <p14:creationId xmlns:p14="http://schemas.microsoft.com/office/powerpoint/2010/main" val="1431975421"/>
       </p:ext>
     </p:extLst>
   </p:cSld>
@@ -646,7 +782,27 @@
           <a:bodyPr/>
           <a:lstStyle/>
           <a:p>
-            <a:endParaRPr lang="en-US" dirty="0"/>
+            <a:r>
+              <a:rPr lang="en-US" b="0" i="0" dirty="0">
+                <a:solidFill>
+                  <a:srgbClr val="767676"/>
+                </a:solidFill>
+                <a:effectLst/>
+                <a:latin typeface="Roboto" panose="020F0502020204030204" pitchFamily="34" charset="0"/>
+              </a:rPr>
+              <a:t>Coronaviruses contain a positive-sense, single-stranded RNA genome</a:t>
+            </a:r>
+            <a:r>
+              <a:rPr lang="en-US" b="0" i="0" dirty="0">
+                <a:solidFill>
+                  <a:srgbClr val="474747"/>
+                </a:solidFill>
+                <a:effectLst/>
+                <a:latin typeface="Roboto" panose="02000000000000000000" pitchFamily="2" charset="0"/>
+              </a:rPr>
+              <a:t>.</a:t>
+            </a:r>
+            <a:endParaRPr lang="en-US" b="0" dirty="0"/>
           </a:p>
         </p:txBody>
       </p:sp>
@@ -667,7 +823,7 @@
           <a:p>
             <a:fld id="{05BC6DBA-3023-8A45-AEFA-36DB5A24FF80}" type="slidenum">
               <a:rPr lang="en-US" smtClean="0"/>
-              <a:t>9</a:t>
+              <a:t>5</a:t>
             </a:fld>
             <a:endParaRPr lang="en-US"/>
           </a:p>
@@ -676,7 +832,7 @@
     </p:spTree>
     <p:extLst>
       <p:ext uri="{BB962C8B-B14F-4D97-AF65-F5344CB8AC3E}">
-        <p14:creationId xmlns:p14="http://schemas.microsoft.com/office/powerpoint/2010/main" val="1170400736"/>
+        <p14:creationId xmlns:p14="http://schemas.microsoft.com/office/powerpoint/2010/main" val="3615104497"/>
       </p:ext>
     </p:extLst>
   </p:cSld>
@@ -713,24 +869,57 @@
             <p:ph type="sldImg"/>
           </p:nvPr>
         </p:nvSpPr>
+        <p:spPr>
+          <a:xfrm>
+            <a:off x="685800" y="1143000"/>
+            <a:ext cx="5486400" cy="3086100"/>
+          </a:xfrm>
+        </p:spPr>
+      </p:sp>
+      <p:sp>
+        <p:nvSpPr>
+          <p:cNvPr id="3" name="Notes Placeholder 2"/>
+          <p:cNvSpPr>
+            <a:spLocks noGrp="1"/>
+          </p:cNvSpPr>
+          <p:nvPr>
+            <p:ph type="body" idx="1"/>
+          </p:nvPr>
+        </p:nvSpPr>
         <p:spPr/>
-      </p:sp>
-      <p:sp>
-        <p:nvSpPr>
-          <p:cNvPr id="3" name="Notes Placeholder 2"/>
-          <p:cNvSpPr>
-            <a:spLocks noGrp="1"/>
-          </p:cNvSpPr>
-          <p:nvPr>
-            <p:ph type="body" idx="1"/>
-          </p:nvPr>
-        </p:nvSpPr>
-        <p:spPr/>
         <p:txBody>
           <a:bodyPr/>
           <a:lstStyle/>
           <a:p>
-            <a:endParaRPr lang="en-US" dirty="0"/>
+            <a:pPr marL="0" marR="0" indent="0" algn="l" defTabSz="914400" rtl="0" eaLnBrk="1" fontAlgn="auto" latinLnBrk="0" hangingPunct="1">
+              <a:lnSpc>
+                <a:spcPct val="100000"/>
+              </a:lnSpc>
+              <a:spcBef>
+                <a:spcPts val="0"/>
+              </a:spcBef>
+              <a:spcAft>
+                <a:spcPts val="0"/>
+              </a:spcAft>
+              <a:buClrTx/>
+              <a:buSzTx/>
+              <a:buFontTx/>
+              <a:buNone/>
+              <a:tabLst/>
+              <a:defRPr/>
+            </a:pPr>
+            <a:r>
+              <a:rPr lang="en-US" dirty="0"/>
+              <a:t>Fig. 3. The life cycle of SARS-CoV-2 in host cells; begins its life cycle when S protein binds to the cellular receptor ACE2. After receptor binding, the conformation change in the S protein facilitates viral envelope fusion with the cell membrane through the endosomal pathway. Then SARS-CoV-2 releases RNA into the host cell. Genome RNA is translated into viral replicase polyproteins pp1a and 1ab, which are then cleaved into small products by viral proteinases. The polymerase produces a series of </a:t>
+            </a:r>
+            <a:r>
+              <a:rPr lang="en-US" dirty="0" err="1"/>
+              <a:t>subgenomic</a:t>
+            </a:r>
+            <a:r>
+              <a:rPr lang="en-US" dirty="0"/>
+              <a:t> mRNAs by discontinuous transcription and finally translated into relevant viral proteins. Viral proteins and genome RNA are subsequently assembled into virions in the ER and Golgi and then transported via vesicles and released out of the cell. ACE2, angiotensin-converting enzyme 2; ER, endoplasmic reticulum; ERGIC, ER–Golgi intermediate compartment.</a:t>
+            </a:r>
           </a:p>
         </p:txBody>
       </p:sp>
@@ -751,7 +940,7 @@
           <a:p>
             <a:fld id="{05BC6DBA-3023-8A45-AEFA-36DB5A24FF80}" type="slidenum">
               <a:rPr lang="en-US" smtClean="0"/>
-              <a:t>19</a:t>
+              <a:t>6</a:t>
             </a:fld>
             <a:endParaRPr lang="en-US"/>
           </a:p>
@@ -760,7 +949,7 @@
     </p:spTree>
     <p:extLst>
       <p:ext uri="{BB962C8B-B14F-4D97-AF65-F5344CB8AC3E}">
-        <p14:creationId xmlns:p14="http://schemas.microsoft.com/office/powerpoint/2010/main" val="3944851986"/>
+        <p14:creationId xmlns:p14="http://schemas.microsoft.com/office/powerpoint/2010/main" val="3628400913"/>
       </p:ext>
     </p:extLst>
   </p:cSld>
@@ -814,7 +1003,7 @@
           <a:bodyPr/>
           <a:lstStyle/>
           <a:p>
-            <a:endParaRPr lang="en-US"/>
+            <a:endParaRPr lang="en-US" dirty="0"/>
           </a:p>
         </p:txBody>
       </p:sp>
@@ -833,9 +1022,9 @@
           <a:bodyPr/>
           <a:lstStyle/>
           <a:p>
-            <a:fld id="{DC2B8C24-ACAE-AE41-B565-178ED93271F0}" type="slidenum">
+            <a:fld id="{05BC6DBA-3023-8A45-AEFA-36DB5A24FF80}" type="slidenum">
               <a:rPr lang="en-US" smtClean="0"/>
-              <a:t>21</a:t>
+              <a:t>9</a:t>
             </a:fld>
             <a:endParaRPr lang="en-US"/>
           </a:p>
@@ -844,7 +1033,427 @@
     </p:spTree>
     <p:extLst>
       <p:ext uri="{BB962C8B-B14F-4D97-AF65-F5344CB8AC3E}">
-        <p14:creationId xmlns:p14="http://schemas.microsoft.com/office/powerpoint/2010/main" val="1431975421"/>
+        <p14:creationId xmlns:p14="http://schemas.microsoft.com/office/powerpoint/2010/main" val="1170400736"/>
+      </p:ext>
+    </p:extLst>
+  </p:cSld>
+  <p:clrMapOvr>
+    <a:masterClrMapping/>
+  </p:clrMapOvr>
+</p:notes>
+</file>
+
+<file path=ppt/notesSlides/notesSlide5.xml><?xml version="1.0" encoding="utf-8"?>
+<p:notes xmlns:a="http://schemas.openxmlformats.org/drawingml/2006/main" xmlns:r="http://schemas.openxmlformats.org/officeDocument/2006/relationships" xmlns:p="http://schemas.openxmlformats.org/presentationml/2006/main">
+  <p:cSld>
+    <p:spTree>
+      <p:nvGrpSpPr>
+        <p:cNvPr id="1" name=""/>
+        <p:cNvGrpSpPr/>
+        <p:nvPr/>
+      </p:nvGrpSpPr>
+      <p:grpSpPr>
+        <a:xfrm>
+          <a:off x="0" y="0"/>
+          <a:ext cx="0" cy="0"/>
+          <a:chOff x="0" y="0"/>
+          <a:chExt cx="0" cy="0"/>
+        </a:xfrm>
+      </p:grpSpPr>
+      <p:sp>
+        <p:nvSpPr>
+          <p:cNvPr id="2" name="Slide Image Placeholder 1"/>
+          <p:cNvSpPr>
+            <a:spLocks noGrp="1" noRot="1" noChangeAspect="1"/>
+          </p:cNvSpPr>
+          <p:nvPr>
+            <p:ph type="sldImg"/>
+          </p:nvPr>
+        </p:nvSpPr>
+        <p:spPr/>
+      </p:sp>
+      <p:sp>
+        <p:nvSpPr>
+          <p:cNvPr id="3" name="Notes Placeholder 2"/>
+          <p:cNvSpPr>
+            <a:spLocks noGrp="1"/>
+          </p:cNvSpPr>
+          <p:nvPr>
+            <p:ph type="body" idx="1"/>
+          </p:nvPr>
+        </p:nvSpPr>
+        <p:spPr/>
+        <p:txBody>
+          <a:bodyPr/>
+          <a:lstStyle/>
+          <a:p>
+            <a:endParaRPr lang="en-US" dirty="0"/>
+          </a:p>
+        </p:txBody>
+      </p:sp>
+      <p:sp>
+        <p:nvSpPr>
+          <p:cNvPr id="4" name="Slide Number Placeholder 3"/>
+          <p:cNvSpPr>
+            <a:spLocks noGrp="1"/>
+          </p:cNvSpPr>
+          <p:nvPr>
+            <p:ph type="sldNum" sz="quarter" idx="5"/>
+          </p:nvPr>
+        </p:nvSpPr>
+        <p:spPr/>
+        <p:txBody>
+          <a:bodyPr/>
+          <a:lstStyle/>
+          <a:p>
+            <a:fld id="{05BC6DBA-3023-8A45-AEFA-36DB5A24FF80}" type="slidenum">
+              <a:rPr lang="en-US" smtClean="0"/>
+              <a:t>11</a:t>
+            </a:fld>
+            <a:endParaRPr lang="en-US"/>
+          </a:p>
+        </p:txBody>
+      </p:sp>
+    </p:spTree>
+    <p:extLst>
+      <p:ext uri="{BB962C8B-B14F-4D97-AF65-F5344CB8AC3E}">
+        <p14:creationId xmlns:p14="http://schemas.microsoft.com/office/powerpoint/2010/main" val="190367871"/>
+      </p:ext>
+    </p:extLst>
+  </p:cSld>
+  <p:clrMapOvr>
+    <a:masterClrMapping/>
+  </p:clrMapOvr>
+</p:notes>
+</file>
+
+<file path=ppt/notesSlides/notesSlide6.xml><?xml version="1.0" encoding="utf-8"?>
+<p:notes xmlns:a="http://schemas.openxmlformats.org/drawingml/2006/main" xmlns:r="http://schemas.openxmlformats.org/officeDocument/2006/relationships" xmlns:p="http://schemas.openxmlformats.org/presentationml/2006/main">
+  <p:cSld>
+    <p:spTree>
+      <p:nvGrpSpPr>
+        <p:cNvPr id="1" name=""/>
+        <p:cNvGrpSpPr/>
+        <p:nvPr/>
+      </p:nvGrpSpPr>
+      <p:grpSpPr>
+        <a:xfrm>
+          <a:off x="0" y="0"/>
+          <a:ext cx="0" cy="0"/>
+          <a:chOff x="0" y="0"/>
+          <a:chExt cx="0" cy="0"/>
+        </a:xfrm>
+      </p:grpSpPr>
+      <p:sp>
+        <p:nvSpPr>
+          <p:cNvPr id="2" name="Slide Image Placeholder 1"/>
+          <p:cNvSpPr>
+            <a:spLocks noGrp="1" noRot="1" noChangeAspect="1"/>
+          </p:cNvSpPr>
+          <p:nvPr>
+            <p:ph type="sldImg"/>
+          </p:nvPr>
+        </p:nvSpPr>
+        <p:spPr/>
+      </p:sp>
+      <p:sp>
+        <p:nvSpPr>
+          <p:cNvPr id="3" name="Notes Placeholder 2"/>
+          <p:cNvSpPr>
+            <a:spLocks noGrp="1"/>
+          </p:cNvSpPr>
+          <p:nvPr>
+            <p:ph type="body" idx="1"/>
+          </p:nvPr>
+        </p:nvSpPr>
+        <p:spPr/>
+        <p:txBody>
+          <a:bodyPr/>
+          <a:lstStyle/>
+          <a:p>
+            <a:endParaRPr lang="en-US" dirty="0"/>
+          </a:p>
+        </p:txBody>
+      </p:sp>
+      <p:sp>
+        <p:nvSpPr>
+          <p:cNvPr id="4" name="Slide Number Placeholder 3"/>
+          <p:cNvSpPr>
+            <a:spLocks noGrp="1"/>
+          </p:cNvSpPr>
+          <p:nvPr>
+            <p:ph type="sldNum" sz="quarter" idx="5"/>
+          </p:nvPr>
+        </p:nvSpPr>
+        <p:spPr/>
+        <p:txBody>
+          <a:bodyPr/>
+          <a:lstStyle/>
+          <a:p>
+            <a:fld id="{05BC6DBA-3023-8A45-AEFA-36DB5A24FF80}" type="slidenum">
+              <a:rPr lang="en-US" smtClean="0"/>
+              <a:t>12</a:t>
+            </a:fld>
+            <a:endParaRPr lang="en-US"/>
+          </a:p>
+        </p:txBody>
+      </p:sp>
+    </p:spTree>
+    <p:extLst>
+      <p:ext uri="{BB962C8B-B14F-4D97-AF65-F5344CB8AC3E}">
+        <p14:creationId xmlns:p14="http://schemas.microsoft.com/office/powerpoint/2010/main" val="1288834044"/>
+      </p:ext>
+    </p:extLst>
+  </p:cSld>
+  <p:clrMapOvr>
+    <a:masterClrMapping/>
+  </p:clrMapOvr>
+</p:notes>
+</file>
+
+<file path=ppt/notesSlides/notesSlide7.xml><?xml version="1.0" encoding="utf-8"?>
+<p:notes xmlns:a="http://schemas.openxmlformats.org/drawingml/2006/main" xmlns:r="http://schemas.openxmlformats.org/officeDocument/2006/relationships" xmlns:p="http://schemas.openxmlformats.org/presentationml/2006/main">
+  <p:cSld>
+    <p:spTree>
+      <p:nvGrpSpPr>
+        <p:cNvPr id="1" name=""/>
+        <p:cNvGrpSpPr/>
+        <p:nvPr/>
+      </p:nvGrpSpPr>
+      <p:grpSpPr>
+        <a:xfrm>
+          <a:off x="0" y="0"/>
+          <a:ext cx="0" cy="0"/>
+          <a:chOff x="0" y="0"/>
+          <a:chExt cx="0" cy="0"/>
+        </a:xfrm>
+      </p:grpSpPr>
+      <p:sp>
+        <p:nvSpPr>
+          <p:cNvPr id="2" name="Slide Image Placeholder 1"/>
+          <p:cNvSpPr>
+            <a:spLocks noGrp="1" noRot="1" noChangeAspect="1"/>
+          </p:cNvSpPr>
+          <p:nvPr>
+            <p:ph type="sldImg"/>
+          </p:nvPr>
+        </p:nvSpPr>
+        <p:spPr/>
+      </p:sp>
+      <p:sp>
+        <p:nvSpPr>
+          <p:cNvPr id="3" name="Notes Placeholder 2"/>
+          <p:cNvSpPr>
+            <a:spLocks noGrp="1"/>
+          </p:cNvSpPr>
+          <p:nvPr>
+            <p:ph type="body" idx="1"/>
+          </p:nvPr>
+        </p:nvSpPr>
+        <p:spPr/>
+        <p:txBody>
+          <a:bodyPr/>
+          <a:lstStyle/>
+          <a:p>
+            <a:endParaRPr lang="en-US" dirty="0"/>
+          </a:p>
+        </p:txBody>
+      </p:sp>
+      <p:sp>
+        <p:nvSpPr>
+          <p:cNvPr id="4" name="Slide Number Placeholder 3"/>
+          <p:cNvSpPr>
+            <a:spLocks noGrp="1"/>
+          </p:cNvSpPr>
+          <p:nvPr>
+            <p:ph type="sldNum" sz="quarter" idx="5"/>
+          </p:nvPr>
+        </p:nvSpPr>
+        <p:spPr/>
+        <p:txBody>
+          <a:bodyPr/>
+          <a:lstStyle/>
+          <a:p>
+            <a:fld id="{05BC6DBA-3023-8A45-AEFA-36DB5A24FF80}" type="slidenum">
+              <a:rPr lang="en-US" smtClean="0"/>
+              <a:t>14</a:t>
+            </a:fld>
+            <a:endParaRPr lang="en-US"/>
+          </a:p>
+        </p:txBody>
+      </p:sp>
+    </p:spTree>
+    <p:extLst>
+      <p:ext uri="{BB962C8B-B14F-4D97-AF65-F5344CB8AC3E}">
+        <p14:creationId xmlns:p14="http://schemas.microsoft.com/office/powerpoint/2010/main" val="3793808034"/>
+      </p:ext>
+    </p:extLst>
+  </p:cSld>
+  <p:clrMapOvr>
+    <a:masterClrMapping/>
+  </p:clrMapOvr>
+</p:notes>
+</file>
+
+<file path=ppt/notesSlides/notesSlide8.xml><?xml version="1.0" encoding="utf-8"?>
+<p:notes xmlns:a="http://schemas.openxmlformats.org/drawingml/2006/main" xmlns:r="http://schemas.openxmlformats.org/officeDocument/2006/relationships" xmlns:p="http://schemas.openxmlformats.org/presentationml/2006/main">
+  <p:cSld>
+    <p:spTree>
+      <p:nvGrpSpPr>
+        <p:cNvPr id="1" name=""/>
+        <p:cNvGrpSpPr/>
+        <p:nvPr/>
+      </p:nvGrpSpPr>
+      <p:grpSpPr>
+        <a:xfrm>
+          <a:off x="0" y="0"/>
+          <a:ext cx="0" cy="0"/>
+          <a:chOff x="0" y="0"/>
+          <a:chExt cx="0" cy="0"/>
+        </a:xfrm>
+      </p:grpSpPr>
+      <p:sp>
+        <p:nvSpPr>
+          <p:cNvPr id="2" name="Slide Image Placeholder 1"/>
+          <p:cNvSpPr>
+            <a:spLocks noGrp="1" noRot="1" noChangeAspect="1"/>
+          </p:cNvSpPr>
+          <p:nvPr>
+            <p:ph type="sldImg"/>
+          </p:nvPr>
+        </p:nvSpPr>
+        <p:spPr/>
+      </p:sp>
+      <p:sp>
+        <p:nvSpPr>
+          <p:cNvPr id="3" name="Notes Placeholder 2"/>
+          <p:cNvSpPr>
+            <a:spLocks noGrp="1"/>
+          </p:cNvSpPr>
+          <p:nvPr>
+            <p:ph type="body" idx="1"/>
+          </p:nvPr>
+        </p:nvSpPr>
+        <p:spPr/>
+        <p:txBody>
+          <a:bodyPr/>
+          <a:lstStyle/>
+          <a:p>
+            <a:endParaRPr lang="en-US" dirty="0"/>
+          </a:p>
+        </p:txBody>
+      </p:sp>
+      <p:sp>
+        <p:nvSpPr>
+          <p:cNvPr id="4" name="Slide Number Placeholder 3"/>
+          <p:cNvSpPr>
+            <a:spLocks noGrp="1"/>
+          </p:cNvSpPr>
+          <p:nvPr>
+            <p:ph type="sldNum" sz="quarter" idx="5"/>
+          </p:nvPr>
+        </p:nvSpPr>
+        <p:spPr/>
+        <p:txBody>
+          <a:bodyPr/>
+          <a:lstStyle/>
+          <a:p>
+            <a:fld id="{05BC6DBA-3023-8A45-AEFA-36DB5A24FF80}" type="slidenum">
+              <a:rPr lang="en-US" smtClean="0"/>
+              <a:t>16</a:t>
+            </a:fld>
+            <a:endParaRPr lang="en-US"/>
+          </a:p>
+        </p:txBody>
+      </p:sp>
+    </p:spTree>
+    <p:extLst>
+      <p:ext uri="{BB962C8B-B14F-4D97-AF65-F5344CB8AC3E}">
+        <p14:creationId xmlns:p14="http://schemas.microsoft.com/office/powerpoint/2010/main" val="2782582397"/>
+      </p:ext>
+    </p:extLst>
+  </p:cSld>
+  <p:clrMapOvr>
+    <a:masterClrMapping/>
+  </p:clrMapOvr>
+</p:notes>
+</file>
+
+<file path=ppt/notesSlides/notesSlide9.xml><?xml version="1.0" encoding="utf-8"?>
+<p:notes xmlns:a="http://schemas.openxmlformats.org/drawingml/2006/main" xmlns:r="http://schemas.openxmlformats.org/officeDocument/2006/relationships" xmlns:p="http://schemas.openxmlformats.org/presentationml/2006/main">
+  <p:cSld>
+    <p:spTree>
+      <p:nvGrpSpPr>
+        <p:cNvPr id="1" name=""/>
+        <p:cNvGrpSpPr/>
+        <p:nvPr/>
+      </p:nvGrpSpPr>
+      <p:grpSpPr>
+        <a:xfrm>
+          <a:off x="0" y="0"/>
+          <a:ext cx="0" cy="0"/>
+          <a:chOff x="0" y="0"/>
+          <a:chExt cx="0" cy="0"/>
+        </a:xfrm>
+      </p:grpSpPr>
+      <p:sp>
+        <p:nvSpPr>
+          <p:cNvPr id="2" name="Slide Image Placeholder 1"/>
+          <p:cNvSpPr>
+            <a:spLocks noGrp="1" noRot="1" noChangeAspect="1"/>
+          </p:cNvSpPr>
+          <p:nvPr>
+            <p:ph type="sldImg"/>
+          </p:nvPr>
+        </p:nvSpPr>
+        <p:spPr/>
+      </p:sp>
+      <p:sp>
+        <p:nvSpPr>
+          <p:cNvPr id="3" name="Notes Placeholder 2"/>
+          <p:cNvSpPr>
+            <a:spLocks noGrp="1"/>
+          </p:cNvSpPr>
+          <p:nvPr>
+            <p:ph type="body" idx="1"/>
+          </p:nvPr>
+        </p:nvSpPr>
+        <p:spPr/>
+        <p:txBody>
+          <a:bodyPr/>
+          <a:lstStyle/>
+          <a:p>
+            <a:endParaRPr lang="en-US" dirty="0"/>
+          </a:p>
+        </p:txBody>
+      </p:sp>
+      <p:sp>
+        <p:nvSpPr>
+          <p:cNvPr id="4" name="Slide Number Placeholder 3"/>
+          <p:cNvSpPr>
+            <a:spLocks noGrp="1"/>
+          </p:cNvSpPr>
+          <p:nvPr>
+            <p:ph type="sldNum" sz="quarter" idx="5"/>
+          </p:nvPr>
+        </p:nvSpPr>
+        <p:spPr/>
+        <p:txBody>
+          <a:bodyPr/>
+          <a:lstStyle/>
+          <a:p>
+            <a:fld id="{05BC6DBA-3023-8A45-AEFA-36DB5A24FF80}" type="slidenum">
+              <a:rPr lang="en-US" smtClean="0"/>
+              <a:t>20</a:t>
+            </a:fld>
+            <a:endParaRPr lang="en-US"/>
+          </a:p>
+        </p:txBody>
+      </p:sp>
+    </p:spTree>
+    <p:extLst>
+      <p:ext uri="{BB962C8B-B14F-4D97-AF65-F5344CB8AC3E}">
+        <p14:creationId xmlns:p14="http://schemas.microsoft.com/office/powerpoint/2010/main" val="3944851986"/>
       </p:ext>
     </p:extLst>
   </p:cSld>
@@ -985,7 +1594,7 @@
           <a:p>
             <a:fld id="{5C8A62DC-34B9-8C44-926F-1DFCE40A3D12}" type="datetimeFigureOut">
               <a:rPr lang="en-US" smtClean="0"/>
-              <a:t>3/31/25</a:t>
+              <a:t>4/9/25</a:t>
             </a:fld>
             <a:endParaRPr lang="en-US"/>
           </a:p>
@@ -1155,7 +1764,7 @@
           <a:p>
             <a:fld id="{5C8A62DC-34B9-8C44-926F-1DFCE40A3D12}" type="datetimeFigureOut">
               <a:rPr lang="en-US" smtClean="0"/>
-              <a:t>3/31/25</a:t>
+              <a:t>4/9/25</a:t>
             </a:fld>
             <a:endParaRPr lang="en-US"/>
           </a:p>
@@ -1335,7 +1944,7 @@
           <a:p>
             <a:fld id="{5C8A62DC-34B9-8C44-926F-1DFCE40A3D12}" type="datetimeFigureOut">
               <a:rPr lang="en-US" smtClean="0"/>
-              <a:t>3/31/25</a:t>
+              <a:t>4/9/25</a:t>
             </a:fld>
             <a:endParaRPr lang="en-US"/>
           </a:p>
@@ -1505,7 +2114,7 @@
           <a:p>
             <a:fld id="{5C8A62DC-34B9-8C44-926F-1DFCE40A3D12}" type="datetimeFigureOut">
               <a:rPr lang="en-US" smtClean="0"/>
-              <a:t>3/31/25</a:t>
+              <a:t>4/9/25</a:t>
             </a:fld>
             <a:endParaRPr lang="en-US"/>
           </a:p>
@@ -1751,7 +2360,7 @@
           <a:p>
             <a:fld id="{5C8A62DC-34B9-8C44-926F-1DFCE40A3D12}" type="datetimeFigureOut">
               <a:rPr lang="en-US" smtClean="0"/>
-              <a:t>3/31/25</a:t>
+              <a:t>4/9/25</a:t>
             </a:fld>
             <a:endParaRPr lang="en-US"/>
           </a:p>
@@ -1983,7 +2592,7 @@
           <a:p>
             <a:fld id="{5C8A62DC-34B9-8C44-926F-1DFCE40A3D12}" type="datetimeFigureOut">
               <a:rPr lang="en-US" smtClean="0"/>
-              <a:t>3/31/25</a:t>
+              <a:t>4/9/25</a:t>
             </a:fld>
             <a:endParaRPr lang="en-US"/>
           </a:p>
@@ -2350,7 +2959,7 @@
           <a:p>
             <a:fld id="{5C8A62DC-34B9-8C44-926F-1DFCE40A3D12}" type="datetimeFigureOut">
               <a:rPr lang="en-US" smtClean="0"/>
-              <a:t>3/31/25</a:t>
+              <a:t>4/9/25</a:t>
             </a:fld>
             <a:endParaRPr lang="en-US"/>
           </a:p>
@@ -2468,7 +3077,7 @@
           <a:p>
             <a:fld id="{5C8A62DC-34B9-8C44-926F-1DFCE40A3D12}" type="datetimeFigureOut">
               <a:rPr lang="en-US" smtClean="0"/>
-              <a:t>3/31/25</a:t>
+              <a:t>4/9/25</a:t>
             </a:fld>
             <a:endParaRPr lang="en-US"/>
           </a:p>
@@ -2563,7 +3172,7 @@
           <a:p>
             <a:fld id="{5C8A62DC-34B9-8C44-926F-1DFCE40A3D12}" type="datetimeFigureOut">
               <a:rPr lang="en-US" smtClean="0"/>
-              <a:t>3/31/25</a:t>
+              <a:t>4/9/25</a:t>
             </a:fld>
             <a:endParaRPr lang="en-US"/>
           </a:p>
@@ -2840,7 +3449,7 @@
           <a:p>
             <a:fld id="{5C8A62DC-34B9-8C44-926F-1DFCE40A3D12}" type="datetimeFigureOut">
               <a:rPr lang="en-US" smtClean="0"/>
-              <a:t>3/31/25</a:t>
+              <a:t>4/9/25</a:t>
             </a:fld>
             <a:endParaRPr lang="en-US"/>
           </a:p>
@@ -3097,7 +3706,7 @@
           <a:p>
             <a:fld id="{5C8A62DC-34B9-8C44-926F-1DFCE40A3D12}" type="datetimeFigureOut">
               <a:rPr lang="en-US" smtClean="0"/>
-              <a:t>3/31/25</a:t>
+              <a:t>4/9/25</a:t>
             </a:fld>
             <a:endParaRPr lang="en-US"/>
           </a:p>
@@ -3310,7 +3919,7 @@
           <a:p>
             <a:fld id="{5C8A62DC-34B9-8C44-926F-1DFCE40A3D12}" type="datetimeFigureOut">
               <a:rPr lang="en-US" smtClean="0"/>
-              <a:t>3/31/25</a:t>
+              <a:t>4/9/25</a:t>
             </a:fld>
             <a:endParaRPr lang="en-US"/>
           </a:p>
@@ -4021,7 +4630,13 @@
   <p:cSld>
     <p:spTree>
       <p:nvGrpSpPr>
-        <p:cNvPr id="1" name=""/>
+        <p:cNvPr id="1" name="">
+          <a:extLst>
+            <a:ext uri="{FF2B5EF4-FFF2-40B4-BE49-F238E27FC236}">
+              <a16:creationId xmlns:a16="http://schemas.microsoft.com/office/drawing/2014/main" id="{0BBFB818-8535-9DF3-C0E6-A46303EED245}"/>
+            </a:ext>
+          </a:extLst>
+        </p:cNvPr>
         <p:cNvGrpSpPr/>
         <p:nvPr/>
       </p:nvGrpSpPr>
@@ -4038,7 +4653,7 @@
           <p:cNvPr id="2" name="Title 1">
             <a:extLst>
               <a:ext uri="{FF2B5EF4-FFF2-40B4-BE49-F238E27FC236}">
-                <a16:creationId xmlns:a16="http://schemas.microsoft.com/office/drawing/2014/main" id="{DC76DADE-2A74-0D26-0990-A3571030C7DB}"/>
+                <a16:creationId xmlns:a16="http://schemas.microsoft.com/office/drawing/2014/main" id="{77CB3D5F-6E73-C866-699A-CE5E381375C8}"/>
               </a:ext>
             </a:extLst>
           </p:cNvPr>
@@ -4051,8 +4666,8 @@
         </p:nvSpPr>
         <p:spPr>
           <a:xfrm>
-            <a:off x="628650" y="74375"/>
-            <a:ext cx="7886700" cy="1330278"/>
+            <a:off x="628650" y="348795"/>
+            <a:ext cx="7886700" cy="620678"/>
           </a:xfrm>
         </p:spPr>
         <p:txBody>
@@ -4061,88 +4676,56 @@
           </a:bodyPr>
           <a:lstStyle/>
           <a:p>
-            <a:pPr algn="ctr"/>
-            <a:r>
-              <a:rPr lang="en-US" sz="3200" dirty="0"/>
-              <a:t>1-ref: reference indexing</a:t>
-            </a:r>
-            <a:br>
-              <a:rPr lang="en-US" sz="3200" dirty="0"/>
-            </a:br>
-            <a:r>
-              <a:rPr lang="en-US" sz="2400" dirty="0" err="1">
+            <a:r>
+              <a:rPr lang="en-US" sz="3200" b="0" i="0" dirty="0" err="1">
                 <a:solidFill>
-                  <a:srgbClr val="2FB41D"/>
+                  <a:srgbClr val="000000"/>
                 </a:solidFill>
-                <a:latin typeface="Monaco" pitchFamily="2" charset="77"/>
-              </a:rPr>
-              <a:t>bwa.index.sbatch</a:t>
-            </a:r>
-            <a:br>
-              <a:rPr lang="en-US" sz="2400" dirty="0">
+                <a:effectLst/>
+                <a:latin typeface="Yanone Kaffeesatz"/>
+              </a:rPr>
+              <a:t>Slurm</a:t>
+            </a:r>
+            <a:r>
+              <a:rPr lang="en-US" sz="3200" b="0" i="0" dirty="0">
                 <a:solidFill>
-                  <a:srgbClr val="F2F2F2"/>
+                  <a:srgbClr val="000000"/>
                 </a:solidFill>
-                <a:latin typeface="Monaco" pitchFamily="2" charset="77"/>
-              </a:rPr>
-            </a:br>
-            <a:r>
-              <a:rPr lang="en-US" sz="2400" dirty="0" err="1">
+                <a:effectLst/>
+                <a:latin typeface="Yanone Kaffeesatz"/>
+              </a:rPr>
+              <a:t> command – </a:t>
+            </a:r>
+            <a:r>
+              <a:rPr lang="en-US" sz="3200" b="0" i="0" dirty="0" err="1">
                 <a:solidFill>
-                  <a:srgbClr val="2FB41D"/>
+                  <a:srgbClr val="000000"/>
                 </a:solidFill>
-                <a:latin typeface="Monaco" pitchFamily="2" charset="77"/>
-              </a:rPr>
-              <a:t>gatk.index.sbatch</a:t>
-            </a:r>
-            <a:endParaRPr lang="en-US" sz="2400" dirty="0"/>
-          </a:p>
-        </p:txBody>
-      </p:sp>
-      <p:sp>
-        <p:nvSpPr>
-          <p:cNvPr id="3" name="Content Placeholder 2">
+                <a:effectLst/>
+                <a:latin typeface="Yanone Kaffeesatz"/>
+              </a:rPr>
+              <a:t>sbatch</a:t>
+            </a:r>
+            <a:r>
+              <a:rPr lang="en-US" sz="3200" b="0" i="0" dirty="0">
+                <a:solidFill>
+                  <a:srgbClr val="000000"/>
+                </a:solidFill>
+                <a:effectLst/>
+                <a:latin typeface="Yanone Kaffeesatz"/>
+              </a:rPr>
+              <a:t> (III)</a:t>
+            </a:r>
+            <a:endParaRPr lang="en-US" sz="3200" dirty="0"/>
+          </a:p>
+        </p:txBody>
+      </p:sp>
+      <p:sp>
+        <p:nvSpPr>
+          <p:cNvPr id="6" name="TextBox 5">
             <a:extLst>
               <a:ext uri="{FF2B5EF4-FFF2-40B4-BE49-F238E27FC236}">
-                <a16:creationId xmlns:a16="http://schemas.microsoft.com/office/drawing/2014/main" id="{B30B73B8-7B53-23E5-8371-E6AB6065E284}"/>
-              </a:ext>
-            </a:extLst>
-          </p:cNvPr>
-          <p:cNvSpPr>
-            <a:spLocks noGrp="1"/>
-          </p:cNvSpPr>
-          <p:nvPr>
-            <p:ph idx="1"/>
-          </p:nvPr>
-        </p:nvSpPr>
-        <p:spPr>
-          <a:xfrm>
-            <a:off x="628650" y="1534096"/>
-            <a:ext cx="7886700" cy="452063"/>
-          </a:xfrm>
-        </p:spPr>
-        <p:txBody>
-          <a:bodyPr>
-            <a:normAutofit/>
-          </a:bodyPr>
-          <a:lstStyle/>
-          <a:p>
-            <a:pPr marL="0" indent="0">
-              <a:buNone/>
-            </a:pPr>
-            <a:r>
-              <a:rPr lang="en-US" dirty="0"/>
-              <a:t>covid19ref.fasta</a:t>
-            </a:r>
-          </a:p>
-        </p:txBody>
-      </p:sp>
-      <p:sp>
-        <p:nvSpPr>
-          <p:cNvPr id="4" name="TextBox 3">
-            <a:extLst>
-              <a:ext uri="{FF2B5EF4-FFF2-40B4-BE49-F238E27FC236}">
-                <a16:creationId xmlns:a16="http://schemas.microsoft.com/office/drawing/2014/main" id="{7C385777-3D5C-CDAC-F3F7-675CFE4450C5}"/>
+                <a16:creationId xmlns:a16="http://schemas.microsoft.com/office/drawing/2014/main" id="{FF910AF1-AB77-63EC-08B0-3E00DD3370EE}"/>
               </a:ext>
             </a:extLst>
           </p:cNvPr>
@@ -4151,8 +4734,8 @@
         </p:nvSpPr>
         <p:spPr>
           <a:xfrm>
-            <a:off x="628650" y="2094697"/>
-            <a:ext cx="8054940" cy="954107"/>
+            <a:off x="1191717" y="3810027"/>
+            <a:ext cx="5874027" cy="830997"/>
           </a:xfrm>
           <a:prstGeom prst="rect">
             <a:avLst/>
@@ -4160,21 +4743,58 @@
           <a:noFill/>
         </p:spPr>
         <p:txBody>
-          <a:bodyPr wrap="square" rtlCol="0">
+          <a:bodyPr wrap="square">
             <a:spAutoFit/>
           </a:bodyPr>
           <a:lstStyle/>
           <a:p>
-            <a:r>
-              <a:rPr lang="en-US" sz="2800" dirty="0">
-                <a:latin typeface="Courier New" panose="02070309020205020404" pitchFamily="49" charset="0"/>
-                <a:cs typeface="Courier New" panose="02070309020205020404" pitchFamily="49" charset="0"/>
-              </a:rPr>
-              <a:t>bwa index -p $prefix covid19ref.fasta</a:t>
-            </a:r>
-          </a:p>
-          <a:p>
-            <a:endParaRPr lang="en-US" sz="2800" dirty="0">
+            <a:pPr algn="l"/>
+            <a:r>
+              <a:rPr lang="en-US" sz="4800" b="1" i="0" dirty="0" err="1">
+                <a:solidFill>
+                  <a:schemeClr val="accent2">
+                    <a:lumMod val="50000"/>
+                  </a:schemeClr>
+                </a:solidFill>
+                <a:effectLst/>
+                <a:latin typeface="Courier New" panose="02070309020205020404" pitchFamily="49" charset="0"/>
+                <a:cs typeface="Courier New" panose="02070309020205020404" pitchFamily="49" charset="0"/>
+              </a:rPr>
+              <a:t>sbatch</a:t>
+            </a:r>
+            <a:r>
+              <a:rPr lang="en-US" sz="4800" b="1" i="0" dirty="0">
+                <a:solidFill>
+                  <a:schemeClr val="accent2">
+                    <a:lumMod val="50000"/>
+                  </a:schemeClr>
+                </a:solidFill>
+                <a:effectLst/>
+                <a:latin typeface="Courier New" panose="02070309020205020404" pitchFamily="49" charset="0"/>
+                <a:cs typeface="Courier New" panose="02070309020205020404" pitchFamily="49" charset="0"/>
+              </a:rPr>
+              <a:t> </a:t>
+            </a:r>
+            <a:r>
+              <a:rPr lang="en-US" sz="4800" b="1" i="0" dirty="0" err="1">
+                <a:solidFill>
+                  <a:schemeClr val="accent2">
+                    <a:lumMod val="50000"/>
+                  </a:schemeClr>
+                </a:solidFill>
+                <a:effectLst/>
+                <a:latin typeface="Courier New" panose="02070309020205020404" pitchFamily="49" charset="0"/>
+                <a:cs typeface="Courier New" panose="02070309020205020404" pitchFamily="49" charset="0"/>
+              </a:rPr>
+              <a:t>hello.sh</a:t>
+            </a:r>
+            <a:endParaRPr lang="en-US" sz="4800" b="1" i="0" dirty="0">
+              <a:solidFill>
+                <a:schemeClr val="accent2">
+                  <a:lumMod val="50000"/>
+                </a:schemeClr>
+              </a:solidFill>
+              <a:effectLst/>
               <a:latin typeface="Courier New" panose="02070309020205020404" pitchFamily="49" charset="0"/>
               <a:cs typeface="Courier New" panose="02070309020205020404" pitchFamily="49" charset="0"/>
             </a:endParaRPr>
@@ -4183,10 +4803,10 @@
       </p:sp>
       <p:sp>
         <p:nvSpPr>
-          <p:cNvPr id="5" name="TextBox 4">
+          <p:cNvPr id="8" name="TextBox 7">
             <a:extLst>
               <a:ext uri="{FF2B5EF4-FFF2-40B4-BE49-F238E27FC236}">
-                <a16:creationId xmlns:a16="http://schemas.microsoft.com/office/drawing/2014/main" id="{F895A1C4-DFAA-CBCF-0C90-D840D98208C8}"/>
+                <a16:creationId xmlns:a16="http://schemas.microsoft.com/office/drawing/2014/main" id="{5A0DD41E-57D8-FE81-B94E-6732C7603E50}"/>
               </a:ext>
             </a:extLst>
           </p:cNvPr>
@@ -4195,8 +4815,130 @@
         </p:nvSpPr>
         <p:spPr>
           <a:xfrm>
-            <a:off x="628650" y="3098615"/>
-            <a:ext cx="7315200" cy="1815882"/>
+            <a:off x="1248743" y="1551059"/>
+            <a:ext cx="5466851" cy="1938992"/>
+          </a:xfrm>
+          <a:prstGeom prst="rect">
+            <a:avLst/>
+          </a:prstGeom>
+          <a:solidFill>
+            <a:schemeClr val="bg1">
+              <a:lumMod val="85000"/>
+            </a:schemeClr>
+          </a:solidFill>
+        </p:spPr>
+        <p:txBody>
+          <a:bodyPr wrap="square" rtlCol="0">
+            <a:spAutoFit/>
+          </a:bodyPr>
+          <a:lstStyle/>
+          <a:p>
+            <a:r>
+              <a:rPr lang="en-US" sz="2400" dirty="0">
+                <a:latin typeface="Courier New" panose="02070309020205020404" pitchFamily="49" charset="0"/>
+                <a:cs typeface="Courier New" panose="02070309020205020404" pitchFamily="49" charset="0"/>
+              </a:rPr>
+              <a:t>#!/bin/bash</a:t>
+            </a:r>
+          </a:p>
+          <a:p>
+            <a:r>
+              <a:rPr lang="en-US" sz="2400" b="0" i="0" dirty="0">
+                <a:solidFill>
+                  <a:srgbClr val="000000"/>
+                </a:solidFill>
+                <a:effectLst/>
+                <a:latin typeface="Courier New" panose="02070309020205020404" pitchFamily="49" charset="0"/>
+                <a:cs typeface="Courier New" panose="02070309020205020404" pitchFamily="49" charset="0"/>
+              </a:rPr>
+              <a:t>#SBATCH --time=1-00:00:00</a:t>
+            </a:r>
+          </a:p>
+          <a:p>
+            <a:r>
+              <a:rPr lang="en-US" sz="2400" dirty="0">
+                <a:solidFill>
+                  <a:srgbClr val="000000"/>
+                </a:solidFill>
+                <a:latin typeface="Courier New" panose="02070309020205020404" pitchFamily="49" charset="0"/>
+                <a:cs typeface="Courier New" panose="02070309020205020404" pitchFamily="49" charset="0"/>
+              </a:rPr>
+              <a:t>#SBATCH </a:t>
+            </a:r>
+            <a:r>
+              <a:rPr lang="en-US" sz="2400" b="0" i="0" dirty="0">
+                <a:solidFill>
+                  <a:srgbClr val="000000"/>
+                </a:solidFill>
+                <a:effectLst/>
+                <a:latin typeface="Courier New" panose="02070309020205020404" pitchFamily="49" charset="0"/>
+                <a:cs typeface="Courier New" panose="02070309020205020404" pitchFamily="49" charset="0"/>
+              </a:rPr>
+              <a:t>--mem=1G</a:t>
+            </a:r>
+          </a:p>
+          <a:p>
+            <a:r>
+              <a:rPr lang="en-US" sz="2400" b="0" i="0" dirty="0">
+                <a:solidFill>
+                  <a:srgbClr val="000000"/>
+                </a:solidFill>
+                <a:effectLst/>
+                <a:latin typeface="Courier New" panose="02070309020205020404" pitchFamily="49" charset="0"/>
+                <a:cs typeface="Courier New" panose="02070309020205020404" pitchFamily="49" charset="0"/>
+              </a:rPr>
+              <a:t>#SBATCH --</a:t>
+            </a:r>
+            <a:r>
+              <a:rPr lang="en-US" sz="2400" b="0" i="0" dirty="0" err="1">
+                <a:solidFill>
+                  <a:srgbClr val="000000"/>
+                </a:solidFill>
+                <a:effectLst/>
+                <a:latin typeface="Courier New" panose="02070309020205020404" pitchFamily="49" charset="0"/>
+                <a:cs typeface="Courier New" panose="02070309020205020404" pitchFamily="49" charset="0"/>
+              </a:rPr>
+              <a:t>cpus</a:t>
+            </a:r>
+            <a:r>
+              <a:rPr lang="en-US" sz="2400" b="0" i="0" dirty="0">
+                <a:solidFill>
+                  <a:srgbClr val="000000"/>
+                </a:solidFill>
+                <a:effectLst/>
+                <a:latin typeface="Courier New" panose="02070309020205020404" pitchFamily="49" charset="0"/>
+                <a:cs typeface="Courier New" panose="02070309020205020404" pitchFamily="49" charset="0"/>
+              </a:rPr>
+              <a:t>-per-task=1</a:t>
+            </a:r>
+          </a:p>
+          <a:p>
+            <a:r>
+              <a:rPr lang="en-US" sz="2400" dirty="0">
+                <a:latin typeface="Courier New" panose="02070309020205020404" pitchFamily="49" charset="0"/>
+                <a:cs typeface="Courier New" panose="02070309020205020404" pitchFamily="49" charset="0"/>
+              </a:rPr>
+              <a:t>echo "Hello World!"</a:t>
+            </a:r>
+          </a:p>
+        </p:txBody>
+      </p:sp>
+      <p:sp>
+        <p:nvSpPr>
+          <p:cNvPr id="5" name="TextBox 4">
+            <a:extLst>
+              <a:ext uri="{FF2B5EF4-FFF2-40B4-BE49-F238E27FC236}">
+                <a16:creationId xmlns:a16="http://schemas.microsoft.com/office/drawing/2014/main" id="{E28942C8-6648-1EB7-4EA8-84EC1B5DED3F}"/>
+              </a:ext>
+            </a:extLst>
+          </p:cNvPr>
+          <p:cNvSpPr txBox="1"/>
+          <p:nvPr/>
+        </p:nvSpPr>
+        <p:spPr>
+          <a:xfrm>
+            <a:off x="1191717" y="1089394"/>
+            <a:ext cx="5191497" cy="461665"/>
           </a:xfrm>
           <a:prstGeom prst="rect">
             <a:avLst/>
@@ -4204,91 +4946,63 @@
           <a:noFill/>
         </p:spPr>
         <p:txBody>
-          <a:bodyPr wrap="square" rtlCol="0">
+          <a:bodyPr wrap="square">
             <a:spAutoFit/>
           </a:bodyPr>
           <a:lstStyle/>
           <a:p>
             <a:r>
-              <a:rPr lang="en-US" sz="2800" dirty="0" err="1">
-                <a:latin typeface="Courier New" panose="02070309020205020404" pitchFamily="49" charset="0"/>
-                <a:cs typeface="Courier New" panose="02070309020205020404" pitchFamily="49" charset="0"/>
-              </a:rPr>
-              <a:t>gatk</a:t>
-            </a:r>
-            <a:r>
-              <a:rPr lang="en-US" sz="2800" dirty="0">
-                <a:latin typeface="Courier New" panose="02070309020205020404" pitchFamily="49" charset="0"/>
-                <a:cs typeface="Courier New" panose="02070309020205020404" pitchFamily="49" charset="0"/>
-              </a:rPr>
-              <a:t>  </a:t>
-            </a:r>
-            <a:r>
-              <a:rPr lang="en-US" sz="2800" dirty="0" err="1">
-                <a:latin typeface="Courier New" panose="02070309020205020404" pitchFamily="49" charset="0"/>
-                <a:cs typeface="Courier New" panose="02070309020205020404" pitchFamily="49" charset="0"/>
-              </a:rPr>
-              <a:t>CreateSequenceDictionary</a:t>
-            </a:r>
-            <a:r>
-              <a:rPr lang="en-US" sz="2800" dirty="0">
-                <a:latin typeface="Courier New" panose="02070309020205020404" pitchFamily="49" charset="0"/>
-                <a:cs typeface="Courier New" panose="02070309020205020404" pitchFamily="49" charset="0"/>
-              </a:rPr>
-              <a:t> \</a:t>
-            </a:r>
-          </a:p>
-          <a:p>
-            <a:r>
-              <a:rPr lang="en-US" sz="2800" dirty="0">
-                <a:latin typeface="Courier New" panose="02070309020205020404" pitchFamily="49" charset="0"/>
-                <a:cs typeface="Courier New" panose="02070309020205020404" pitchFamily="49" charset="0"/>
-              </a:rPr>
-              <a:t>	-R covid19ref.fasta -O $out</a:t>
-            </a:r>
-          </a:p>
-          <a:p>
-            <a:endParaRPr lang="en-US" sz="2800" dirty="0">
-              <a:latin typeface="Courier New" panose="02070309020205020404" pitchFamily="49" charset="0"/>
-              <a:cs typeface="Courier New" panose="02070309020205020404" pitchFamily="49" charset="0"/>
-            </a:endParaRPr>
-          </a:p>
-          <a:p>
-            <a:r>
-              <a:rPr lang="en-US" sz="2800" dirty="0" err="1">
-                <a:latin typeface="Courier New" panose="02070309020205020404" pitchFamily="49" charset="0"/>
-                <a:cs typeface="Courier New" panose="02070309020205020404" pitchFamily="49" charset="0"/>
-              </a:rPr>
-              <a:t>samtools</a:t>
-            </a:r>
-            <a:r>
-              <a:rPr lang="en-US" sz="2800" dirty="0">
-                <a:latin typeface="Courier New" panose="02070309020205020404" pitchFamily="49" charset="0"/>
-                <a:cs typeface="Courier New" panose="02070309020205020404" pitchFamily="49" charset="0"/>
-              </a:rPr>
-              <a:t> </a:t>
-            </a:r>
-            <a:r>
-              <a:rPr lang="en-US" sz="2800" dirty="0" err="1">
-                <a:latin typeface="Courier New" panose="02070309020205020404" pitchFamily="49" charset="0"/>
-                <a:cs typeface="Courier New" panose="02070309020205020404" pitchFamily="49" charset="0"/>
-              </a:rPr>
-              <a:t>faidx</a:t>
-            </a:r>
-            <a:r>
-              <a:rPr lang="en-US" sz="2800" dirty="0">
-                <a:latin typeface="Courier New" panose="02070309020205020404" pitchFamily="49" charset="0"/>
-                <a:cs typeface="Courier New" panose="02070309020205020404" pitchFamily="49" charset="0"/>
-              </a:rPr>
-              <a:t> covid19ref.fasta</a:t>
-            </a:r>
+              <a:rPr lang="en-US" sz="2400" b="0" i="0" dirty="0" err="1">
+                <a:solidFill>
+                  <a:srgbClr val="000000"/>
+                </a:solidFill>
+                <a:effectLst/>
+                <a:latin typeface="Courier New" panose="02070309020205020404" pitchFamily="49" charset="0"/>
+                <a:cs typeface="Courier New" panose="02070309020205020404" pitchFamily="49" charset="0"/>
+              </a:rPr>
+              <a:t>hello.sh</a:t>
+            </a:r>
+            <a:r>
+              <a:rPr lang="en-US" sz="2400" b="0" i="0" dirty="0">
+                <a:solidFill>
+                  <a:srgbClr val="000000"/>
+                </a:solidFill>
+                <a:effectLst/>
+                <a:latin typeface="Courier New" panose="02070309020205020404" pitchFamily="49" charset="0"/>
+                <a:cs typeface="Courier New" panose="02070309020205020404" pitchFamily="49" charset="0"/>
+              </a:rPr>
+              <a:t> (or </a:t>
+            </a:r>
+            <a:r>
+              <a:rPr lang="en-US" sz="2400" b="0" i="0" dirty="0" err="1">
+                <a:solidFill>
+                  <a:srgbClr val="000000"/>
+                </a:solidFill>
+                <a:effectLst/>
+                <a:latin typeface="Courier New" panose="02070309020205020404" pitchFamily="49" charset="0"/>
+                <a:cs typeface="Courier New" panose="02070309020205020404" pitchFamily="49" charset="0"/>
+              </a:rPr>
+              <a:t>hello.sbatch</a:t>
+            </a:r>
+            <a:r>
+              <a:rPr lang="en-US" sz="2400" b="0" i="0" dirty="0">
+                <a:solidFill>
+                  <a:srgbClr val="000000"/>
+                </a:solidFill>
+                <a:effectLst/>
+                <a:latin typeface="Courier New" panose="02070309020205020404" pitchFamily="49" charset="0"/>
+                <a:cs typeface="Courier New" panose="02070309020205020404" pitchFamily="49" charset="0"/>
+              </a:rPr>
+              <a:t>)</a:t>
+            </a:r>
+            <a:endParaRPr lang="en-US" sz="2400" dirty="0"/>
           </a:p>
         </p:txBody>
       </p:sp>
     </p:spTree>
     <p:extLst>
       <p:ext uri="{BB962C8B-B14F-4D97-AF65-F5344CB8AC3E}">
-        <p14:creationId xmlns:p14="http://schemas.microsoft.com/office/powerpoint/2010/main" val="2182679212"/>
+        <p14:creationId xmlns:p14="http://schemas.microsoft.com/office/powerpoint/2010/main" val="624036159"/>
       </p:ext>
     </p:extLst>
   </p:cSld>
@@ -4333,8 +5047,8 @@
         </p:nvSpPr>
         <p:spPr>
           <a:xfrm>
-            <a:off x="628650" y="248106"/>
-            <a:ext cx="7886700" cy="672564"/>
+            <a:off x="628650" y="74375"/>
+            <a:ext cx="7886700" cy="1330278"/>
           </a:xfrm>
         </p:spPr>
         <p:txBody>
@@ -4345,13 +5059,47 @@
           <a:p>
             <a:pPr algn="ctr"/>
             <a:r>
-              <a:rPr lang="en-US" sz="3200" dirty="0">
-                <a:latin typeface="Courier New" panose="02070309020205020404" pitchFamily="49" charset="0"/>
-                <a:cs typeface="Courier New" panose="02070309020205020404" pitchFamily="49" charset="0"/>
-              </a:rPr>
-              <a:t>2_reads</a:t>
-            </a:r>
-            <a:endParaRPr lang="en-US" sz="3200" dirty="0"/>
+              <a:rPr lang="en-US" sz="3200" b="1">
+                <a:solidFill>
+                  <a:srgbClr val="FF0000"/>
+                </a:solidFill>
+              </a:rPr>
+              <a:t>1_ref</a:t>
+            </a:r>
+            <a:r>
+              <a:rPr lang="en-US" sz="3200" dirty="0"/>
+              <a:t>: reference indexing</a:t>
+            </a:r>
+            <a:br>
+              <a:rPr lang="en-US" sz="3200" dirty="0"/>
+            </a:br>
+            <a:r>
+              <a:rPr lang="en-US" sz="2400" dirty="0" err="1">
+                <a:solidFill>
+                  <a:srgbClr val="2FB41D"/>
+                </a:solidFill>
+                <a:latin typeface="Monaco" pitchFamily="2" charset="77"/>
+              </a:rPr>
+              <a:t>bwa.index.sbatch</a:t>
+            </a:r>
+            <a:br>
+              <a:rPr lang="en-US" sz="2400" dirty="0">
+                <a:solidFill>
+                  <a:srgbClr val="F2F2F2"/>
+                </a:solidFill>
+                <a:latin typeface="Monaco" pitchFamily="2" charset="77"/>
+              </a:rPr>
+            </a:br>
+            <a:r>
+              <a:rPr lang="en-US" sz="2400" dirty="0" err="1">
+                <a:solidFill>
+                  <a:srgbClr val="2FB41D"/>
+                </a:solidFill>
+                <a:latin typeface="Monaco" pitchFamily="2" charset="77"/>
+              </a:rPr>
+              <a:t>gatk.index.sbatch</a:t>
+            </a:r>
+            <a:endParaRPr lang="en-US" sz="2400" dirty="0"/>
           </a:p>
         </p:txBody>
       </p:sp>
@@ -4373,8 +5121,8 @@
         </p:nvSpPr>
         <p:spPr>
           <a:xfrm>
-            <a:off x="2402587" y="1201782"/>
-            <a:ext cx="4643919" cy="3429953"/>
+            <a:off x="628650" y="1534096"/>
+            <a:ext cx="7886700" cy="452063"/>
           </a:xfrm>
         </p:spPr>
         <p:txBody>
@@ -4387,53 +5135,156 @@
               <a:buNone/>
             </a:pPr>
             <a:r>
-              <a:rPr lang="en-US" sz="3200" dirty="0"/>
-              <a:t>s1_1.fq.gz</a:t>
-            </a:r>
-          </a:p>
-          <a:p>
-            <a:pPr marL="0" indent="0">
-              <a:buNone/>
-            </a:pPr>
-            <a:r>
-              <a:rPr lang="en-US" sz="3200" dirty="0"/>
-              <a:t>s1_2.fq.gz</a:t>
-            </a:r>
-          </a:p>
-          <a:p>
-            <a:pPr marL="0" indent="0">
-              <a:buNone/>
-            </a:pPr>
-            <a:r>
-              <a:rPr lang="en-US" sz="3200" dirty="0"/>
-              <a:t>s2_1.fq.gz</a:t>
-            </a:r>
-          </a:p>
-          <a:p>
-            <a:pPr marL="0" indent="0">
-              <a:buNone/>
-            </a:pPr>
-            <a:r>
-              <a:rPr lang="en-US" sz="3200" dirty="0"/>
-              <a:t>s2_2.fq.gz</a:t>
-            </a:r>
-          </a:p>
-          <a:p>
-            <a:pPr marL="0" indent="0">
-              <a:buNone/>
-            </a:pPr>
-            <a:r>
-              <a:rPr lang="en-US" sz="3200" dirty="0"/>
-              <a:t>s3_1.fq.gz</a:t>
-            </a:r>
-          </a:p>
-          <a:p>
-            <a:pPr marL="0" indent="0">
-              <a:buNone/>
-            </a:pPr>
-            <a:r>
-              <a:rPr lang="en-US" sz="3200" dirty="0"/>
-              <a:t>s3_2.fq.gz</a:t>
+              <a:rPr lang="en-US" dirty="0"/>
+              <a:t>covid19ref.fasta</a:t>
+            </a:r>
+          </a:p>
+        </p:txBody>
+      </p:sp>
+      <p:sp>
+        <p:nvSpPr>
+          <p:cNvPr id="4" name="TextBox 3">
+            <a:extLst>
+              <a:ext uri="{FF2B5EF4-FFF2-40B4-BE49-F238E27FC236}">
+                <a16:creationId xmlns:a16="http://schemas.microsoft.com/office/drawing/2014/main" id="{7C385777-3D5C-CDAC-F3F7-675CFE4450C5}"/>
+              </a:ext>
+            </a:extLst>
+          </p:cNvPr>
+          <p:cNvSpPr txBox="1"/>
+          <p:nvPr/>
+        </p:nvSpPr>
+        <p:spPr>
+          <a:xfrm>
+            <a:off x="628650" y="2094697"/>
+            <a:ext cx="8054940" cy="954107"/>
+          </a:xfrm>
+          <a:prstGeom prst="rect">
+            <a:avLst/>
+          </a:prstGeom>
+          <a:noFill/>
+        </p:spPr>
+        <p:txBody>
+          <a:bodyPr wrap="square" rtlCol="0">
+            <a:spAutoFit/>
+          </a:bodyPr>
+          <a:lstStyle/>
+          <a:p>
+            <a:r>
+              <a:rPr lang="en-US" sz="2800" dirty="0">
+                <a:latin typeface="Courier New" panose="02070309020205020404" pitchFamily="49" charset="0"/>
+                <a:cs typeface="Courier New" panose="02070309020205020404" pitchFamily="49" charset="0"/>
+              </a:rPr>
+              <a:t>bwa index -p $prefix covid19ref.fasta</a:t>
+            </a:r>
+          </a:p>
+          <a:p>
+            <a:endParaRPr lang="en-US" sz="2800" dirty="0">
+              <a:latin typeface="Courier New" panose="02070309020205020404" pitchFamily="49" charset="0"/>
+              <a:cs typeface="Courier New" panose="02070309020205020404" pitchFamily="49" charset="0"/>
+            </a:endParaRPr>
+          </a:p>
+        </p:txBody>
+      </p:sp>
+      <p:sp>
+        <p:nvSpPr>
+          <p:cNvPr id="5" name="TextBox 4">
+            <a:extLst>
+              <a:ext uri="{FF2B5EF4-FFF2-40B4-BE49-F238E27FC236}">
+                <a16:creationId xmlns:a16="http://schemas.microsoft.com/office/drawing/2014/main" id="{F895A1C4-DFAA-CBCF-0C90-D840D98208C8}"/>
+              </a:ext>
+            </a:extLst>
+          </p:cNvPr>
+          <p:cNvSpPr txBox="1"/>
+          <p:nvPr/>
+        </p:nvSpPr>
+        <p:spPr>
+          <a:xfrm>
+            <a:off x="628650" y="3098615"/>
+            <a:ext cx="8284762" cy="1754326"/>
+          </a:xfrm>
+          <a:prstGeom prst="rect">
+            <a:avLst/>
+          </a:prstGeom>
+          <a:noFill/>
+        </p:spPr>
+        <p:txBody>
+          <a:bodyPr wrap="square" rtlCol="0">
+            <a:spAutoFit/>
+          </a:bodyPr>
+          <a:lstStyle/>
+          <a:p>
+            <a:r>
+              <a:rPr lang="en-US" sz="2600" dirty="0" err="1">
+                <a:latin typeface="Courier New" panose="02070309020205020404" pitchFamily="49" charset="0"/>
+                <a:cs typeface="Courier New" panose="02070309020205020404" pitchFamily="49" charset="0"/>
+              </a:rPr>
+              <a:t>gatk</a:t>
+            </a:r>
+            <a:r>
+              <a:rPr lang="en-US" sz="2600" dirty="0">
+                <a:latin typeface="Courier New" panose="02070309020205020404" pitchFamily="49" charset="0"/>
+                <a:cs typeface="Courier New" panose="02070309020205020404" pitchFamily="49" charset="0"/>
+              </a:rPr>
+              <a:t>  </a:t>
+            </a:r>
+            <a:r>
+              <a:rPr lang="en-US" sz="2600" dirty="0" err="1">
+                <a:latin typeface="Courier New" panose="02070309020205020404" pitchFamily="49" charset="0"/>
+                <a:cs typeface="Courier New" panose="02070309020205020404" pitchFamily="49" charset="0"/>
+              </a:rPr>
+              <a:t>CreateSequenceDictionary</a:t>
+            </a:r>
+            <a:r>
+              <a:rPr lang="en-US" sz="2600" dirty="0">
+                <a:latin typeface="Courier New" panose="02070309020205020404" pitchFamily="49" charset="0"/>
+                <a:cs typeface="Courier New" panose="02070309020205020404" pitchFamily="49" charset="0"/>
+              </a:rPr>
+              <a:t> \</a:t>
+            </a:r>
+          </a:p>
+          <a:p>
+            <a:r>
+              <a:rPr lang="en-US" sz="2600" dirty="0">
+                <a:latin typeface="Courier New" panose="02070309020205020404" pitchFamily="49" charset="0"/>
+                <a:cs typeface="Courier New" panose="02070309020205020404" pitchFamily="49" charset="0"/>
+              </a:rPr>
+              <a:t>	-R covid19ref.fasta -O covid19ref.dict</a:t>
+            </a:r>
+          </a:p>
+          <a:p>
+            <a:endParaRPr lang="en-US" sz="2800" dirty="0">
+              <a:latin typeface="Courier New" panose="02070309020205020404" pitchFamily="49" charset="0"/>
+              <a:cs typeface="Courier New" panose="02070309020205020404" pitchFamily="49" charset="0"/>
+            </a:endParaRPr>
+          </a:p>
+          <a:p>
+            <a:r>
+              <a:rPr lang="en-US" sz="2800" dirty="0" err="1">
+                <a:latin typeface="Courier New" panose="02070309020205020404" pitchFamily="49" charset="0"/>
+                <a:cs typeface="Courier New" panose="02070309020205020404" pitchFamily="49" charset="0"/>
+              </a:rPr>
+              <a:t>samtools</a:t>
+            </a:r>
+            <a:r>
+              <a:rPr lang="en-US" sz="2800" dirty="0">
+                <a:latin typeface="Courier New" panose="02070309020205020404" pitchFamily="49" charset="0"/>
+                <a:cs typeface="Courier New" panose="02070309020205020404" pitchFamily="49" charset="0"/>
+              </a:rPr>
+              <a:t> </a:t>
+            </a:r>
+            <a:r>
+              <a:rPr lang="en-US" sz="2800" dirty="0" err="1">
+                <a:latin typeface="Courier New" panose="02070309020205020404" pitchFamily="49" charset="0"/>
+                <a:cs typeface="Courier New" panose="02070309020205020404" pitchFamily="49" charset="0"/>
+              </a:rPr>
+              <a:t>faidx</a:t>
+            </a:r>
+            <a:r>
+              <a:rPr lang="en-US" sz="2800" dirty="0">
+                <a:latin typeface="Courier New" panose="02070309020205020404" pitchFamily="49" charset="0"/>
+                <a:cs typeface="Courier New" panose="02070309020205020404" pitchFamily="49" charset="0"/>
+              </a:rPr>
+              <a:t> covid19ref.fasta</a:t>
             </a:r>
           </a:p>
         </p:txBody>
@@ -4441,7 +5292,7 @@
     </p:spTree>
     <p:extLst>
       <p:ext uri="{BB962C8B-B14F-4D97-AF65-F5344CB8AC3E}">
-        <p14:creationId xmlns:p14="http://schemas.microsoft.com/office/powerpoint/2010/main" val="1003536524"/>
+        <p14:creationId xmlns:p14="http://schemas.microsoft.com/office/powerpoint/2010/main" val="2182679212"/>
       </p:ext>
     </p:extLst>
   </p:cSld>
@@ -4486,8 +5337,8 @@
         </p:nvSpPr>
         <p:spPr>
           <a:xfrm>
-            <a:off x="628650" y="230688"/>
-            <a:ext cx="7886700" cy="1083529"/>
+            <a:off x="628650" y="248106"/>
+            <a:ext cx="7886700" cy="672564"/>
           </a:xfrm>
         </p:spPr>
         <p:txBody>
@@ -4498,22 +5349,12 @@
           <a:p>
             <a:pPr algn="ctr"/>
             <a:r>
-              <a:rPr lang="en-US" sz="3200" dirty="0"/>
-              <a:t>3_aln (I)</a:t>
-            </a:r>
-            <a:br>
-              <a:rPr lang="en-US" sz="3200" dirty="0"/>
-            </a:br>
-            <a:r>
-              <a:rPr lang="en-US" sz="2400" dirty="0">
-                <a:solidFill>
-                  <a:srgbClr val="2FB41D"/>
-                </a:solidFill>
-                <a:latin typeface="Monaco" pitchFamily="2" charset="77"/>
-              </a:rPr>
-              <a:t>1c_bwa.sh</a:t>
-            </a:r>
-            <a:endParaRPr lang="en-US" sz="2400" dirty="0"/>
+              <a:rPr lang="en-US" sz="3200" dirty="0">
+                <a:cs typeface="Courier New" panose="02070309020205020404" pitchFamily="49" charset="0"/>
+              </a:rPr>
+              <a:t>2_reads</a:t>
+            </a:r>
+            <a:endParaRPr lang="en-US" sz="3200" dirty="0"/>
           </a:p>
         </p:txBody>
       </p:sp>
@@ -4535,44 +5376,22 @@
         </p:nvSpPr>
         <p:spPr>
           <a:xfrm>
-            <a:off x="628650" y="1602377"/>
-            <a:ext cx="7886700" cy="3191160"/>
+            <a:off x="2402587" y="1201782"/>
+            <a:ext cx="4643919" cy="3429953"/>
           </a:xfrm>
         </p:spPr>
         <p:txBody>
-          <a:bodyPr/>
+          <a:bodyPr>
+            <a:normAutofit/>
+          </a:bodyPr>
           <a:lstStyle/>
           <a:p>
             <a:pPr marL="0" indent="0">
               <a:buNone/>
             </a:pPr>
             <a:r>
-              <a:rPr lang="en-US" dirty="0" err="1">
-                <a:latin typeface="Courier New" panose="02070309020205020404" pitchFamily="49" charset="0"/>
-                <a:cs typeface="Courier New" panose="02070309020205020404" pitchFamily="49" charset="0"/>
-              </a:rPr>
-              <a:t>perl</a:t>
-            </a:r>
-            <a:r>
-              <a:rPr lang="en-US" dirty="0">
-                <a:latin typeface="Courier New" panose="02070309020205020404" pitchFamily="49" charset="0"/>
-                <a:cs typeface="Courier New" panose="02070309020205020404" pitchFamily="49" charset="0"/>
-              </a:rPr>
-              <a:t> ../scripts/bwa/</a:t>
-            </a:r>
-            <a:r>
-              <a:rPr lang="en-US" dirty="0" err="1">
-                <a:latin typeface="Courier New" panose="02070309020205020404" pitchFamily="49" charset="0"/>
-                <a:cs typeface="Courier New" panose="02070309020205020404" pitchFamily="49" charset="0"/>
-              </a:rPr>
-              <a:t>bwa.sbatch.pl</a:t>
-            </a:r>
-            <a:r>
-              <a:rPr lang="en-US" dirty="0">
-                <a:latin typeface="Courier New" panose="02070309020205020404" pitchFamily="49" charset="0"/>
-                <a:cs typeface="Courier New" panose="02070309020205020404" pitchFamily="49" charset="0"/>
-              </a:rPr>
-              <a:t> \</a:t>
+              <a:rPr lang="en-US" sz="3200" dirty="0"/>
+              <a:t>s1_1.fq.gz</a:t>
             </a:r>
           </a:p>
           <a:p>
@@ -4580,11 +5399,8 @@
               <a:buNone/>
             </a:pPr>
             <a:r>
-              <a:rPr lang="en-US" dirty="0">
-                <a:latin typeface="Courier New" panose="02070309020205020404" pitchFamily="49" charset="0"/>
-                <a:cs typeface="Courier New" panose="02070309020205020404" pitchFamily="49" charset="0"/>
-              </a:rPr>
-              <a:t>    --mem 1G --time 1:00:00 \</a:t>
+              <a:rPr lang="en-US" sz="3200" dirty="0"/>
+              <a:t>s1_2.fq.gz</a:t>
             </a:r>
           </a:p>
           <a:p>
@@ -4592,11 +5408,8 @@
               <a:buNone/>
             </a:pPr>
             <a:r>
-              <a:rPr lang="en-US" dirty="0">
-                <a:latin typeface="Courier New" panose="02070309020205020404" pitchFamily="49" charset="0"/>
-                <a:cs typeface="Courier New" panose="02070309020205020404" pitchFamily="49" charset="0"/>
-              </a:rPr>
-              <a:t>    --threads 1 \</a:t>
+              <a:rPr lang="en-US" sz="3200" dirty="0"/>
+              <a:t>s2_1.fq.gz</a:t>
             </a:r>
           </a:p>
           <a:p>
@@ -4604,25 +5417,8 @@
               <a:buNone/>
             </a:pPr>
             <a:r>
-              <a:rPr lang="en-US" dirty="0">
-                <a:latin typeface="Courier New" panose="02070309020205020404" pitchFamily="49" charset="0"/>
-                <a:cs typeface="Courier New" panose="02070309020205020404" pitchFamily="49" charset="0"/>
-              </a:rPr>
-              <a:t>    --</a:t>
-            </a:r>
-            <a:r>
-              <a:rPr lang="en-US" dirty="0" err="1">
-                <a:latin typeface="Courier New" panose="02070309020205020404" pitchFamily="49" charset="0"/>
-                <a:cs typeface="Courier New" panose="02070309020205020404" pitchFamily="49" charset="0"/>
-              </a:rPr>
-              <a:t>indir</a:t>
-            </a:r>
-            <a:r>
-              <a:rPr lang="en-US" dirty="0">
-                <a:latin typeface="Courier New" panose="02070309020205020404" pitchFamily="49" charset="0"/>
-                <a:cs typeface="Courier New" panose="02070309020205020404" pitchFamily="49" charset="0"/>
-              </a:rPr>
-              <a:t> ../2_reads \</a:t>
+              <a:rPr lang="en-US" sz="3200" dirty="0"/>
+              <a:t>s2_2.fq.gz</a:t>
             </a:r>
           </a:p>
           <a:p>
@@ -4630,25 +5426,8 @@
               <a:buNone/>
             </a:pPr>
             <a:r>
-              <a:rPr lang="en-US" dirty="0">
-                <a:latin typeface="Courier New" panose="02070309020205020404" pitchFamily="49" charset="0"/>
-                <a:cs typeface="Courier New" panose="02070309020205020404" pitchFamily="49" charset="0"/>
-              </a:rPr>
-              <a:t>    --</a:t>
-            </a:r>
-            <a:r>
-              <a:rPr lang="en-US" dirty="0" err="1">
-                <a:latin typeface="Courier New" panose="02070309020205020404" pitchFamily="49" charset="0"/>
-                <a:cs typeface="Courier New" panose="02070309020205020404" pitchFamily="49" charset="0"/>
-              </a:rPr>
-              <a:t>outdir</a:t>
-            </a:r>
-            <a:r>
-              <a:rPr lang="en-US" dirty="0">
-                <a:latin typeface="Courier New" panose="02070309020205020404" pitchFamily="49" charset="0"/>
-                <a:cs typeface="Courier New" panose="02070309020205020404" pitchFamily="49" charset="0"/>
-              </a:rPr>
-              <a:t> . \</a:t>
+              <a:rPr lang="en-US" sz="3200" dirty="0"/>
+              <a:t>s3_1.fq.gz</a:t>
             </a:r>
           </a:p>
           <a:p>
@@ -4656,49 +5435,8 @@
               <a:buNone/>
             </a:pPr>
             <a:r>
-              <a:rPr lang="en-US" dirty="0">
-                <a:latin typeface="Courier New" panose="02070309020205020404" pitchFamily="49" charset="0"/>
-                <a:cs typeface="Courier New" panose="02070309020205020404" pitchFamily="49" charset="0"/>
-              </a:rPr>
-              <a:t>    --</a:t>
-            </a:r>
-            <a:r>
-              <a:rPr lang="en-US" dirty="0" err="1">
-                <a:latin typeface="Courier New" panose="02070309020205020404" pitchFamily="49" charset="0"/>
-                <a:cs typeface="Courier New" panose="02070309020205020404" pitchFamily="49" charset="0"/>
-              </a:rPr>
-              <a:t>db</a:t>
-            </a:r>
-            <a:r>
-              <a:rPr lang="en-US" dirty="0">
-                <a:latin typeface="Courier New" panose="02070309020205020404" pitchFamily="49" charset="0"/>
-                <a:cs typeface="Courier New" panose="02070309020205020404" pitchFamily="49" charset="0"/>
-              </a:rPr>
-              <a:t> ../1_ref/bwa/covid19ref \</a:t>
-            </a:r>
-          </a:p>
-          <a:p>
-            <a:pPr marL="0" indent="0">
-              <a:buNone/>
-            </a:pPr>
-            <a:r>
-              <a:rPr lang="en-US" dirty="0">
-                <a:latin typeface="Courier New" panose="02070309020205020404" pitchFamily="49" charset="0"/>
-                <a:cs typeface="Courier New" panose="02070309020205020404" pitchFamily="49" charset="0"/>
-              </a:rPr>
-              <a:t>    --fq1feature _1.fq.gz \</a:t>
-            </a:r>
-          </a:p>
-          <a:p>
-            <a:pPr marL="0" indent="0">
-              <a:buNone/>
-            </a:pPr>
-            <a:r>
-              <a:rPr lang="en-US" dirty="0">
-                <a:latin typeface="Courier New" panose="02070309020205020404" pitchFamily="49" charset="0"/>
-                <a:cs typeface="Courier New" panose="02070309020205020404" pitchFamily="49" charset="0"/>
-              </a:rPr>
-              <a:t>    --fq2feature _2.fq.gz</a:t>
+              <a:rPr lang="en-US" sz="3200" dirty="0"/>
+              <a:t>s3_2.fq.gz</a:t>
             </a:r>
           </a:p>
         </p:txBody>
@@ -4706,7 +5444,7 @@
     </p:spTree>
     <p:extLst>
       <p:ext uri="{BB962C8B-B14F-4D97-AF65-F5344CB8AC3E}">
-        <p14:creationId xmlns:p14="http://schemas.microsoft.com/office/powerpoint/2010/main" val="1496424615"/>
+        <p14:creationId xmlns:p14="http://schemas.microsoft.com/office/powerpoint/2010/main" val="1003536524"/>
       </p:ext>
     </p:extLst>
   </p:cSld>
@@ -4751,8 +5489,8 @@
         </p:nvSpPr>
         <p:spPr>
           <a:xfrm>
-            <a:off x="628650" y="234061"/>
-            <a:ext cx="7886700" cy="1017141"/>
+            <a:off x="628650" y="230688"/>
+            <a:ext cx="7886700" cy="1083529"/>
           </a:xfrm>
         </p:spPr>
         <p:txBody>
@@ -4763,8 +5501,16 @@
           <a:p>
             <a:pPr algn="ctr"/>
             <a:r>
+              <a:rPr lang="en-US" sz="3200" b="1" dirty="0">
+                <a:solidFill>
+                  <a:srgbClr val="FF0000"/>
+                </a:solidFill>
+              </a:rPr>
+              <a:t>3_aln </a:t>
+            </a:r>
+            <a:r>
               <a:rPr lang="en-US" sz="3200" dirty="0"/>
-              <a:t>3_aln (II)</a:t>
+              <a:t>(I)</a:t>
             </a:r>
             <a:br>
               <a:rPr lang="en-US" sz="3200" dirty="0"/>
@@ -4776,7 +5522,7 @@
                 </a:solidFill>
                 <a:latin typeface="Monaco" pitchFamily="2" charset="77"/>
               </a:rPr>
-              <a:t>2c_sam2bam.sh</a:t>
+              <a:t>1c_bwa.sh</a:t>
             </a:r>
             <a:endParaRPr lang="en-US" sz="2400" dirty="0"/>
           </a:p>
@@ -4800,8 +5546,8 @@
         </p:nvSpPr>
         <p:spPr>
           <a:xfrm>
-            <a:off x="706992" y="1402080"/>
-            <a:ext cx="7808358" cy="3187337"/>
+            <a:off x="628650" y="1602377"/>
+            <a:ext cx="7886700" cy="3191160"/>
           </a:xfrm>
         </p:spPr>
         <p:txBody>
@@ -4812,11 +5558,32 @@
               <a:buNone/>
             </a:pPr>
             <a:r>
+              <a:rPr lang="en-US" dirty="0" err="1">
+                <a:latin typeface="Courier New" panose="02070309020205020404" pitchFamily="49" charset="0"/>
+                <a:cs typeface="Courier New" panose="02070309020205020404" pitchFamily="49" charset="0"/>
+              </a:rPr>
+              <a:t>perl</a:t>
+            </a:r>
+            <a:r>
               <a:rPr lang="en-US" dirty="0">
                 <a:latin typeface="Courier New" panose="02070309020205020404" pitchFamily="49" charset="0"/>
                 <a:cs typeface="Courier New" panose="02070309020205020404" pitchFamily="49" charset="0"/>
               </a:rPr>
-              <a:t># SAM to sorted BAM</a:t>
+              <a:t> ../scripts/bwa/</a:t>
+            </a:r>
+            <a:r>
+              <a:rPr lang="en-US" dirty="0" err="1">
+                <a:latin typeface="Courier New" panose="02070309020205020404" pitchFamily="49" charset="0"/>
+                <a:cs typeface="Courier New" panose="02070309020205020404" pitchFamily="49" charset="0"/>
+              </a:rPr>
+              <a:t>bwa.sbatch.pl</a:t>
+            </a:r>
+            <a:r>
+              <a:rPr lang="en-US" dirty="0">
+                <a:latin typeface="Courier New" panose="02070309020205020404" pitchFamily="49" charset="0"/>
+                <a:cs typeface="Courier New" panose="02070309020205020404" pitchFamily="49" charset="0"/>
+              </a:rPr>
+              <a:t> \</a:t>
             </a:r>
           </a:p>
           <a:p>
@@ -4824,32 +5591,75 @@
               <a:buNone/>
             </a:pPr>
             <a:r>
+              <a:rPr lang="en-US" dirty="0">
+                <a:latin typeface="Courier New" panose="02070309020205020404" pitchFamily="49" charset="0"/>
+                <a:cs typeface="Courier New" panose="02070309020205020404" pitchFamily="49" charset="0"/>
+              </a:rPr>
+              <a:t>    --mem 1G --time 1:00:00 \</a:t>
+            </a:r>
+          </a:p>
+          <a:p>
+            <a:pPr marL="0" indent="0">
+              <a:buNone/>
+            </a:pPr>
+            <a:r>
+              <a:rPr lang="en-US" dirty="0">
+                <a:latin typeface="Courier New" panose="02070309020205020404" pitchFamily="49" charset="0"/>
+                <a:cs typeface="Courier New" panose="02070309020205020404" pitchFamily="49" charset="0"/>
+              </a:rPr>
+              <a:t>    --threads 1 \</a:t>
+            </a:r>
+          </a:p>
+          <a:p>
+            <a:pPr marL="0" indent="0">
+              <a:buNone/>
+            </a:pPr>
+            <a:r>
+              <a:rPr lang="en-US" dirty="0">
+                <a:latin typeface="Courier New" panose="02070309020205020404" pitchFamily="49" charset="0"/>
+                <a:cs typeface="Courier New" panose="02070309020205020404" pitchFamily="49" charset="0"/>
+              </a:rPr>
+              <a:t>    --</a:t>
+            </a:r>
+            <a:r>
               <a:rPr lang="en-US" dirty="0" err="1">
                 <a:latin typeface="Courier New" panose="02070309020205020404" pitchFamily="49" charset="0"/>
                 <a:cs typeface="Courier New" panose="02070309020205020404" pitchFamily="49" charset="0"/>
               </a:rPr>
-              <a:t>samtools</a:t>
+              <a:t>indir</a:t>
             </a:r>
             <a:r>
               <a:rPr lang="en-US" dirty="0">
                 <a:latin typeface="Courier New" panose="02070309020205020404" pitchFamily="49" charset="0"/>
                 <a:cs typeface="Courier New" panose="02070309020205020404" pitchFamily="49" charset="0"/>
               </a:rPr>
-              <a:t> view -@ $</a:t>
+              <a:t> ../2_reads \</a:t>
+            </a:r>
+          </a:p>
+          <a:p>
+            <a:pPr marL="0" indent="0">
+              <a:buNone/>
+            </a:pPr>
+            <a:r>
+              <a:rPr lang="en-US" dirty="0">
+                <a:latin typeface="Courier New" panose="02070309020205020404" pitchFamily="49" charset="0"/>
+                <a:cs typeface="Courier New" panose="02070309020205020404" pitchFamily="49" charset="0"/>
+              </a:rPr>
+              <a:t>    --</a:t>
             </a:r>
             <a:r>
               <a:rPr lang="en-US" dirty="0" err="1">
                 <a:latin typeface="Courier New" panose="02070309020205020404" pitchFamily="49" charset="0"/>
                 <a:cs typeface="Courier New" panose="02070309020205020404" pitchFamily="49" charset="0"/>
               </a:rPr>
-              <a:t>ncpu</a:t>
+              <a:t>outdir</a:t>
             </a:r>
             <a:r>
               <a:rPr lang="en-US" dirty="0">
                 <a:latin typeface="Courier New" panose="02070309020205020404" pitchFamily="49" charset="0"/>
                 <a:cs typeface="Courier New" panose="02070309020205020404" pitchFamily="49" charset="0"/>
               </a:rPr>
-              <a:t> \</a:t>
+              <a:t> . \</a:t>
             </a:r>
           </a:p>
           <a:p>
@@ -4861,35 +5671,33 @@
                 <a:latin typeface="Courier New" panose="02070309020205020404" pitchFamily="49" charset="0"/>
                 <a:cs typeface="Courier New" panose="02070309020205020404" pitchFamily="49" charset="0"/>
               </a:rPr>
-              <a:t>	-</a:t>
+              <a:t>    --</a:t>
             </a:r>
             <a:r>
               <a:rPr lang="en-US" dirty="0" err="1">
                 <a:latin typeface="Courier New" panose="02070309020205020404" pitchFamily="49" charset="0"/>
                 <a:cs typeface="Courier New" panose="02070309020205020404" pitchFamily="49" charset="0"/>
               </a:rPr>
-              <a:t>bS</a:t>
+              <a:t>db</a:t>
             </a:r>
             <a:r>
               <a:rPr lang="en-US" dirty="0">
                 <a:latin typeface="Courier New" panose="02070309020205020404" pitchFamily="49" charset="0"/>
                 <a:cs typeface="Courier New" panose="02070309020205020404" pitchFamily="49" charset="0"/>
               </a:rPr>
-              <a:t> $</a:t>
-            </a:r>
-            <a:r>
-              <a:rPr lang="en-US" dirty="0" err="1">
-                <a:latin typeface="Courier New" panose="02070309020205020404" pitchFamily="49" charset="0"/>
-                <a:cs typeface="Courier New" panose="02070309020205020404" pitchFamily="49" charset="0"/>
-              </a:rPr>
-              <a:t>out.sam</a:t>
-            </a:r>
+              <a:t> ../1_ref/bwa/covid19ref \</a:t>
+            </a:r>
+          </a:p>
+          <a:p>
+            <a:pPr marL="0" indent="0">
+              <a:buNone/>
+            </a:pPr>
             <a:r>
               <a:rPr lang="en-US" dirty="0">
                 <a:latin typeface="Courier New" panose="02070309020205020404" pitchFamily="49" charset="0"/>
                 <a:cs typeface="Courier New" panose="02070309020205020404" pitchFamily="49" charset="0"/>
               </a:rPr>
-              <a:t> | \</a:t>
+              <a:t>    --fq1feature _1.fq.gz \</a:t>
             </a:r>
           </a:p>
           <a:p>
@@ -4901,143 +5709,15 @@
                 <a:latin typeface="Courier New" panose="02070309020205020404" pitchFamily="49" charset="0"/>
                 <a:cs typeface="Courier New" panose="02070309020205020404" pitchFamily="49" charset="0"/>
               </a:rPr>
-              <a:t>	</a:t>
-            </a:r>
-            <a:r>
-              <a:rPr lang="en-US" dirty="0" err="1">
-                <a:latin typeface="Courier New" panose="02070309020205020404" pitchFamily="49" charset="0"/>
-                <a:cs typeface="Courier New" panose="02070309020205020404" pitchFamily="49" charset="0"/>
-              </a:rPr>
-              <a:t>samtools</a:t>
-            </a:r>
-            <a:r>
-              <a:rPr lang="en-US" dirty="0">
-                <a:latin typeface="Courier New" panose="02070309020205020404" pitchFamily="49" charset="0"/>
-                <a:cs typeface="Courier New" panose="02070309020205020404" pitchFamily="49" charset="0"/>
-              </a:rPr>
-              <a:t> sort -@ $</a:t>
-            </a:r>
-            <a:r>
-              <a:rPr lang="en-US" dirty="0" err="1">
-                <a:latin typeface="Courier New" panose="02070309020205020404" pitchFamily="49" charset="0"/>
-                <a:cs typeface="Courier New" panose="02070309020205020404" pitchFamily="49" charset="0"/>
-              </a:rPr>
-              <a:t>ncpu</a:t>
-            </a:r>
-            <a:r>
-              <a:rPr lang="en-US" dirty="0">
-                <a:latin typeface="Courier New" panose="02070309020205020404" pitchFamily="49" charset="0"/>
-                <a:cs typeface="Courier New" panose="02070309020205020404" pitchFamily="49" charset="0"/>
-              </a:rPr>
-              <a:t> \</a:t>
-            </a:r>
-          </a:p>
-          <a:p>
-            <a:pPr marL="0" indent="0">
-              <a:buNone/>
-            </a:pPr>
-            <a:r>
-              <a:rPr lang="en-US" dirty="0">
-                <a:latin typeface="Courier New" panose="02070309020205020404" pitchFamily="49" charset="0"/>
-                <a:cs typeface="Courier New" panose="02070309020205020404" pitchFamily="49" charset="0"/>
-              </a:rPr>
-              <a:t>	-o $</a:t>
-            </a:r>
-            <a:r>
-              <a:rPr lang="en-US" dirty="0" err="1">
-                <a:latin typeface="Courier New" panose="02070309020205020404" pitchFamily="49" charset="0"/>
-                <a:cs typeface="Courier New" panose="02070309020205020404" pitchFamily="49" charset="0"/>
-              </a:rPr>
-              <a:t>out.bam</a:t>
-            </a:r>
-            <a:r>
-              <a:rPr lang="en-US" dirty="0">
-                <a:latin typeface="Courier New" panose="02070309020205020404" pitchFamily="49" charset="0"/>
-                <a:cs typeface="Courier New" panose="02070309020205020404" pitchFamily="49" charset="0"/>
-              </a:rPr>
-              <a:t> -</a:t>
-            </a:r>
-          </a:p>
-          <a:p>
-            <a:pPr marL="0" indent="0">
-              <a:buNone/>
-            </a:pPr>
-            <a:r>
-              <a:rPr lang="en-US" dirty="0">
-                <a:latin typeface="Courier New" panose="02070309020205020404" pitchFamily="49" charset="0"/>
-                <a:cs typeface="Courier New" panose="02070309020205020404" pitchFamily="49" charset="0"/>
-              </a:rPr>
-              <a:t>    </a:t>
-            </a:r>
-          </a:p>
-          <a:p>
-            <a:pPr marL="0" indent="0">
-              <a:buNone/>
-            </a:pPr>
-            <a:r>
-              <a:rPr lang="en-US" dirty="0">
-                <a:latin typeface="Courier New" panose="02070309020205020404" pitchFamily="49" charset="0"/>
-                <a:cs typeface="Courier New" panose="02070309020205020404" pitchFamily="49" charset="0"/>
-              </a:rPr>
-              <a:t># Index sorted BAM:</a:t>
-            </a:r>
-          </a:p>
-          <a:p>
-            <a:pPr marL="0" indent="0">
-              <a:buNone/>
-            </a:pPr>
-            <a:r>
-              <a:rPr lang="en-US" dirty="0" err="1">
-                <a:latin typeface="Courier New" panose="02070309020205020404" pitchFamily="49" charset="0"/>
-                <a:cs typeface="Courier New" panose="02070309020205020404" pitchFamily="49" charset="0"/>
-              </a:rPr>
-              <a:t>samtools</a:t>
-            </a:r>
-            <a:r>
-              <a:rPr lang="en-US" dirty="0">
-                <a:latin typeface="Courier New" panose="02070309020205020404" pitchFamily="49" charset="0"/>
-                <a:cs typeface="Courier New" panose="02070309020205020404" pitchFamily="49" charset="0"/>
-              </a:rPr>
-              <a:t> index -@ $</a:t>
-            </a:r>
-            <a:r>
-              <a:rPr lang="en-US" dirty="0" err="1">
-                <a:latin typeface="Courier New" panose="02070309020205020404" pitchFamily="49" charset="0"/>
-                <a:cs typeface="Courier New" panose="02070309020205020404" pitchFamily="49" charset="0"/>
-              </a:rPr>
-              <a:t>ncpu</a:t>
-            </a:r>
-            <a:r>
-              <a:rPr lang="en-US" dirty="0">
-                <a:latin typeface="Courier New" panose="02070309020205020404" pitchFamily="49" charset="0"/>
-                <a:cs typeface="Courier New" panose="02070309020205020404" pitchFamily="49" charset="0"/>
-              </a:rPr>
-              <a:t> $</a:t>
-            </a:r>
-            <a:r>
-              <a:rPr lang="en-US" dirty="0" err="1">
-                <a:latin typeface="Courier New" panose="02070309020205020404" pitchFamily="49" charset="0"/>
-                <a:cs typeface="Courier New" panose="02070309020205020404" pitchFamily="49" charset="0"/>
-              </a:rPr>
-              <a:t>out.bam</a:t>
-            </a:r>
-            <a:endParaRPr lang="en-US" dirty="0">
-              <a:latin typeface="Courier New" panose="02070309020205020404" pitchFamily="49" charset="0"/>
-              <a:cs typeface="Courier New" panose="02070309020205020404" pitchFamily="49" charset="0"/>
-            </a:endParaRPr>
-          </a:p>
-          <a:p>
-            <a:pPr marL="0" indent="0">
-              <a:buNone/>
-            </a:pPr>
-            <a:endParaRPr lang="en-US" dirty="0"/>
+              <a:t>    --fq2feature _2.fq.gz</a:t>
+            </a:r>
           </a:p>
         </p:txBody>
       </p:sp>
     </p:spTree>
     <p:extLst>
       <p:ext uri="{BB962C8B-B14F-4D97-AF65-F5344CB8AC3E}">
-        <p14:creationId xmlns:p14="http://schemas.microsoft.com/office/powerpoint/2010/main" val="169136605"/>
+        <p14:creationId xmlns:p14="http://schemas.microsoft.com/office/powerpoint/2010/main" val="1496424615"/>
       </p:ext>
     </p:extLst>
   </p:cSld>
@@ -5082,8 +5762,8 @@
         </p:nvSpPr>
         <p:spPr>
           <a:xfrm>
-            <a:off x="628650" y="-43195"/>
-            <a:ext cx="7886700" cy="1114351"/>
+            <a:off x="628650" y="234061"/>
+            <a:ext cx="7886700" cy="1017141"/>
           </a:xfrm>
         </p:spPr>
         <p:txBody>
@@ -5094,8 +5774,16 @@
           <a:p>
             <a:pPr algn="ctr"/>
             <a:r>
+              <a:rPr lang="en-US" sz="3200" b="1" dirty="0">
+                <a:solidFill>
+                  <a:srgbClr val="FF0000"/>
+                </a:solidFill>
+              </a:rPr>
+              <a:t>3_aln</a:t>
+            </a:r>
+            <a:r>
               <a:rPr lang="en-US" sz="3200" dirty="0"/>
-              <a:t>4_snp (I) – GATK</a:t>
+              <a:t> (II)</a:t>
             </a:r>
             <a:br>
               <a:rPr lang="en-US" sz="3200" dirty="0"/>
@@ -5107,7 +5795,7 @@
                 </a:solidFill>
                 <a:latin typeface="Monaco" pitchFamily="2" charset="77"/>
               </a:rPr>
-              <a:t>1c_gatk.sh</a:t>
+              <a:t>2c_sam2bam.sh</a:t>
             </a:r>
             <a:endParaRPr lang="en-US" sz="2400" dirty="0"/>
           </a:p>
@@ -5131,14 +5819,12 @@
         </p:nvSpPr>
         <p:spPr>
           <a:xfrm>
-            <a:off x="628650" y="1184366"/>
-            <a:ext cx="7886700" cy="3841310"/>
+            <a:off x="706992" y="1402080"/>
+            <a:ext cx="7808358" cy="3187337"/>
           </a:xfrm>
         </p:spPr>
         <p:txBody>
-          <a:bodyPr>
-            <a:normAutofit lnSpcReduction="10000"/>
-          </a:bodyPr>
+          <a:bodyPr/>
           <a:lstStyle/>
           <a:p>
             <a:pPr marL="0" indent="0">
@@ -5149,21 +5835,40 @@
                 <a:latin typeface="Courier New" panose="02070309020205020404" pitchFamily="49" charset="0"/>
                 <a:cs typeface="Courier New" panose="02070309020205020404" pitchFamily="49" charset="0"/>
               </a:rPr>
-              <a:t>ref=../1_ref/</a:t>
-            </a:r>
+              <a:t># SAM to sorted BAM</a:t>
+            </a:r>
+          </a:p>
+          <a:p>
+            <a:pPr marL="0" indent="0">
+              <a:buNone/>
+            </a:pPr>
             <a:r>
               <a:rPr lang="en-US" dirty="0" err="1">
                 <a:latin typeface="Courier New" panose="02070309020205020404" pitchFamily="49" charset="0"/>
                 <a:cs typeface="Courier New" panose="02070309020205020404" pitchFamily="49" charset="0"/>
               </a:rPr>
-              <a:t>gatk</a:t>
+              <a:t>samtools</a:t>
             </a:r>
             <a:r>
               <a:rPr lang="en-US" dirty="0">
                 <a:latin typeface="Courier New" panose="02070309020205020404" pitchFamily="49" charset="0"/>
                 <a:cs typeface="Courier New" panose="02070309020205020404" pitchFamily="49" charset="0"/>
               </a:rPr>
-              <a:t>/covid19ref.fasta</a:t>
+              <a:t> view -@ $</a:t>
+            </a:r>
+            <a:r>
+              <a:rPr lang="en-US" dirty="0" err="1">
+                <a:latin typeface="Courier New" panose="02070309020205020404" pitchFamily="49" charset="0"/>
+                <a:cs typeface="Courier New" panose="02070309020205020404" pitchFamily="49" charset="0"/>
+              </a:rPr>
+              <a:t>ncpu</a:t>
+            </a:r>
+            <a:r>
+              <a:rPr lang="en-US" dirty="0">
+                <a:latin typeface="Courier New" panose="02070309020205020404" pitchFamily="49" charset="0"/>
+                <a:cs typeface="Courier New" panose="02070309020205020404" pitchFamily="49" charset="0"/>
+              </a:rPr>
+              <a:t> \</a:t>
             </a:r>
           </a:p>
           <a:p>
@@ -5171,18 +5876,39 @@
               <a:buNone/>
             </a:pPr>
             <a:r>
+              <a:rPr lang="en-US" dirty="0">
+                <a:latin typeface="Courier New" panose="02070309020205020404" pitchFamily="49" charset="0"/>
+                <a:cs typeface="Courier New" panose="02070309020205020404" pitchFamily="49" charset="0"/>
+              </a:rPr>
+              <a:t>	-</a:t>
+            </a:r>
+            <a:r>
               <a:rPr lang="en-US" dirty="0" err="1">
                 <a:latin typeface="Courier New" panose="02070309020205020404" pitchFamily="49" charset="0"/>
                 <a:cs typeface="Courier New" panose="02070309020205020404" pitchFamily="49" charset="0"/>
               </a:rPr>
-              <a:t>bampath</a:t>
+              <a:t>bS</a:t>
             </a:r>
             <a:r>
               <a:rPr lang="en-US" dirty="0">
                 <a:latin typeface="Courier New" panose="02070309020205020404" pitchFamily="49" charset="0"/>
                 <a:cs typeface="Courier New" panose="02070309020205020404" pitchFamily="49" charset="0"/>
               </a:rPr>
-              <a:t>=../3_aln</a:t>
+              <a:t> $</a:t>
+            </a:r>
+            <a:r>
+              <a:rPr lang="en-US" dirty="0" err="1">
+                <a:latin typeface="Courier New" panose="02070309020205020404" pitchFamily="49" charset="0"/>
+                <a:cs typeface="Courier New" panose="02070309020205020404" pitchFamily="49" charset="0"/>
+              </a:rPr>
+              <a:t>out.sam</a:t>
+            </a:r>
+            <a:r>
+              <a:rPr lang="en-US" dirty="0">
+                <a:latin typeface="Courier New" panose="02070309020205020404" pitchFamily="49" charset="0"/>
+                <a:cs typeface="Courier New" panose="02070309020205020404" pitchFamily="49" charset="0"/>
+              </a:rPr>
+              <a:t> | \</a:t>
             </a:r>
           </a:p>
           <a:p>
@@ -5190,24 +5916,130 @@
               <a:buNone/>
             </a:pPr>
             <a:r>
+              <a:rPr lang="en-US" dirty="0">
+                <a:latin typeface="Courier New" panose="02070309020205020404" pitchFamily="49" charset="0"/>
+                <a:cs typeface="Courier New" panose="02070309020205020404" pitchFamily="49" charset="0"/>
+              </a:rPr>
+              <a:t>	</a:t>
+            </a:r>
+            <a:r>
               <a:rPr lang="en-US" dirty="0" err="1">
                 <a:latin typeface="Courier New" panose="02070309020205020404" pitchFamily="49" charset="0"/>
                 <a:cs typeface="Courier New" panose="02070309020205020404" pitchFamily="49" charset="0"/>
               </a:rPr>
-              <a:t>outbase</a:t>
+              <a:t>samtools</a:t>
             </a:r>
             <a:r>
               <a:rPr lang="en-US" dirty="0">
                 <a:latin typeface="Courier New" panose="02070309020205020404" pitchFamily="49" charset="0"/>
                 <a:cs typeface="Courier New" panose="02070309020205020404" pitchFamily="49" charset="0"/>
               </a:rPr>
-              <a:t>=covid</a:t>
+              <a:t> sort -@ $</a:t>
+            </a:r>
+            <a:r>
+              <a:rPr lang="en-US" dirty="0" err="1">
+                <a:latin typeface="Courier New" panose="02070309020205020404" pitchFamily="49" charset="0"/>
+                <a:cs typeface="Courier New" panose="02070309020205020404" pitchFamily="49" charset="0"/>
+              </a:rPr>
+              <a:t>ncpu</a:t>
+            </a:r>
+            <a:r>
+              <a:rPr lang="en-US" dirty="0">
+                <a:latin typeface="Courier New" panose="02070309020205020404" pitchFamily="49" charset="0"/>
+                <a:cs typeface="Courier New" panose="02070309020205020404" pitchFamily="49" charset="0"/>
+              </a:rPr>
+              <a:t> \</a:t>
             </a:r>
           </a:p>
           <a:p>
             <a:pPr marL="0" indent="0">
               <a:buNone/>
             </a:pPr>
+            <a:r>
+              <a:rPr lang="en-US" dirty="0">
+                <a:latin typeface="Courier New" panose="02070309020205020404" pitchFamily="49" charset="0"/>
+                <a:cs typeface="Courier New" panose="02070309020205020404" pitchFamily="49" charset="0"/>
+              </a:rPr>
+              <a:t>	-o $</a:t>
+            </a:r>
+            <a:r>
+              <a:rPr lang="en-US" dirty="0" err="1">
+                <a:latin typeface="Courier New" panose="02070309020205020404" pitchFamily="49" charset="0"/>
+                <a:cs typeface="Courier New" panose="02070309020205020404" pitchFamily="49" charset="0"/>
+              </a:rPr>
+              <a:t>out.bam</a:t>
+            </a:r>
+            <a:r>
+              <a:rPr lang="en-US" dirty="0">
+                <a:latin typeface="Courier New" panose="02070309020205020404" pitchFamily="49" charset="0"/>
+                <a:cs typeface="Courier New" panose="02070309020205020404" pitchFamily="49" charset="0"/>
+              </a:rPr>
+              <a:t> -</a:t>
+            </a:r>
+          </a:p>
+          <a:p>
+            <a:pPr marL="0" indent="0">
+              <a:buNone/>
+            </a:pPr>
+            <a:r>
+              <a:rPr lang="en-US" dirty="0">
+                <a:latin typeface="Courier New" panose="02070309020205020404" pitchFamily="49" charset="0"/>
+                <a:cs typeface="Courier New" panose="02070309020205020404" pitchFamily="49" charset="0"/>
+              </a:rPr>
+              <a:t>    </a:t>
+            </a:r>
+          </a:p>
+          <a:p>
+            <a:pPr marL="0" indent="0">
+              <a:buNone/>
+            </a:pPr>
+            <a:r>
+              <a:rPr lang="en-US" dirty="0">
+                <a:latin typeface="Courier New" panose="02070309020205020404" pitchFamily="49" charset="0"/>
+                <a:cs typeface="Courier New" panose="02070309020205020404" pitchFamily="49" charset="0"/>
+              </a:rPr>
+              <a:t># Index sorted BAM:</a:t>
+            </a:r>
+          </a:p>
+          <a:p>
+            <a:pPr marL="0" indent="0">
+              <a:buNone/>
+            </a:pPr>
+            <a:r>
+              <a:rPr lang="en-US" dirty="0" err="1">
+                <a:latin typeface="Courier New" panose="02070309020205020404" pitchFamily="49" charset="0"/>
+                <a:cs typeface="Courier New" panose="02070309020205020404" pitchFamily="49" charset="0"/>
+              </a:rPr>
+              <a:t>samtools</a:t>
+            </a:r>
+            <a:r>
+              <a:rPr lang="en-US" dirty="0">
+                <a:latin typeface="Courier New" panose="02070309020205020404" pitchFamily="49" charset="0"/>
+                <a:cs typeface="Courier New" panose="02070309020205020404" pitchFamily="49" charset="0"/>
+              </a:rPr>
+              <a:t> index -@ $</a:t>
+            </a:r>
+            <a:r>
+              <a:rPr lang="en-US" dirty="0" err="1">
+                <a:latin typeface="Courier New" panose="02070309020205020404" pitchFamily="49" charset="0"/>
+                <a:cs typeface="Courier New" panose="02070309020205020404" pitchFamily="49" charset="0"/>
+              </a:rPr>
+              <a:t>ncpu</a:t>
+            </a:r>
+            <a:r>
+              <a:rPr lang="en-US" dirty="0">
+                <a:latin typeface="Courier New" panose="02070309020205020404" pitchFamily="49" charset="0"/>
+                <a:cs typeface="Courier New" panose="02070309020205020404" pitchFamily="49" charset="0"/>
+              </a:rPr>
+              <a:t> $</a:t>
+            </a:r>
+            <a:r>
+              <a:rPr lang="en-US" dirty="0" err="1">
+                <a:latin typeface="Courier New" panose="02070309020205020404" pitchFamily="49" charset="0"/>
+                <a:cs typeface="Courier New" panose="02070309020205020404" pitchFamily="49" charset="0"/>
+              </a:rPr>
+              <a:t>out.bam</a:t>
+            </a:r>
             <a:endParaRPr lang="en-US" dirty="0">
               <a:latin typeface="Courier New" panose="02070309020205020404" pitchFamily="49" charset="0"/>
               <a:cs typeface="Courier New" panose="02070309020205020404" pitchFamily="49" charset="0"/>
@@ -5217,194 +6049,14 @@
             <a:pPr marL="0" indent="0">
               <a:buNone/>
             </a:pPr>
-            <a:r>
-              <a:rPr lang="en-US" dirty="0" err="1">
-                <a:latin typeface="Courier New" panose="02070309020205020404" pitchFamily="49" charset="0"/>
-                <a:cs typeface="Courier New" panose="02070309020205020404" pitchFamily="49" charset="0"/>
-              </a:rPr>
-              <a:t>perl</a:t>
-            </a:r>
-            <a:r>
-              <a:rPr lang="en-US" dirty="0">
-                <a:latin typeface="Courier New" panose="02070309020205020404" pitchFamily="49" charset="0"/>
-                <a:cs typeface="Courier New" panose="02070309020205020404" pitchFamily="49" charset="0"/>
-              </a:rPr>
-              <a:t> ../scripts/</a:t>
-            </a:r>
-            <a:r>
-              <a:rPr lang="en-US" dirty="0" err="1">
-                <a:latin typeface="Courier New" panose="02070309020205020404" pitchFamily="49" charset="0"/>
-                <a:cs typeface="Courier New" panose="02070309020205020404" pitchFamily="49" charset="0"/>
-              </a:rPr>
-              <a:t>gatk</a:t>
-            </a:r>
-            <a:r>
-              <a:rPr lang="en-US" dirty="0">
-                <a:latin typeface="Courier New" panose="02070309020205020404" pitchFamily="49" charset="0"/>
-                <a:cs typeface="Courier New" panose="02070309020205020404" pitchFamily="49" charset="0"/>
-              </a:rPr>
-              <a:t>/</a:t>
-            </a:r>
-            <a:r>
-              <a:rPr lang="en-US" dirty="0" err="1">
-                <a:latin typeface="Courier New" panose="02070309020205020404" pitchFamily="49" charset="0"/>
-                <a:cs typeface="Courier New" panose="02070309020205020404" pitchFamily="49" charset="0"/>
-              </a:rPr>
-              <a:t>gatk.sbatch.pl</a:t>
-            </a:r>
-            <a:r>
-              <a:rPr lang="en-US" dirty="0">
-                <a:latin typeface="Courier New" panose="02070309020205020404" pitchFamily="49" charset="0"/>
-                <a:cs typeface="Courier New" panose="02070309020205020404" pitchFamily="49" charset="0"/>
-              </a:rPr>
-              <a:t> \</a:t>
-            </a:r>
-          </a:p>
-          <a:p>
-            <a:pPr marL="0" indent="0">
-              <a:buNone/>
-            </a:pPr>
-            <a:r>
-              <a:rPr lang="en-US" dirty="0">
-                <a:latin typeface="Courier New" panose="02070309020205020404" pitchFamily="49" charset="0"/>
-                <a:cs typeface="Courier New" panose="02070309020205020404" pitchFamily="49" charset="0"/>
-              </a:rPr>
-              <a:t>  --</a:t>
-            </a:r>
-            <a:r>
-              <a:rPr lang="en-US" dirty="0" err="1">
-                <a:latin typeface="Courier New" panose="02070309020205020404" pitchFamily="49" charset="0"/>
-                <a:cs typeface="Courier New" panose="02070309020205020404" pitchFamily="49" charset="0"/>
-              </a:rPr>
-              <a:t>outbase</a:t>
-            </a:r>
-            <a:r>
-              <a:rPr lang="en-US" dirty="0">
-                <a:latin typeface="Courier New" panose="02070309020205020404" pitchFamily="49" charset="0"/>
-                <a:cs typeface="Courier New" panose="02070309020205020404" pitchFamily="49" charset="0"/>
-              </a:rPr>
-              <a:t> $</a:t>
-            </a:r>
-            <a:r>
-              <a:rPr lang="en-US" dirty="0" err="1">
-                <a:latin typeface="Courier New" panose="02070309020205020404" pitchFamily="49" charset="0"/>
-                <a:cs typeface="Courier New" panose="02070309020205020404" pitchFamily="49" charset="0"/>
-              </a:rPr>
-              <a:t>outbase</a:t>
-            </a:r>
-            <a:r>
-              <a:rPr lang="en-US" dirty="0">
-                <a:latin typeface="Courier New" panose="02070309020205020404" pitchFamily="49" charset="0"/>
-                <a:cs typeface="Courier New" panose="02070309020205020404" pitchFamily="49" charset="0"/>
-              </a:rPr>
-              <a:t> \</a:t>
-            </a:r>
-          </a:p>
-          <a:p>
-            <a:pPr marL="0" indent="0">
-              <a:buNone/>
-            </a:pPr>
-            <a:r>
-              <a:rPr lang="en-US" dirty="0">
-                <a:latin typeface="Courier New" panose="02070309020205020404" pitchFamily="49" charset="0"/>
-                <a:cs typeface="Courier New" panose="02070309020205020404" pitchFamily="49" charset="0"/>
-              </a:rPr>
-              <a:t>  --</a:t>
-            </a:r>
-            <a:r>
-              <a:rPr lang="en-US" dirty="0" err="1">
-                <a:latin typeface="Courier New" panose="02070309020205020404" pitchFamily="49" charset="0"/>
-                <a:cs typeface="Courier New" panose="02070309020205020404" pitchFamily="49" charset="0"/>
-              </a:rPr>
-              <a:t>bampaths</a:t>
-            </a:r>
-            <a:r>
-              <a:rPr lang="en-US" dirty="0">
-                <a:latin typeface="Courier New" panose="02070309020205020404" pitchFamily="49" charset="0"/>
-                <a:cs typeface="Courier New" panose="02070309020205020404" pitchFamily="49" charset="0"/>
-              </a:rPr>
-              <a:t> $</a:t>
-            </a:r>
-            <a:r>
-              <a:rPr lang="en-US" dirty="0" err="1">
-                <a:latin typeface="Courier New" panose="02070309020205020404" pitchFamily="49" charset="0"/>
-                <a:cs typeface="Courier New" panose="02070309020205020404" pitchFamily="49" charset="0"/>
-              </a:rPr>
-              <a:t>bampath</a:t>
-            </a:r>
-            <a:r>
-              <a:rPr lang="en-US" dirty="0">
-                <a:latin typeface="Courier New" panose="02070309020205020404" pitchFamily="49" charset="0"/>
-                <a:cs typeface="Courier New" panose="02070309020205020404" pitchFamily="49" charset="0"/>
-              </a:rPr>
-              <a:t> \</a:t>
-            </a:r>
-          </a:p>
-          <a:p>
-            <a:pPr marL="0" indent="0">
-              <a:buNone/>
-            </a:pPr>
-            <a:r>
-              <a:rPr lang="en-US" dirty="0">
-                <a:latin typeface="Courier New" panose="02070309020205020404" pitchFamily="49" charset="0"/>
-                <a:cs typeface="Courier New" panose="02070309020205020404" pitchFamily="49" charset="0"/>
-              </a:rPr>
-              <a:t>  --ref $ref \</a:t>
-            </a:r>
-          </a:p>
-          <a:p>
-            <a:pPr marL="0" indent="0">
-              <a:buNone/>
-            </a:pPr>
-            <a:r>
-              <a:rPr lang="en-US" dirty="0">
-                <a:latin typeface="Courier New" panose="02070309020205020404" pitchFamily="49" charset="0"/>
-                <a:cs typeface="Courier New" panose="02070309020205020404" pitchFamily="49" charset="0"/>
-              </a:rPr>
-              <a:t>  --</a:t>
-            </a:r>
-            <a:r>
-              <a:rPr lang="en-US" dirty="0" err="1">
-                <a:latin typeface="Courier New" panose="02070309020205020404" pitchFamily="49" charset="0"/>
-                <a:cs typeface="Courier New" panose="02070309020205020404" pitchFamily="49" charset="0"/>
-              </a:rPr>
-              <a:t>otherpara</a:t>
-            </a:r>
-            <a:r>
-              <a:rPr lang="en-US" dirty="0">
-                <a:latin typeface="Courier New" panose="02070309020205020404" pitchFamily="49" charset="0"/>
-                <a:cs typeface="Courier New" panose="02070309020205020404" pitchFamily="49" charset="0"/>
-              </a:rPr>
-              <a:t> "--sample-ploidy 1" \</a:t>
-            </a:r>
-          </a:p>
-          <a:p>
-            <a:pPr marL="0" indent="0">
-              <a:buNone/>
-            </a:pPr>
-            <a:r>
-              <a:rPr lang="en-US" dirty="0">
-                <a:latin typeface="Courier New" panose="02070309020205020404" pitchFamily="49" charset="0"/>
-                <a:cs typeface="Courier New" panose="02070309020205020404" pitchFamily="49" charset="0"/>
-              </a:rPr>
-              <a:t>  --mem 4G</a:t>
-            </a:r>
-          </a:p>
-          <a:p>
-            <a:pPr marL="0" indent="0">
-              <a:buNone/>
-            </a:pPr>
-            <a:endParaRPr lang="en-US" dirty="0">
-              <a:latin typeface="Courier New" panose="02070309020205020404" pitchFamily="49" charset="0"/>
-              <a:cs typeface="Courier New" panose="02070309020205020404" pitchFamily="49" charset="0"/>
-            </a:endParaRPr>
+            <a:endParaRPr lang="en-US" dirty="0"/>
           </a:p>
         </p:txBody>
       </p:sp>
     </p:spTree>
     <p:extLst>
       <p:ext uri="{BB962C8B-B14F-4D97-AF65-F5344CB8AC3E}">
-        <p14:creationId xmlns:p14="http://schemas.microsoft.com/office/powerpoint/2010/main" val="922745882"/>
+        <p14:creationId xmlns:p14="http://schemas.microsoft.com/office/powerpoint/2010/main" val="169136605"/>
       </p:ext>
     </p:extLst>
   </p:cSld>
@@ -5449,8 +6101,8 @@
         </p:nvSpPr>
         <p:spPr>
           <a:xfrm>
-            <a:off x="628650" y="63060"/>
-            <a:ext cx="7886700" cy="945223"/>
+            <a:off x="628650" y="-43195"/>
+            <a:ext cx="7886700" cy="1114351"/>
           </a:xfrm>
         </p:spPr>
         <p:txBody>
@@ -5461,22 +6113,30 @@
           <a:p>
             <a:pPr algn="ctr"/>
             <a:r>
+              <a:rPr lang="en-US" sz="3200" b="1" dirty="0">
+                <a:solidFill>
+                  <a:srgbClr val="FF0000"/>
+                </a:solidFill>
+              </a:rPr>
+              <a:t>4_snp </a:t>
+            </a:r>
+            <a:r>
               <a:rPr lang="en-US" sz="3200" dirty="0"/>
-              <a:t>4_snp (II) – GATK filtering</a:t>
+              <a:t>(I) – GATK</a:t>
             </a:r>
             <a:br>
               <a:rPr lang="en-US" sz="3200" dirty="0"/>
             </a:br>
             <a:r>
-              <a:rPr lang="en-US" sz="2700" dirty="0">
+              <a:rPr lang="en-US" sz="2400" dirty="0">
                 <a:solidFill>
                   <a:srgbClr val="2FB41D"/>
                 </a:solidFill>
                 <a:latin typeface="Monaco" pitchFamily="2" charset="77"/>
               </a:rPr>
-              <a:t>2c_varselect.sh</a:t>
-            </a:r>
-            <a:endParaRPr lang="en-US" sz="2700" dirty="0"/>
+              <a:t>1c_gatk.sh</a:t>
+            </a:r>
+            <a:endParaRPr lang="en-US" sz="2400" dirty="0"/>
           </a:p>
         </p:txBody>
       </p:sp>
@@ -5498,20 +6158,17 @@
         </p:nvSpPr>
         <p:spPr>
           <a:xfrm>
-            <a:off x="628650" y="1071347"/>
-            <a:ext cx="7886700" cy="3963108"/>
+            <a:off x="628650" y="1184366"/>
+            <a:ext cx="7886700" cy="3841310"/>
           </a:xfrm>
         </p:spPr>
         <p:txBody>
           <a:bodyPr>
-            <a:normAutofit/>
+            <a:normAutofit lnSpcReduction="10000"/>
           </a:bodyPr>
           <a:lstStyle/>
           <a:p>
             <a:pPr marL="0" indent="0">
-              <a:lnSpc>
-                <a:spcPct val="80000"/>
-              </a:lnSpc>
               <a:buNone/>
             </a:pPr>
             <a:r>
@@ -5519,14 +6176,25 @@
                 <a:latin typeface="Courier New" panose="02070309020205020404" pitchFamily="49" charset="0"/>
                 <a:cs typeface="Courier New" panose="02070309020205020404" pitchFamily="49" charset="0"/>
               </a:rPr>
-              <a:t># generate a bam list</a:t>
+              <a:t>ref=../1_ref/</a:t>
+            </a:r>
+            <a:r>
+              <a:rPr lang="en-US" dirty="0" err="1">
+                <a:latin typeface="Courier New" panose="02070309020205020404" pitchFamily="49" charset="0"/>
+                <a:cs typeface="Courier New" panose="02070309020205020404" pitchFamily="49" charset="0"/>
+              </a:rPr>
+              <a:t>gatk</a:t>
+            </a:r>
+            <a:r>
+              <a:rPr lang="en-US" dirty="0">
+                <a:latin typeface="Courier New" panose="02070309020205020404" pitchFamily="49" charset="0"/>
+                <a:cs typeface="Courier New" panose="02070309020205020404" pitchFamily="49" charset="0"/>
+              </a:rPr>
+              <a:t>/covid19ref.fasta</a:t>
             </a:r>
           </a:p>
           <a:p>
             <a:pPr marL="0" indent="0">
-              <a:lnSpc>
-                <a:spcPct val="80000"/>
-              </a:lnSpc>
               <a:buNone/>
             </a:pPr>
             <a:r>
@@ -5534,233 +6202,37 @@
                 <a:latin typeface="Courier New" panose="02070309020205020404" pitchFamily="49" charset="0"/>
                 <a:cs typeface="Courier New" panose="02070309020205020404" pitchFamily="49" charset="0"/>
               </a:rPr>
-              <a:t>vcf</a:t>
+              <a:t>bampath</a:t>
             </a:r>
             <a:r>
               <a:rPr lang="en-US" dirty="0">
                 <a:latin typeface="Courier New" panose="02070309020205020404" pitchFamily="49" charset="0"/>
                 <a:cs typeface="Courier New" panose="02070309020205020404" pitchFamily="49" charset="0"/>
               </a:rPr>
-              <a:t>=</a:t>
+              <a:t>=../3_aln</a:t>
+            </a:r>
+          </a:p>
+          <a:p>
+            <a:pPr marL="0" indent="0">
+              <a:buNone/>
+            </a:pPr>
+            <a:r>
+              <a:rPr lang="en-US" dirty="0" err="1">
+                <a:latin typeface="Courier New" panose="02070309020205020404" pitchFamily="49" charset="0"/>
+                <a:cs typeface="Courier New" panose="02070309020205020404" pitchFamily="49" charset="0"/>
+              </a:rPr>
+              <a:t>outbase</a:t>
             </a:r>
             <a:r>
               <a:rPr lang="en-US" dirty="0">
-                <a:highlight>
-                  <a:srgbClr val="FFFF00"/>
-                </a:highlight>
-                <a:latin typeface="Courier New" panose="02070309020205020404" pitchFamily="49" charset="0"/>
-                <a:cs typeface="Courier New" panose="02070309020205020404" pitchFamily="49" charset="0"/>
-              </a:rPr>
-              <a:t>xxx</a:t>
-            </a:r>
-            <a:r>
-              <a:rPr lang="en-US" dirty="0">
-                <a:latin typeface="Courier New" panose="02070309020205020404" pitchFamily="49" charset="0"/>
-                <a:cs typeface="Courier New" panose="02070309020205020404" pitchFamily="49" charset="0"/>
-              </a:rPr>
-              <a:t>/</a:t>
-            </a:r>
-            <a:r>
-              <a:rPr lang="en-US" dirty="0" err="1">
-                <a:latin typeface="Courier New" panose="02070309020205020404" pitchFamily="49" charset="0"/>
-                <a:cs typeface="Courier New" panose="02070309020205020404" pitchFamily="49" charset="0"/>
-              </a:rPr>
-              <a:t>covid.vcf</a:t>
-            </a:r>
-            <a:endParaRPr lang="en-US" dirty="0">
-              <a:latin typeface="Courier New" panose="02070309020205020404" pitchFamily="49" charset="0"/>
-              <a:cs typeface="Courier New" panose="02070309020205020404" pitchFamily="49" charset="0"/>
-            </a:endParaRPr>
+                <a:latin typeface="Courier New" panose="02070309020205020404" pitchFamily="49" charset="0"/>
+                <a:cs typeface="Courier New" panose="02070309020205020404" pitchFamily="49" charset="0"/>
+              </a:rPr>
+              <a:t>=covid</a:t>
+            </a:r>
           </a:p>
           <a:p>
             <a:pPr marL="0" indent="0">
-              <a:lnSpc>
-                <a:spcPct val="80000"/>
-              </a:lnSpc>
-              <a:buNone/>
-            </a:pPr>
-            <a:r>
-              <a:rPr lang="en-US" dirty="0">
-                <a:latin typeface="Courier New" panose="02070309020205020404" pitchFamily="49" charset="0"/>
-                <a:cs typeface="Courier New" panose="02070309020205020404" pitchFamily="49" charset="0"/>
-              </a:rPr>
-              <a:t>ref=../1_ref/</a:t>
-            </a:r>
-            <a:r>
-              <a:rPr lang="en-US" dirty="0" err="1">
-                <a:latin typeface="Courier New" panose="02070309020205020404" pitchFamily="49" charset="0"/>
-                <a:cs typeface="Courier New" panose="02070309020205020404" pitchFamily="49" charset="0"/>
-              </a:rPr>
-              <a:t>gatk</a:t>
-            </a:r>
-            <a:r>
-              <a:rPr lang="en-US" dirty="0">
-                <a:latin typeface="Courier New" panose="02070309020205020404" pitchFamily="49" charset="0"/>
-                <a:cs typeface="Courier New" panose="02070309020205020404" pitchFamily="49" charset="0"/>
-              </a:rPr>
-              <a:t>/covid19ref.fasta</a:t>
-            </a:r>
-          </a:p>
-          <a:p>
-            <a:pPr marL="0" indent="0">
-              <a:lnSpc>
-                <a:spcPct val="80000"/>
-              </a:lnSpc>
-              <a:buNone/>
-            </a:pPr>
-            <a:r>
-              <a:rPr lang="en-US" dirty="0">
-                <a:latin typeface="Courier New" panose="02070309020205020404" pitchFamily="49" charset="0"/>
-                <a:cs typeface="Courier New" panose="02070309020205020404" pitchFamily="49" charset="0"/>
-              </a:rPr>
-              <a:t>out=covid</a:t>
-            </a:r>
-          </a:p>
-          <a:p>
-            <a:pPr marL="0" indent="0">
-              <a:lnSpc>
-                <a:spcPct val="80000"/>
-              </a:lnSpc>
-              <a:buNone/>
-            </a:pPr>
-            <a:r>
-              <a:rPr lang="en-US" dirty="0" err="1">
-                <a:latin typeface="Courier New" panose="02070309020205020404" pitchFamily="49" charset="0"/>
-                <a:cs typeface="Courier New" panose="02070309020205020404" pitchFamily="49" charset="0"/>
-              </a:rPr>
-              <a:t>gatk</a:t>
-            </a:r>
-            <a:r>
-              <a:rPr lang="en-US" dirty="0">
-                <a:latin typeface="Courier New" panose="02070309020205020404" pitchFamily="49" charset="0"/>
-                <a:cs typeface="Courier New" panose="02070309020205020404" pitchFamily="49" charset="0"/>
-              </a:rPr>
-              <a:t> </a:t>
-            </a:r>
-            <a:r>
-              <a:rPr lang="en-US" dirty="0" err="1">
-                <a:latin typeface="Courier New" panose="02070309020205020404" pitchFamily="49" charset="0"/>
-                <a:cs typeface="Courier New" panose="02070309020205020404" pitchFamily="49" charset="0"/>
-              </a:rPr>
-              <a:t>SelectVariants</a:t>
-            </a:r>
-            <a:r>
-              <a:rPr lang="en-US" dirty="0">
-                <a:latin typeface="Courier New" panose="02070309020205020404" pitchFamily="49" charset="0"/>
-                <a:cs typeface="Courier New" panose="02070309020205020404" pitchFamily="49" charset="0"/>
-              </a:rPr>
-              <a:t> \</a:t>
-            </a:r>
-          </a:p>
-          <a:p>
-            <a:pPr marL="0" indent="0">
-              <a:lnSpc>
-                <a:spcPct val="80000"/>
-              </a:lnSpc>
-              <a:buNone/>
-            </a:pPr>
-            <a:r>
-              <a:rPr lang="en-US" dirty="0">
-                <a:latin typeface="Courier New" panose="02070309020205020404" pitchFamily="49" charset="0"/>
-                <a:cs typeface="Courier New" panose="02070309020205020404" pitchFamily="49" charset="0"/>
-              </a:rPr>
-              <a:t>-R $ref \</a:t>
-            </a:r>
-          </a:p>
-          <a:p>
-            <a:pPr marL="0" indent="0">
-              <a:lnSpc>
-                <a:spcPct val="80000"/>
-              </a:lnSpc>
-              <a:buNone/>
-            </a:pPr>
-            <a:r>
-              <a:rPr lang="en-US" dirty="0">
-                <a:latin typeface="Courier New" panose="02070309020205020404" pitchFamily="49" charset="0"/>
-                <a:cs typeface="Courier New" panose="02070309020205020404" pitchFamily="49" charset="0"/>
-              </a:rPr>
-              <a:t>-V $</a:t>
-            </a:r>
-            <a:r>
-              <a:rPr lang="en-US" dirty="0" err="1">
-                <a:latin typeface="Courier New" panose="02070309020205020404" pitchFamily="49" charset="0"/>
-                <a:cs typeface="Courier New" panose="02070309020205020404" pitchFamily="49" charset="0"/>
-              </a:rPr>
-              <a:t>vcf</a:t>
-            </a:r>
-            <a:r>
-              <a:rPr lang="en-US" dirty="0">
-                <a:latin typeface="Courier New" panose="02070309020205020404" pitchFamily="49" charset="0"/>
-                <a:cs typeface="Courier New" panose="02070309020205020404" pitchFamily="49" charset="0"/>
-              </a:rPr>
-              <a:t> \</a:t>
-            </a:r>
-          </a:p>
-          <a:p>
-            <a:pPr marL="0" indent="0">
-              <a:lnSpc>
-                <a:spcPct val="80000"/>
-              </a:lnSpc>
-              <a:buNone/>
-            </a:pPr>
-            <a:r>
-              <a:rPr lang="en-US" dirty="0">
-                <a:latin typeface="Courier New" panose="02070309020205020404" pitchFamily="49" charset="0"/>
-                <a:cs typeface="Courier New" panose="02070309020205020404" pitchFamily="49" charset="0"/>
-              </a:rPr>
-              <a:t>-select 'DP &gt;= 20' \</a:t>
-            </a:r>
-          </a:p>
-          <a:p>
-            <a:pPr marL="0" indent="0">
-              <a:lnSpc>
-                <a:spcPct val="80000"/>
-              </a:lnSpc>
-              <a:buNone/>
-            </a:pPr>
-            <a:r>
-              <a:rPr lang="en-US" dirty="0">
-                <a:latin typeface="Courier New" panose="02070309020205020404" pitchFamily="49" charset="0"/>
-                <a:cs typeface="Courier New" panose="02070309020205020404" pitchFamily="49" charset="0"/>
-              </a:rPr>
-              <a:t>-select 'DP &lt;= 500' \</a:t>
-            </a:r>
-          </a:p>
-          <a:p>
-            <a:pPr marL="0" indent="0">
-              <a:lnSpc>
-                <a:spcPct val="80000"/>
-              </a:lnSpc>
-              <a:buNone/>
-            </a:pPr>
-            <a:r>
-              <a:rPr lang="en-US" dirty="0">
-                <a:latin typeface="Courier New" panose="02070309020205020404" pitchFamily="49" charset="0"/>
-                <a:cs typeface="Courier New" panose="02070309020205020404" pitchFamily="49" charset="0"/>
-              </a:rPr>
-              <a:t>--restrict-alleles-to BIALLELIC \</a:t>
-            </a:r>
-          </a:p>
-          <a:p>
-            <a:pPr marL="0" indent="0">
-              <a:lnSpc>
-                <a:spcPct val="80000"/>
-              </a:lnSpc>
-              <a:buNone/>
-            </a:pPr>
-            <a:r>
-              <a:rPr lang="en-US" dirty="0">
-                <a:latin typeface="Courier New" panose="02070309020205020404" pitchFamily="49" charset="0"/>
-                <a:cs typeface="Courier New" panose="02070309020205020404" pitchFamily="49" charset="0"/>
-              </a:rPr>
-              <a:t>-O ${out}.1.vcf &amp;&gt;${out}.1.log</a:t>
-            </a:r>
-          </a:p>
-          <a:p>
-            <a:pPr marL="0" indent="0">
-              <a:lnSpc>
-                <a:spcPct val="80000"/>
-              </a:lnSpc>
               <a:buNone/>
             </a:pPr>
             <a:endParaRPr lang="en-US" dirty="0">
@@ -5768,12 +6240,198 @@
               <a:cs typeface="Courier New" panose="02070309020205020404" pitchFamily="49" charset="0"/>
             </a:endParaRPr>
           </a:p>
+          <a:p>
+            <a:pPr marL="0" indent="0">
+              <a:buNone/>
+            </a:pPr>
+            <a:r>
+              <a:rPr lang="en-US" dirty="0" err="1">
+                <a:latin typeface="Courier New" panose="02070309020205020404" pitchFamily="49" charset="0"/>
+                <a:cs typeface="Courier New" panose="02070309020205020404" pitchFamily="49" charset="0"/>
+              </a:rPr>
+              <a:t>perl</a:t>
+            </a:r>
+            <a:r>
+              <a:rPr lang="en-US" dirty="0">
+                <a:latin typeface="Courier New" panose="02070309020205020404" pitchFamily="49" charset="0"/>
+                <a:cs typeface="Courier New" panose="02070309020205020404" pitchFamily="49" charset="0"/>
+              </a:rPr>
+              <a:t> ../scripts/</a:t>
+            </a:r>
+            <a:r>
+              <a:rPr lang="en-US" dirty="0" err="1">
+                <a:latin typeface="Courier New" panose="02070309020205020404" pitchFamily="49" charset="0"/>
+                <a:cs typeface="Courier New" panose="02070309020205020404" pitchFamily="49" charset="0"/>
+              </a:rPr>
+              <a:t>gatk</a:t>
+            </a:r>
+            <a:r>
+              <a:rPr lang="en-US" dirty="0">
+                <a:latin typeface="Courier New" panose="02070309020205020404" pitchFamily="49" charset="0"/>
+                <a:cs typeface="Courier New" panose="02070309020205020404" pitchFamily="49" charset="0"/>
+              </a:rPr>
+              <a:t>/</a:t>
+            </a:r>
+            <a:r>
+              <a:rPr lang="en-US" dirty="0" err="1">
+                <a:latin typeface="Courier New" panose="02070309020205020404" pitchFamily="49" charset="0"/>
+                <a:cs typeface="Courier New" panose="02070309020205020404" pitchFamily="49" charset="0"/>
+              </a:rPr>
+              <a:t>gatk.sbatch.pl</a:t>
+            </a:r>
+            <a:r>
+              <a:rPr lang="en-US" dirty="0">
+                <a:latin typeface="Courier New" panose="02070309020205020404" pitchFamily="49" charset="0"/>
+                <a:cs typeface="Courier New" panose="02070309020205020404" pitchFamily="49" charset="0"/>
+              </a:rPr>
+              <a:t> \</a:t>
+            </a:r>
+          </a:p>
+          <a:p>
+            <a:pPr marL="0" indent="0">
+              <a:buNone/>
+            </a:pPr>
+            <a:r>
+              <a:rPr lang="en-US" dirty="0">
+                <a:latin typeface="Courier New" panose="02070309020205020404" pitchFamily="49" charset="0"/>
+                <a:cs typeface="Courier New" panose="02070309020205020404" pitchFamily="49" charset="0"/>
+              </a:rPr>
+              <a:t>  --</a:t>
+            </a:r>
+            <a:r>
+              <a:rPr lang="en-US" dirty="0" err="1">
+                <a:latin typeface="Courier New" panose="02070309020205020404" pitchFamily="49" charset="0"/>
+                <a:cs typeface="Courier New" panose="02070309020205020404" pitchFamily="49" charset="0"/>
+              </a:rPr>
+              <a:t>outbase</a:t>
+            </a:r>
+            <a:r>
+              <a:rPr lang="en-US" dirty="0">
+                <a:latin typeface="Courier New" panose="02070309020205020404" pitchFamily="49" charset="0"/>
+                <a:cs typeface="Courier New" panose="02070309020205020404" pitchFamily="49" charset="0"/>
+              </a:rPr>
+              <a:t> $</a:t>
+            </a:r>
+            <a:r>
+              <a:rPr lang="en-US" dirty="0" err="1">
+                <a:latin typeface="Courier New" panose="02070309020205020404" pitchFamily="49" charset="0"/>
+                <a:cs typeface="Courier New" panose="02070309020205020404" pitchFamily="49" charset="0"/>
+              </a:rPr>
+              <a:t>outbase</a:t>
+            </a:r>
+            <a:r>
+              <a:rPr lang="en-US" dirty="0">
+                <a:latin typeface="Courier New" panose="02070309020205020404" pitchFamily="49" charset="0"/>
+                <a:cs typeface="Courier New" panose="02070309020205020404" pitchFamily="49" charset="0"/>
+              </a:rPr>
+              <a:t> \</a:t>
+            </a:r>
+          </a:p>
+          <a:p>
+            <a:pPr marL="0" indent="0">
+              <a:buNone/>
+            </a:pPr>
+            <a:r>
+              <a:rPr lang="en-US" dirty="0">
+                <a:latin typeface="Courier New" panose="02070309020205020404" pitchFamily="49" charset="0"/>
+                <a:cs typeface="Courier New" panose="02070309020205020404" pitchFamily="49" charset="0"/>
+              </a:rPr>
+              <a:t>  --</a:t>
+            </a:r>
+            <a:r>
+              <a:rPr lang="en-US" dirty="0" err="1">
+                <a:latin typeface="Courier New" panose="02070309020205020404" pitchFamily="49" charset="0"/>
+                <a:cs typeface="Courier New" panose="02070309020205020404" pitchFamily="49" charset="0"/>
+              </a:rPr>
+              <a:t>bampaths</a:t>
+            </a:r>
+            <a:r>
+              <a:rPr lang="en-US" dirty="0">
+                <a:latin typeface="Courier New" panose="02070309020205020404" pitchFamily="49" charset="0"/>
+                <a:cs typeface="Courier New" panose="02070309020205020404" pitchFamily="49" charset="0"/>
+              </a:rPr>
+              <a:t> $</a:t>
+            </a:r>
+            <a:r>
+              <a:rPr lang="en-US" dirty="0" err="1">
+                <a:latin typeface="Courier New" panose="02070309020205020404" pitchFamily="49" charset="0"/>
+                <a:cs typeface="Courier New" panose="02070309020205020404" pitchFamily="49" charset="0"/>
+              </a:rPr>
+              <a:t>bampath</a:t>
+            </a:r>
+            <a:r>
+              <a:rPr lang="en-US" dirty="0">
+                <a:latin typeface="Courier New" panose="02070309020205020404" pitchFamily="49" charset="0"/>
+                <a:cs typeface="Courier New" panose="02070309020205020404" pitchFamily="49" charset="0"/>
+              </a:rPr>
+              <a:t> \</a:t>
+            </a:r>
+          </a:p>
+          <a:p>
+            <a:pPr marL="0" indent="0">
+              <a:buNone/>
+            </a:pPr>
+            <a:r>
+              <a:rPr lang="en-US" dirty="0">
+                <a:latin typeface="Courier New" panose="02070309020205020404" pitchFamily="49" charset="0"/>
+                <a:cs typeface="Courier New" panose="02070309020205020404" pitchFamily="49" charset="0"/>
+              </a:rPr>
+              <a:t>  --ref $ref \</a:t>
+            </a:r>
+          </a:p>
+          <a:p>
+            <a:pPr marL="0" indent="0">
+              <a:buNone/>
+            </a:pPr>
+            <a:r>
+              <a:rPr lang="en-US" dirty="0">
+                <a:latin typeface="Courier New" panose="02070309020205020404" pitchFamily="49" charset="0"/>
+                <a:cs typeface="Courier New" panose="02070309020205020404" pitchFamily="49" charset="0"/>
+              </a:rPr>
+              <a:t>  --</a:t>
+            </a:r>
+            <a:r>
+              <a:rPr lang="en-US" dirty="0" err="1">
+                <a:latin typeface="Courier New" panose="02070309020205020404" pitchFamily="49" charset="0"/>
+                <a:cs typeface="Courier New" panose="02070309020205020404" pitchFamily="49" charset="0"/>
+              </a:rPr>
+              <a:t>otherpara</a:t>
+            </a:r>
+            <a:r>
+              <a:rPr lang="en-US" dirty="0">
+                <a:latin typeface="Courier New" panose="02070309020205020404" pitchFamily="49" charset="0"/>
+                <a:cs typeface="Courier New" panose="02070309020205020404" pitchFamily="49" charset="0"/>
+              </a:rPr>
+              <a:t> "--sample-ploidy 1" \</a:t>
+            </a:r>
+          </a:p>
+          <a:p>
+            <a:pPr marL="0" indent="0">
+              <a:buNone/>
+            </a:pPr>
+            <a:r>
+              <a:rPr lang="en-US" dirty="0">
+                <a:latin typeface="Courier New" panose="02070309020205020404" pitchFamily="49" charset="0"/>
+                <a:cs typeface="Courier New" panose="02070309020205020404" pitchFamily="49" charset="0"/>
+              </a:rPr>
+              <a:t>  --mem 4G</a:t>
+            </a:r>
+          </a:p>
+          <a:p>
+            <a:pPr marL="0" indent="0">
+              <a:buNone/>
+            </a:pPr>
+            <a:endParaRPr lang="en-US" dirty="0">
+              <a:latin typeface="Courier New" panose="02070309020205020404" pitchFamily="49" charset="0"/>
+              <a:cs typeface="Courier New" panose="02070309020205020404" pitchFamily="49" charset="0"/>
+            </a:endParaRPr>
+          </a:p>
         </p:txBody>
       </p:sp>
     </p:spTree>
     <p:extLst>
       <p:ext uri="{BB962C8B-B14F-4D97-AF65-F5344CB8AC3E}">
-        <p14:creationId xmlns:p14="http://schemas.microsoft.com/office/powerpoint/2010/main" val="2611324632"/>
+        <p14:creationId xmlns:p14="http://schemas.microsoft.com/office/powerpoint/2010/main" val="922745882"/>
       </p:ext>
     </p:extLst>
   </p:cSld>
@@ -5818,8 +6476,8 @@
         </p:nvSpPr>
         <p:spPr>
           <a:xfrm>
-            <a:off x="628650" y="252248"/>
-            <a:ext cx="7886700" cy="924912"/>
+            <a:off x="628650" y="63060"/>
+            <a:ext cx="7886700" cy="945223"/>
           </a:xfrm>
         </p:spPr>
         <p:txBody>
@@ -5830,22 +6488,30 @@
           <a:p>
             <a:pPr algn="ctr"/>
             <a:r>
+              <a:rPr lang="en-US" sz="3200" b="1" dirty="0">
+                <a:solidFill>
+                  <a:srgbClr val="FF0000"/>
+                </a:solidFill>
+              </a:rPr>
+              <a:t>4_snp </a:t>
+            </a:r>
+            <a:r>
               <a:rPr lang="en-US" sz="3200" dirty="0"/>
-              <a:t>4_snp (III) – formatting</a:t>
+              <a:t>(II) – GATK filtering</a:t>
             </a:r>
             <a:br>
               <a:rPr lang="en-US" sz="3200" dirty="0"/>
             </a:br>
             <a:r>
-              <a:rPr lang="en-US" sz="2400" dirty="0">
+              <a:rPr lang="en-US" sz="2700" dirty="0">
                 <a:solidFill>
                   <a:srgbClr val="2FB41D"/>
                 </a:solidFill>
                 <a:latin typeface="Monaco" pitchFamily="2" charset="77"/>
               </a:rPr>
-              <a:t>3c_reformat.sh</a:t>
-            </a:r>
-            <a:endParaRPr lang="en-US" sz="2400" dirty="0"/>
+              <a:t>2c_varselect.sh</a:t>
+            </a:r>
+            <a:endParaRPr lang="en-US" sz="2700" dirty="0"/>
           </a:p>
         </p:txBody>
       </p:sp>
@@ -5867,8 +6533,8 @@
         </p:nvSpPr>
         <p:spPr>
           <a:xfrm>
-            <a:off x="628650" y="1836854"/>
-            <a:ext cx="7886700" cy="1655283"/>
+            <a:off x="628650" y="1071347"/>
+            <a:ext cx="7886700" cy="3963108"/>
           </a:xfrm>
         </p:spPr>
         <p:txBody>
@@ -5878,74 +6544,271 @@
           <a:lstStyle/>
           <a:p>
             <a:pPr marL="0" indent="0">
+              <a:lnSpc>
+                <a:spcPct val="80000"/>
+              </a:lnSpc>
               <a:buNone/>
             </a:pPr>
             <a:r>
-              <a:rPr lang="en-US" sz="2800" dirty="0">
-                <a:latin typeface="Courier New" panose="02070309020205020404" pitchFamily="49" charset="0"/>
-                <a:cs typeface="Courier New" panose="02070309020205020404" pitchFamily="49" charset="0"/>
-              </a:rPr>
-              <a:t>in=covid.1.vcf</a:t>
+              <a:rPr lang="en-US" dirty="0">
+                <a:latin typeface="Courier New" panose="02070309020205020404" pitchFamily="49" charset="0"/>
+                <a:cs typeface="Courier New" panose="02070309020205020404" pitchFamily="49" charset="0"/>
+              </a:rPr>
+              <a:t># generate a bam list</a:t>
             </a:r>
           </a:p>
           <a:p>
             <a:pPr marL="0" indent="0">
+              <a:lnSpc>
+                <a:spcPct val="80000"/>
+              </a:lnSpc>
               <a:buNone/>
             </a:pPr>
             <a:r>
-              <a:rPr lang="en-US" sz="2800" dirty="0">
-                <a:latin typeface="Courier New" panose="02070309020205020404" pitchFamily="49" charset="0"/>
-                <a:cs typeface="Courier New" panose="02070309020205020404" pitchFamily="49" charset="0"/>
-              </a:rPr>
-              <a:t>../scripts/</a:t>
-            </a:r>
-            <a:r>
-              <a:rPr lang="en-US" sz="2800" dirty="0" err="1">
+              <a:rPr lang="en-US" dirty="0" err="1">
+                <a:latin typeface="Courier New" panose="02070309020205020404" pitchFamily="49" charset="0"/>
+                <a:cs typeface="Courier New" panose="02070309020205020404" pitchFamily="49" charset="0"/>
+              </a:rPr>
+              <a:t>vcf</a:t>
+            </a:r>
+            <a:r>
+              <a:rPr lang="en-US" dirty="0">
+                <a:latin typeface="Courier New" panose="02070309020205020404" pitchFamily="49" charset="0"/>
+                <a:cs typeface="Courier New" panose="02070309020205020404" pitchFamily="49" charset="0"/>
+              </a:rPr>
+              <a:t>=</a:t>
+            </a:r>
+            <a:r>
+              <a:rPr lang="en-US" dirty="0">
+                <a:highlight>
+                  <a:srgbClr val="FFFF00"/>
+                </a:highlight>
+                <a:latin typeface="Courier New" panose="02070309020205020404" pitchFamily="49" charset="0"/>
+                <a:cs typeface="Courier New" panose="02070309020205020404" pitchFamily="49" charset="0"/>
+              </a:rPr>
+              <a:t>xxx</a:t>
+            </a:r>
+            <a:r>
+              <a:rPr lang="en-US" dirty="0">
+                <a:latin typeface="Courier New" panose="02070309020205020404" pitchFamily="49" charset="0"/>
+                <a:cs typeface="Courier New" panose="02070309020205020404" pitchFamily="49" charset="0"/>
+              </a:rPr>
+              <a:t>/</a:t>
+            </a:r>
+            <a:r>
+              <a:rPr lang="en-US" dirty="0" err="1">
+                <a:latin typeface="Courier New" panose="02070309020205020404" pitchFamily="49" charset="0"/>
+                <a:cs typeface="Courier New" panose="02070309020205020404" pitchFamily="49" charset="0"/>
+              </a:rPr>
+              <a:t>covid.vcf</a:t>
+            </a:r>
+            <a:endParaRPr lang="en-US" dirty="0">
+              <a:latin typeface="Courier New" panose="02070309020205020404" pitchFamily="49" charset="0"/>
+              <a:cs typeface="Courier New" panose="02070309020205020404" pitchFamily="49" charset="0"/>
+            </a:endParaRPr>
+          </a:p>
+          <a:p>
+            <a:pPr marL="0" indent="0">
+              <a:lnSpc>
+                <a:spcPct val="80000"/>
+              </a:lnSpc>
+              <a:buNone/>
+            </a:pPr>
+            <a:r>
+              <a:rPr lang="en-US" dirty="0">
+                <a:latin typeface="Courier New" panose="02070309020205020404" pitchFamily="49" charset="0"/>
+                <a:cs typeface="Courier New" panose="02070309020205020404" pitchFamily="49" charset="0"/>
+              </a:rPr>
+              <a:t>ref=../1_ref/</a:t>
+            </a:r>
+            <a:r>
+              <a:rPr lang="en-US" dirty="0" err="1">
                 <a:latin typeface="Courier New" panose="02070309020205020404" pitchFamily="49" charset="0"/>
                 <a:cs typeface="Courier New" panose="02070309020205020404" pitchFamily="49" charset="0"/>
               </a:rPr>
               <a:t>gatk</a:t>
             </a:r>
             <a:r>
-              <a:rPr lang="en-US" sz="2800" dirty="0">
-                <a:latin typeface="Courier New" panose="02070309020205020404" pitchFamily="49" charset="0"/>
-                <a:cs typeface="Courier New" panose="02070309020205020404" pitchFamily="49" charset="0"/>
-              </a:rPr>
-              <a:t>/vcf2phylip.py \</a:t>
+              <a:rPr lang="en-US" dirty="0">
+                <a:latin typeface="Courier New" panose="02070309020205020404" pitchFamily="49" charset="0"/>
+                <a:cs typeface="Courier New" panose="02070309020205020404" pitchFamily="49" charset="0"/>
+              </a:rPr>
+              <a:t>/covid19ref.fasta</a:t>
             </a:r>
           </a:p>
           <a:p>
             <a:pPr marL="0" indent="0">
+              <a:lnSpc>
+                <a:spcPct val="80000"/>
+              </a:lnSpc>
               <a:buNone/>
             </a:pPr>
             <a:r>
-              <a:rPr lang="en-US" sz="2800" dirty="0">
-                <a:latin typeface="Courier New" panose="02070309020205020404" pitchFamily="49" charset="0"/>
-                <a:cs typeface="Courier New" panose="02070309020205020404" pitchFamily="49" charset="0"/>
-              </a:rPr>
-              <a:t>	-</a:t>
-            </a:r>
-            <a:r>
-              <a:rPr lang="en-US" sz="2800" dirty="0" err="1">
-                <a:latin typeface="Courier New" panose="02070309020205020404" pitchFamily="49" charset="0"/>
-                <a:cs typeface="Courier New" panose="02070309020205020404" pitchFamily="49" charset="0"/>
-              </a:rPr>
-              <a:t>i</a:t>
-            </a:r>
-            <a:r>
-              <a:rPr lang="en-US" sz="2800" dirty="0">
-                <a:latin typeface="Courier New" panose="02070309020205020404" pitchFamily="49" charset="0"/>
-                <a:cs typeface="Courier New" panose="02070309020205020404" pitchFamily="49" charset="0"/>
-              </a:rPr>
-              <a:t> $in -f -m 3</a:t>
-            </a:r>
+              <a:rPr lang="en-US" dirty="0">
+                <a:latin typeface="Courier New" panose="02070309020205020404" pitchFamily="49" charset="0"/>
+                <a:cs typeface="Courier New" panose="02070309020205020404" pitchFamily="49" charset="0"/>
+              </a:rPr>
+              <a:t>out=covid</a:t>
+            </a:r>
+          </a:p>
+          <a:p>
+            <a:pPr marL="0" indent="0">
+              <a:lnSpc>
+                <a:spcPct val="80000"/>
+              </a:lnSpc>
+              <a:buNone/>
+            </a:pPr>
+            <a:r>
+              <a:rPr lang="en-US" dirty="0" err="1">
+                <a:latin typeface="Courier New" panose="02070309020205020404" pitchFamily="49" charset="0"/>
+                <a:cs typeface="Courier New" panose="02070309020205020404" pitchFamily="49" charset="0"/>
+              </a:rPr>
+              <a:t>gatk</a:t>
+            </a:r>
+            <a:r>
+              <a:rPr lang="en-US" dirty="0">
+                <a:latin typeface="Courier New" panose="02070309020205020404" pitchFamily="49" charset="0"/>
+                <a:cs typeface="Courier New" panose="02070309020205020404" pitchFamily="49" charset="0"/>
+              </a:rPr>
+              <a:t> </a:t>
+            </a:r>
+            <a:r>
+              <a:rPr lang="en-US" dirty="0" err="1">
+                <a:latin typeface="Courier New" panose="02070309020205020404" pitchFamily="49" charset="0"/>
+                <a:cs typeface="Courier New" panose="02070309020205020404" pitchFamily="49" charset="0"/>
+              </a:rPr>
+              <a:t>SelectVariants</a:t>
+            </a:r>
+            <a:r>
+              <a:rPr lang="en-US" dirty="0">
+                <a:latin typeface="Courier New" panose="02070309020205020404" pitchFamily="49" charset="0"/>
+                <a:cs typeface="Courier New" panose="02070309020205020404" pitchFamily="49" charset="0"/>
+              </a:rPr>
+              <a:t> \</a:t>
+            </a:r>
+          </a:p>
+          <a:p>
+            <a:pPr marL="0" indent="0">
+              <a:lnSpc>
+                <a:spcPct val="80000"/>
+              </a:lnSpc>
+              <a:buNone/>
+            </a:pPr>
+            <a:r>
+              <a:rPr lang="en-US" dirty="0">
+                <a:latin typeface="Courier New" panose="02070309020205020404" pitchFamily="49" charset="0"/>
+                <a:cs typeface="Courier New" panose="02070309020205020404" pitchFamily="49" charset="0"/>
+              </a:rPr>
+              <a:t>-R $ref \</a:t>
+            </a:r>
+          </a:p>
+          <a:p>
+            <a:pPr marL="0" indent="0">
+              <a:lnSpc>
+                <a:spcPct val="80000"/>
+              </a:lnSpc>
+              <a:buNone/>
+            </a:pPr>
+            <a:r>
+              <a:rPr lang="en-US" dirty="0">
+                <a:latin typeface="Courier New" panose="02070309020205020404" pitchFamily="49" charset="0"/>
+                <a:cs typeface="Courier New" panose="02070309020205020404" pitchFamily="49" charset="0"/>
+              </a:rPr>
+              <a:t>-V $</a:t>
+            </a:r>
+            <a:r>
+              <a:rPr lang="en-US" dirty="0" err="1">
+                <a:latin typeface="Courier New" panose="02070309020205020404" pitchFamily="49" charset="0"/>
+                <a:cs typeface="Courier New" panose="02070309020205020404" pitchFamily="49" charset="0"/>
+              </a:rPr>
+              <a:t>vcf</a:t>
+            </a:r>
+            <a:r>
+              <a:rPr lang="en-US" dirty="0">
+                <a:latin typeface="Courier New" panose="02070309020205020404" pitchFamily="49" charset="0"/>
+                <a:cs typeface="Courier New" panose="02070309020205020404" pitchFamily="49" charset="0"/>
+              </a:rPr>
+              <a:t> \</a:t>
+            </a:r>
+          </a:p>
+          <a:p>
+            <a:pPr marL="0" indent="0">
+              <a:lnSpc>
+                <a:spcPct val="80000"/>
+              </a:lnSpc>
+              <a:buNone/>
+            </a:pPr>
+            <a:r>
+              <a:rPr lang="en-US" dirty="0">
+                <a:latin typeface="Courier New" panose="02070309020205020404" pitchFamily="49" charset="0"/>
+                <a:cs typeface="Courier New" panose="02070309020205020404" pitchFamily="49" charset="0"/>
+              </a:rPr>
+              <a:t>-select 'DP &gt;= 20' \</a:t>
+            </a:r>
+          </a:p>
+          <a:p>
+            <a:pPr marL="0" indent="0">
+              <a:lnSpc>
+                <a:spcPct val="80000"/>
+              </a:lnSpc>
+              <a:buNone/>
+            </a:pPr>
+            <a:r>
+              <a:rPr lang="en-US" dirty="0">
+                <a:latin typeface="Courier New" panose="02070309020205020404" pitchFamily="49" charset="0"/>
+                <a:cs typeface="Courier New" panose="02070309020205020404" pitchFamily="49" charset="0"/>
+              </a:rPr>
+              <a:t>-select 'DP &lt;= 500' \</a:t>
+            </a:r>
+          </a:p>
+          <a:p>
+            <a:pPr marL="0" indent="0">
+              <a:lnSpc>
+                <a:spcPct val="80000"/>
+              </a:lnSpc>
+              <a:buNone/>
+            </a:pPr>
+            <a:r>
+              <a:rPr lang="en-US" dirty="0">
+                <a:latin typeface="Courier New" panose="02070309020205020404" pitchFamily="49" charset="0"/>
+                <a:cs typeface="Courier New" panose="02070309020205020404" pitchFamily="49" charset="0"/>
+              </a:rPr>
+              <a:t>--restrict-alleles-to BIALLELIC \</a:t>
+            </a:r>
+          </a:p>
+          <a:p>
+            <a:pPr marL="0" indent="0">
+              <a:lnSpc>
+                <a:spcPct val="80000"/>
+              </a:lnSpc>
+              <a:buNone/>
+            </a:pPr>
+            <a:r>
+              <a:rPr lang="en-US" dirty="0">
+                <a:latin typeface="Courier New" panose="02070309020205020404" pitchFamily="49" charset="0"/>
+                <a:cs typeface="Courier New" panose="02070309020205020404" pitchFamily="49" charset="0"/>
+              </a:rPr>
+              <a:t>-O ${out}.1.vcf &amp;&gt;${out}.1.log</a:t>
+            </a:r>
+          </a:p>
+          <a:p>
+            <a:pPr marL="0" indent="0">
+              <a:lnSpc>
+                <a:spcPct val="80000"/>
+              </a:lnSpc>
+              <a:buNone/>
+            </a:pPr>
+            <a:endParaRPr lang="en-US" dirty="0">
+              <a:latin typeface="Courier New" panose="02070309020205020404" pitchFamily="49" charset="0"/>
+              <a:cs typeface="Courier New" panose="02070309020205020404" pitchFamily="49" charset="0"/>
+            </a:endParaRPr>
           </a:p>
         </p:txBody>
       </p:sp>
     </p:spTree>
     <p:extLst>
       <p:ext uri="{BB962C8B-B14F-4D97-AF65-F5344CB8AC3E}">
-        <p14:creationId xmlns:p14="http://schemas.microsoft.com/office/powerpoint/2010/main" val="1452352997"/>
+        <p14:creationId xmlns:p14="http://schemas.microsoft.com/office/powerpoint/2010/main" val="2611324632"/>
       </p:ext>
     </p:extLst>
   </p:cSld>
@@ -5990,8 +6853,8 @@
         </p:nvSpPr>
         <p:spPr>
           <a:xfrm>
-            <a:off x="628650" y="167401"/>
-            <a:ext cx="7886700" cy="1088272"/>
+            <a:off x="628650" y="252248"/>
+            <a:ext cx="7886700" cy="924912"/>
           </a:xfrm>
         </p:spPr>
         <p:txBody>
@@ -6003,7 +6866,7 @@
             <a:pPr algn="ctr"/>
             <a:r>
               <a:rPr lang="en-US" sz="3200" dirty="0"/>
-              <a:t>5_tree (I) – model selection</a:t>
+              <a:t>4_snp (III) – formatting</a:t>
             </a:r>
             <a:br>
               <a:rPr lang="en-US" sz="3200" dirty="0"/>
@@ -6015,8 +6878,9 @@
                 </a:solidFill>
                 <a:latin typeface="Monaco" pitchFamily="2" charset="77"/>
               </a:rPr>
-              <a:t>1c_model.selection.sh</a:t>
-            </a:r>
+              <a:t>3c_reformat.sh</a:t>
+            </a:r>
+            <a:endParaRPr lang="en-US" sz="2400" dirty="0"/>
           </a:p>
         </p:txBody>
       </p:sp>
@@ -6038,6 +6902,241 @@
         </p:nvSpPr>
         <p:spPr>
           <a:xfrm>
+            <a:off x="628650" y="1423615"/>
+            <a:ext cx="7886700" cy="1655283"/>
+          </a:xfrm>
+        </p:spPr>
+        <p:txBody>
+          <a:bodyPr>
+            <a:normAutofit/>
+          </a:bodyPr>
+          <a:lstStyle/>
+          <a:p>
+            <a:pPr marL="0" indent="0">
+              <a:buNone/>
+            </a:pPr>
+            <a:r>
+              <a:rPr lang="en-US" sz="2800" dirty="0">
+                <a:latin typeface="Courier New" panose="02070309020205020404" pitchFamily="49" charset="0"/>
+                <a:cs typeface="Courier New" panose="02070309020205020404" pitchFamily="49" charset="0"/>
+              </a:rPr>
+              <a:t>in=covid.1.vcf</a:t>
+            </a:r>
+          </a:p>
+          <a:p>
+            <a:pPr marL="0" indent="0">
+              <a:buNone/>
+            </a:pPr>
+            <a:r>
+              <a:rPr lang="en-US" sz="2800" dirty="0">
+                <a:latin typeface="Courier New" panose="02070309020205020404" pitchFamily="49" charset="0"/>
+                <a:cs typeface="Courier New" panose="02070309020205020404" pitchFamily="49" charset="0"/>
+              </a:rPr>
+              <a:t>../scripts/</a:t>
+            </a:r>
+            <a:r>
+              <a:rPr lang="en-US" sz="2800" dirty="0" err="1">
+                <a:latin typeface="Courier New" panose="02070309020205020404" pitchFamily="49" charset="0"/>
+                <a:cs typeface="Courier New" panose="02070309020205020404" pitchFamily="49" charset="0"/>
+              </a:rPr>
+              <a:t>gatk</a:t>
+            </a:r>
+            <a:r>
+              <a:rPr lang="en-US" sz="2800" dirty="0">
+                <a:latin typeface="Courier New" panose="02070309020205020404" pitchFamily="49" charset="0"/>
+                <a:cs typeface="Courier New" panose="02070309020205020404" pitchFamily="49" charset="0"/>
+              </a:rPr>
+              <a:t>/vcf2phylip.py \</a:t>
+            </a:r>
+          </a:p>
+          <a:p>
+            <a:pPr marL="0" indent="0">
+              <a:buNone/>
+            </a:pPr>
+            <a:r>
+              <a:rPr lang="en-US" sz="2800" dirty="0">
+                <a:latin typeface="Courier New" panose="02070309020205020404" pitchFamily="49" charset="0"/>
+                <a:cs typeface="Courier New" panose="02070309020205020404" pitchFamily="49" charset="0"/>
+              </a:rPr>
+              <a:t>	-</a:t>
+            </a:r>
+            <a:r>
+              <a:rPr lang="en-US" sz="2800" dirty="0" err="1">
+                <a:latin typeface="Courier New" panose="02070309020205020404" pitchFamily="49" charset="0"/>
+                <a:cs typeface="Courier New" panose="02070309020205020404" pitchFamily="49" charset="0"/>
+              </a:rPr>
+              <a:t>i</a:t>
+            </a:r>
+            <a:r>
+              <a:rPr lang="en-US" sz="2800" dirty="0">
+                <a:latin typeface="Courier New" panose="02070309020205020404" pitchFamily="49" charset="0"/>
+                <a:cs typeface="Courier New" panose="02070309020205020404" pitchFamily="49" charset="0"/>
+              </a:rPr>
+              <a:t> $in -f -m 3</a:t>
+            </a:r>
+          </a:p>
+        </p:txBody>
+      </p:sp>
+      <p:sp>
+        <p:nvSpPr>
+          <p:cNvPr id="4" name="TextBox 3">
+            <a:extLst>
+              <a:ext uri="{FF2B5EF4-FFF2-40B4-BE49-F238E27FC236}">
+                <a16:creationId xmlns:a16="http://schemas.microsoft.com/office/drawing/2014/main" id="{17F23CF0-E31F-69BF-86C5-F1965F851733}"/>
+              </a:ext>
+            </a:extLst>
+          </p:cNvPr>
+          <p:cNvSpPr txBox="1"/>
+          <p:nvPr/>
+        </p:nvSpPr>
+        <p:spPr>
+          <a:xfrm>
+            <a:off x="628650" y="3078898"/>
+            <a:ext cx="7886700" cy="1569660"/>
+          </a:xfrm>
+          <a:prstGeom prst="rect">
+            <a:avLst/>
+          </a:prstGeom>
+          <a:noFill/>
+        </p:spPr>
+        <p:txBody>
+          <a:bodyPr wrap="square" rtlCol="0">
+            <a:spAutoFit/>
+          </a:bodyPr>
+          <a:lstStyle/>
+          <a:p>
+            <a:pPr>
+              <a:buNone/>
+            </a:pPr>
+            <a:r>
+              <a:rPr lang="en-US" sz="2400" dirty="0">
+                <a:effectLst/>
+                <a:latin typeface="Calibri" panose="020F0502020204030204" pitchFamily="34" charset="0"/>
+                <a:cs typeface="Calibri" panose="020F0502020204030204" pitchFamily="34" charset="0"/>
+              </a:rPr>
+              <a:t>The script converts SNPs in VCF format into a PHYLIP, FASTA, NEXUS, or binary NEXUS file for phylogenetic analysis. </a:t>
+            </a:r>
+          </a:p>
+          <a:p>
+            <a:pPr>
+              <a:buNone/>
+            </a:pPr>
+            <a:endParaRPr lang="en-US" sz="2400" dirty="0">
+              <a:latin typeface="Calibri" panose="020F0502020204030204" pitchFamily="34" charset="0"/>
+              <a:cs typeface="Calibri" panose="020F0502020204030204" pitchFamily="34" charset="0"/>
+            </a:endParaRPr>
+          </a:p>
+          <a:p>
+            <a:pPr>
+              <a:buNone/>
+            </a:pPr>
+            <a:r>
+              <a:rPr lang="en-US" sz="2400" dirty="0">
+                <a:effectLst/>
+                <a:latin typeface="Calibri" panose="020F0502020204030204" pitchFamily="34" charset="0"/>
+                <a:cs typeface="Calibri" panose="020F0502020204030204" pitchFamily="34" charset="0"/>
+              </a:rPr>
+              <a:t>-m: minimum of samples required to be present at a locus</a:t>
+            </a:r>
+          </a:p>
+        </p:txBody>
+      </p:sp>
+    </p:spTree>
+    <p:extLst>
+      <p:ext uri="{BB962C8B-B14F-4D97-AF65-F5344CB8AC3E}">
+        <p14:creationId xmlns:p14="http://schemas.microsoft.com/office/powerpoint/2010/main" val="1452352997"/>
+      </p:ext>
+    </p:extLst>
+  </p:cSld>
+  <p:clrMapOvr>
+    <a:masterClrMapping/>
+  </p:clrMapOvr>
+</p:sld>
+</file>
+
+<file path=ppt/slides/slide19.xml><?xml version="1.0" encoding="utf-8"?>
+<p:sld xmlns:a="http://schemas.openxmlformats.org/drawingml/2006/main" xmlns:r="http://schemas.openxmlformats.org/officeDocument/2006/relationships" xmlns:p="http://schemas.openxmlformats.org/presentationml/2006/main">
+  <p:cSld>
+    <p:spTree>
+      <p:nvGrpSpPr>
+        <p:cNvPr id="1" name=""/>
+        <p:cNvGrpSpPr/>
+        <p:nvPr/>
+      </p:nvGrpSpPr>
+      <p:grpSpPr>
+        <a:xfrm>
+          <a:off x="0" y="0"/>
+          <a:ext cx="0" cy="0"/>
+          <a:chOff x="0" y="0"/>
+          <a:chExt cx="0" cy="0"/>
+        </a:xfrm>
+      </p:grpSpPr>
+      <p:sp>
+        <p:nvSpPr>
+          <p:cNvPr id="2" name="Title 1">
+            <a:extLst>
+              <a:ext uri="{FF2B5EF4-FFF2-40B4-BE49-F238E27FC236}">
+                <a16:creationId xmlns:a16="http://schemas.microsoft.com/office/drawing/2014/main" id="{DC76DADE-2A74-0D26-0990-A3571030C7DB}"/>
+              </a:ext>
+            </a:extLst>
+          </p:cNvPr>
+          <p:cNvSpPr>
+            <a:spLocks noGrp="1"/>
+          </p:cNvSpPr>
+          <p:nvPr>
+            <p:ph type="title"/>
+          </p:nvPr>
+        </p:nvSpPr>
+        <p:spPr>
+          <a:xfrm>
+            <a:off x="628650" y="167401"/>
+            <a:ext cx="7886700" cy="1088272"/>
+          </a:xfrm>
+        </p:spPr>
+        <p:txBody>
+          <a:bodyPr>
+            <a:normAutofit/>
+          </a:bodyPr>
+          <a:lstStyle/>
+          <a:p>
+            <a:pPr algn="ctr"/>
+            <a:r>
+              <a:rPr lang="en-US" sz="3200" dirty="0"/>
+              <a:t>5_tree (I) – model selection</a:t>
+            </a:r>
+            <a:br>
+              <a:rPr lang="en-US" sz="3200" dirty="0"/>
+            </a:br>
+            <a:r>
+              <a:rPr lang="en-US" sz="2400" dirty="0">
+                <a:solidFill>
+                  <a:srgbClr val="2FB41D"/>
+                </a:solidFill>
+                <a:latin typeface="Monaco" pitchFamily="2" charset="77"/>
+              </a:rPr>
+              <a:t>1c_model.selection.sh</a:t>
+            </a:r>
+          </a:p>
+        </p:txBody>
+      </p:sp>
+      <p:sp>
+        <p:nvSpPr>
+          <p:cNvPr id="3" name="Content Placeholder 2">
+            <a:extLst>
+              <a:ext uri="{FF2B5EF4-FFF2-40B4-BE49-F238E27FC236}">
+                <a16:creationId xmlns:a16="http://schemas.microsoft.com/office/drawing/2014/main" id="{B30B73B8-7B53-23E5-8371-E6AB6065E284}"/>
+              </a:ext>
+            </a:extLst>
+          </p:cNvPr>
+          <p:cNvSpPr>
+            <a:spLocks noGrp="1"/>
+          </p:cNvSpPr>
+          <p:nvPr>
+            <p:ph idx="1"/>
+          </p:nvPr>
+        </p:nvSpPr>
+        <p:spPr>
+          <a:xfrm>
             <a:off x="478550" y="1445623"/>
             <a:ext cx="8350140" cy="2796389"/>
           </a:xfrm>
@@ -6188,7 +7287,17 @@
                 <a:latin typeface="Courier New" panose="02070309020205020404" pitchFamily="49" charset="0"/>
                 <a:cs typeface="Courier New" panose="02070309020205020404" pitchFamily="49" charset="0"/>
               </a:rPr>
-              <a:t># -m MF: model selection</a:t>
+              <a:t># </a:t>
+            </a:r>
+            <a:r>
+              <a:rPr lang="en-US" b="1" dirty="0">
+                <a:solidFill>
+                  <a:srgbClr val="FF0000"/>
+                </a:solidFill>
+                <a:latin typeface="Courier New" panose="02070309020205020404" pitchFamily="49" charset="0"/>
+                <a:cs typeface="Courier New" panose="02070309020205020404" pitchFamily="49" charset="0"/>
+              </a:rPr>
+              <a:t>-m MF: model selection</a:t>
             </a:r>
           </a:p>
         </p:txBody>
@@ -6319,290 +7428,6 @@
 </p:sld>
 </file>
 
-<file path=ppt/slides/slide19.xml><?xml version="1.0" encoding="utf-8"?>
-<p:sld xmlns:a="http://schemas.openxmlformats.org/drawingml/2006/main" xmlns:r="http://schemas.openxmlformats.org/officeDocument/2006/relationships" xmlns:p="http://schemas.openxmlformats.org/presentationml/2006/main">
-  <p:cSld>
-    <p:spTree>
-      <p:nvGrpSpPr>
-        <p:cNvPr id="1" name=""/>
-        <p:cNvGrpSpPr/>
-        <p:nvPr/>
-      </p:nvGrpSpPr>
-      <p:grpSpPr>
-        <a:xfrm>
-          <a:off x="0" y="0"/>
-          <a:ext cx="0" cy="0"/>
-          <a:chOff x="0" y="0"/>
-          <a:chExt cx="0" cy="0"/>
-        </a:xfrm>
-      </p:grpSpPr>
-      <p:sp>
-        <p:nvSpPr>
-          <p:cNvPr id="2" name="Title 1">
-            <a:extLst>
-              <a:ext uri="{FF2B5EF4-FFF2-40B4-BE49-F238E27FC236}">
-                <a16:creationId xmlns:a16="http://schemas.microsoft.com/office/drawing/2014/main" id="{DC76DADE-2A74-0D26-0990-A3571030C7DB}"/>
-              </a:ext>
-            </a:extLst>
-          </p:cNvPr>
-          <p:cNvSpPr>
-            <a:spLocks noGrp="1"/>
-          </p:cNvSpPr>
-          <p:nvPr>
-            <p:ph type="title"/>
-          </p:nvPr>
-        </p:nvSpPr>
-        <p:spPr>
-          <a:xfrm>
-            <a:off x="628650" y="0"/>
-            <a:ext cx="7886700" cy="1032158"/>
-          </a:xfrm>
-        </p:spPr>
-        <p:txBody>
-          <a:bodyPr>
-            <a:normAutofit fontScale="90000"/>
-          </a:bodyPr>
-          <a:lstStyle/>
-          <a:p>
-            <a:pPr algn="ctr"/>
-            <a:r>
-              <a:rPr lang="en-US" sz="3200" dirty="0"/>
-              <a:t>5_tree (II) – tree construction with a selected model</a:t>
-            </a:r>
-            <a:br>
-              <a:rPr lang="en-US" sz="3200" dirty="0"/>
-            </a:br>
-            <a:r>
-              <a:rPr lang="en-US" sz="2700" dirty="0">
-                <a:solidFill>
-                  <a:srgbClr val="2FB41D"/>
-                </a:solidFill>
-                <a:latin typeface="Monaco" pitchFamily="2" charset="77"/>
-              </a:rPr>
-              <a:t>2c_iqtree.sh</a:t>
-            </a:r>
-            <a:endParaRPr lang="en-US" sz="2700" dirty="0"/>
-          </a:p>
-        </p:txBody>
-      </p:sp>
-      <p:sp>
-        <p:nvSpPr>
-          <p:cNvPr id="3" name="Content Placeholder 2">
-            <a:extLst>
-              <a:ext uri="{FF2B5EF4-FFF2-40B4-BE49-F238E27FC236}">
-                <a16:creationId xmlns:a16="http://schemas.microsoft.com/office/drawing/2014/main" id="{B30B73B8-7B53-23E5-8371-E6AB6065E284}"/>
-              </a:ext>
-            </a:extLst>
-          </p:cNvPr>
-          <p:cNvSpPr>
-            <a:spLocks noGrp="1"/>
-          </p:cNvSpPr>
-          <p:nvPr>
-            <p:ph idx="1"/>
-          </p:nvPr>
-        </p:nvSpPr>
-        <p:spPr>
-          <a:xfrm>
-            <a:off x="168166" y="1193074"/>
-            <a:ext cx="8818179" cy="3027850"/>
-          </a:xfrm>
-        </p:spPr>
-        <p:txBody>
-          <a:bodyPr>
-            <a:normAutofit/>
-          </a:bodyPr>
-          <a:lstStyle/>
-          <a:p>
-            <a:pPr marL="0" indent="0">
-              <a:buNone/>
-            </a:pPr>
-            <a:r>
-              <a:rPr lang="en-US" dirty="0" err="1">
-                <a:latin typeface="Courier New" panose="02070309020205020404" pitchFamily="49" charset="0"/>
-                <a:cs typeface="Courier New" panose="02070309020205020404" pitchFamily="49" charset="0"/>
-              </a:rPr>
-              <a:t>fasta</a:t>
-            </a:r>
-            <a:r>
-              <a:rPr lang="en-US" dirty="0">
-                <a:latin typeface="Courier New" panose="02070309020205020404" pitchFamily="49" charset="0"/>
-                <a:cs typeface="Courier New" panose="02070309020205020404" pitchFamily="49" charset="0"/>
-              </a:rPr>
-              <a:t>=../4_snp/covid.1.min3.phy</a:t>
-            </a:r>
-          </a:p>
-          <a:p>
-            <a:pPr marL="0" indent="0">
-              <a:buNone/>
-            </a:pPr>
-            <a:r>
-              <a:rPr lang="en-US" dirty="0">
-                <a:latin typeface="Courier New" panose="02070309020205020404" pitchFamily="49" charset="0"/>
-                <a:cs typeface="Courier New" panose="02070309020205020404" pitchFamily="49" charset="0"/>
-              </a:rPr>
-              <a:t>in=covid.2</a:t>
-            </a:r>
-          </a:p>
-          <a:p>
-            <a:pPr marL="0" indent="0">
-              <a:buNone/>
-            </a:pPr>
-            <a:r>
-              <a:rPr lang="en-US" dirty="0">
-                <a:latin typeface="Courier New" panose="02070309020205020404" pitchFamily="49" charset="0"/>
-                <a:cs typeface="Courier New" panose="02070309020205020404" pitchFamily="49" charset="0"/>
-              </a:rPr>
-              <a:t>ln -s $</a:t>
-            </a:r>
-            <a:r>
-              <a:rPr lang="en-US" dirty="0" err="1">
-                <a:latin typeface="Courier New" panose="02070309020205020404" pitchFamily="49" charset="0"/>
-                <a:cs typeface="Courier New" panose="02070309020205020404" pitchFamily="49" charset="0"/>
-              </a:rPr>
-              <a:t>fasta</a:t>
-            </a:r>
-            <a:r>
-              <a:rPr lang="en-US" dirty="0">
-                <a:latin typeface="Courier New" panose="02070309020205020404" pitchFamily="49" charset="0"/>
-                <a:cs typeface="Courier New" panose="02070309020205020404" pitchFamily="49" charset="0"/>
-              </a:rPr>
-              <a:t> $in</a:t>
-            </a:r>
-          </a:p>
-          <a:p>
-            <a:pPr marL="0" indent="0">
-              <a:buNone/>
-            </a:pPr>
-            <a:r>
-              <a:rPr lang="en-US" dirty="0">
-                <a:latin typeface="Courier New" panose="02070309020205020404" pitchFamily="49" charset="0"/>
-                <a:cs typeface="Courier New" panose="02070309020205020404" pitchFamily="49" charset="0"/>
-              </a:rPr>
-              <a:t># model</a:t>
-            </a:r>
-          </a:p>
-          <a:p>
-            <a:pPr marL="0" indent="0">
-              <a:buNone/>
-            </a:pPr>
-            <a:r>
-              <a:rPr lang="en-US" dirty="0">
-                <a:solidFill>
-                  <a:srgbClr val="FF0000"/>
-                </a:solidFill>
-                <a:latin typeface="Courier New" panose="02070309020205020404" pitchFamily="49" charset="0"/>
-                <a:cs typeface="Courier New" panose="02070309020205020404" pitchFamily="49" charset="0"/>
-              </a:rPr>
-              <a:t>model=K2P</a:t>
-            </a:r>
-          </a:p>
-          <a:p>
-            <a:pPr marL="0" indent="0">
-              <a:buNone/>
-            </a:pPr>
-            <a:r>
-              <a:rPr lang="en-US" dirty="0">
-                <a:latin typeface="Courier New" panose="02070309020205020404" pitchFamily="49" charset="0"/>
-                <a:cs typeface="Courier New" panose="02070309020205020404" pitchFamily="49" charset="0"/>
-              </a:rPr>
-              <a:t>../scripts/iqtree2/bin/iqtree2 -m $model -s $in -</a:t>
-            </a:r>
-            <a:r>
-              <a:rPr lang="en-US" dirty="0" err="1">
-                <a:latin typeface="Courier New" panose="02070309020205020404" pitchFamily="49" charset="0"/>
-                <a:cs typeface="Courier New" panose="02070309020205020404" pitchFamily="49" charset="0"/>
-              </a:rPr>
-              <a:t>nt</a:t>
-            </a:r>
-            <a:r>
-              <a:rPr lang="en-US" dirty="0">
-                <a:latin typeface="Courier New" panose="02070309020205020404" pitchFamily="49" charset="0"/>
-                <a:cs typeface="Courier New" panose="02070309020205020404" pitchFamily="49" charset="0"/>
-              </a:rPr>
-              <a:t> 1</a:t>
-            </a:r>
-          </a:p>
-        </p:txBody>
-      </p:sp>
-      <p:sp>
-        <p:nvSpPr>
-          <p:cNvPr id="6" name="TextBox 5">
-            <a:extLst>
-              <a:ext uri="{FF2B5EF4-FFF2-40B4-BE49-F238E27FC236}">
-                <a16:creationId xmlns:a16="http://schemas.microsoft.com/office/drawing/2014/main" id="{56E64046-ED34-8A22-37BF-743DBD020392}"/>
-              </a:ext>
-            </a:extLst>
-          </p:cNvPr>
-          <p:cNvSpPr txBox="1"/>
-          <p:nvPr/>
-        </p:nvSpPr>
-        <p:spPr>
-          <a:xfrm>
-            <a:off x="628650" y="4041827"/>
-            <a:ext cx="3547381" cy="954107"/>
-          </a:xfrm>
-          <a:prstGeom prst="rect">
-            <a:avLst/>
-          </a:prstGeom>
-          <a:noFill/>
-        </p:spPr>
-        <p:txBody>
-          <a:bodyPr wrap="none" rtlCol="0">
-            <a:spAutoFit/>
-          </a:bodyPr>
-          <a:lstStyle/>
-          <a:p>
-            <a:r>
-              <a:rPr lang="en-US" sz="2800" dirty="0" err="1">
-                <a:solidFill>
-                  <a:schemeClr val="tx1">
-                    <a:lumMod val="95000"/>
-                    <a:lumOff val="5000"/>
-                  </a:schemeClr>
-                </a:solidFill>
-              </a:rPr>
-              <a:t>maxium</a:t>
-            </a:r>
-            <a:r>
-              <a:rPr lang="en-US" sz="2800" dirty="0">
-                <a:solidFill>
-                  <a:schemeClr val="tx1">
-                    <a:lumMod val="95000"/>
-                    <a:lumOff val="5000"/>
-                  </a:schemeClr>
-                </a:solidFill>
-              </a:rPr>
-              <a:t> likelihood tree</a:t>
-            </a:r>
-          </a:p>
-          <a:p>
-            <a:r>
-              <a:rPr lang="en-US" sz="2800" dirty="0">
-                <a:solidFill>
-                  <a:schemeClr val="tx1">
-                    <a:lumMod val="95000"/>
-                    <a:lumOff val="5000"/>
-                  </a:schemeClr>
-                </a:solidFill>
-              </a:rPr>
-              <a:t>covid.2.treefile </a:t>
-            </a:r>
-          </a:p>
-        </p:txBody>
-      </p:sp>
-    </p:spTree>
-    <p:extLst>
-      <p:ext uri="{BB962C8B-B14F-4D97-AF65-F5344CB8AC3E}">
-        <p14:creationId xmlns:p14="http://schemas.microsoft.com/office/powerpoint/2010/main" val="2516774485"/>
-      </p:ext>
-    </p:extLst>
-  </p:cSld>
-  <p:clrMapOvr>
-    <a:masterClrMapping/>
-  </p:clrMapOvr>
-</p:sld>
-</file>
-
 <file path=ppt/slides/slide2.xml><?xml version="1.0" encoding="utf-8"?>
 <p:sld xmlns:a="http://schemas.openxmlformats.org/drawingml/2006/main" xmlns:r="http://schemas.openxmlformats.org/officeDocument/2006/relationships" xmlns:p="http://schemas.openxmlformats.org/presentationml/2006/main">
   <p:cSld>
@@ -6753,58 +7578,34 @@
         </p:nvSpPr>
         <p:spPr>
           <a:xfrm>
-            <a:off x="628650" y="108768"/>
+            <a:off x="628650" y="0"/>
             <a:ext cx="7886700" cy="1032158"/>
           </a:xfrm>
         </p:spPr>
         <p:txBody>
           <a:bodyPr>
-            <a:normAutofit/>
+            <a:normAutofit fontScale="90000"/>
           </a:bodyPr>
           <a:lstStyle/>
           <a:p>
             <a:pPr algn="ctr"/>
             <a:r>
-              <a:rPr lang="en-US" sz="3200" dirty="0" err="1">
-                <a:solidFill>
-                  <a:schemeClr val="tx1">
-                    <a:lumMod val="95000"/>
-                    <a:lumOff val="5000"/>
-                  </a:schemeClr>
-                </a:solidFill>
-              </a:rPr>
-              <a:t>maxium</a:t>
-            </a:r>
-            <a:r>
-              <a:rPr lang="en-US" sz="3200" dirty="0">
-                <a:solidFill>
-                  <a:schemeClr val="tx1">
-                    <a:lumMod val="95000"/>
-                    <a:lumOff val="5000"/>
-                  </a:schemeClr>
-                </a:solidFill>
-              </a:rPr>
-              <a:t> likelihood tree</a:t>
+              <a:rPr lang="en-US" sz="3200" dirty="0"/>
+              <a:t>5_tree (II) – tree construction with a selected model</a:t>
             </a:r>
             <a:br>
-              <a:rPr lang="en-US" sz="2400" dirty="0">
-                <a:solidFill>
-                  <a:schemeClr val="tx1">
-                    <a:lumMod val="95000"/>
-                    <a:lumOff val="5000"/>
-                  </a:schemeClr>
-                </a:solidFill>
-              </a:rPr>
+              <a:rPr lang="en-US" sz="3200" dirty="0"/>
             </a:br>
             <a:r>
-              <a:rPr lang="en-US" sz="2400" dirty="0">
+              <a:rPr lang="en-US" sz="2700" dirty="0">
                 <a:solidFill>
                   <a:srgbClr val="2FB41D"/>
                 </a:solidFill>
                 <a:latin typeface="Monaco" pitchFamily="2" charset="77"/>
               </a:rPr>
-              <a:t>covid.2.treefile </a:t>
-            </a:r>
+              <a:t>2c_iqtree.sh</a:t>
+            </a:r>
+            <a:endParaRPr lang="en-US" sz="2700" dirty="0"/>
           </a:p>
         </p:txBody>
       </p:sp>
@@ -6826,8 +7627,8 @@
         </p:nvSpPr>
         <p:spPr>
           <a:xfrm>
-            <a:off x="205484" y="1212599"/>
-            <a:ext cx="8733033" cy="3560390"/>
+            <a:off x="168166" y="1193074"/>
+            <a:ext cx="8818179" cy="2482111"/>
           </a:xfrm>
         </p:spPr>
         <p:txBody>
@@ -6840,11 +7641,18 @@
               <a:buNone/>
             </a:pPr>
             <a:r>
-              <a:rPr lang="en-US" sz="1900" dirty="0">
-                <a:latin typeface="Courier New" panose="02070309020205020404" pitchFamily="49" charset="0"/>
-                <a:cs typeface="Courier New" panose="02070309020205020404" pitchFamily="49" charset="0"/>
-              </a:rPr>
-              <a:t>+-----------------------------------------------------------s1</a:t>
+              <a:rPr lang="en-US" dirty="0" err="1">
+                <a:latin typeface="Courier New" panose="02070309020205020404" pitchFamily="49" charset="0"/>
+                <a:cs typeface="Courier New" panose="02070309020205020404" pitchFamily="49" charset="0"/>
+              </a:rPr>
+              <a:t>fasta</a:t>
+            </a:r>
+            <a:r>
+              <a:rPr lang="en-US" dirty="0">
+                <a:latin typeface="Courier New" panose="02070309020205020404" pitchFamily="49" charset="0"/>
+                <a:cs typeface="Courier New" panose="02070309020205020404" pitchFamily="49" charset="0"/>
+              </a:rPr>
+              <a:t>=../4_snp/covid.1.min3.phy</a:t>
             </a:r>
           </a:p>
           <a:p>
@@ -6852,11 +7660,11 @@
               <a:buNone/>
             </a:pPr>
             <a:r>
-              <a:rPr lang="en-US" sz="1900" dirty="0">
-                <a:latin typeface="Courier New" panose="02070309020205020404" pitchFamily="49" charset="0"/>
-                <a:cs typeface="Courier New" panose="02070309020205020404" pitchFamily="49" charset="0"/>
-              </a:rPr>
-              <a:t>|</a:t>
+              <a:rPr lang="en-US" dirty="0">
+                <a:latin typeface="Courier New" panose="02070309020205020404" pitchFamily="49" charset="0"/>
+                <a:cs typeface="Courier New" panose="02070309020205020404" pitchFamily="49" charset="0"/>
+              </a:rPr>
+              <a:t>in=covid.2</a:t>
             </a:r>
           </a:p>
           <a:p>
@@ -6864,11 +7672,25 @@
               <a:buNone/>
             </a:pPr>
             <a:r>
-              <a:rPr lang="en-US" sz="1900" dirty="0">
-                <a:latin typeface="Courier New" panose="02070309020205020404" pitchFamily="49" charset="0"/>
-                <a:cs typeface="Courier New" panose="02070309020205020404" pitchFamily="49" charset="0"/>
-              </a:rPr>
-              <a:t>+--s2</a:t>
+              <a:rPr lang="en-US" dirty="0">
+                <a:latin typeface="Courier New" panose="02070309020205020404" pitchFamily="49" charset="0"/>
+                <a:cs typeface="Courier New" panose="02070309020205020404" pitchFamily="49" charset="0"/>
+              </a:rPr>
+              <a:t>ln -s $</a:t>
+            </a:r>
+            <a:r>
+              <a:rPr lang="en-US" dirty="0" err="1">
+                <a:latin typeface="Courier New" panose="02070309020205020404" pitchFamily="49" charset="0"/>
+                <a:cs typeface="Courier New" panose="02070309020205020404" pitchFamily="49" charset="0"/>
+              </a:rPr>
+              <a:t>fasta</a:t>
+            </a:r>
+            <a:r>
+              <a:rPr lang="en-US" dirty="0">
+                <a:latin typeface="Courier New" panose="02070309020205020404" pitchFamily="49" charset="0"/>
+                <a:cs typeface="Courier New" panose="02070309020205020404" pitchFamily="49" charset="0"/>
+              </a:rPr>
+              <a:t> $in</a:t>
             </a:r>
           </a:p>
           <a:p>
@@ -6876,11 +7698,11 @@
               <a:buNone/>
             </a:pPr>
             <a:r>
-              <a:rPr lang="en-US" sz="1900" dirty="0">
-                <a:latin typeface="Courier New" panose="02070309020205020404" pitchFamily="49" charset="0"/>
-                <a:cs typeface="Courier New" panose="02070309020205020404" pitchFamily="49" charset="0"/>
-              </a:rPr>
-              <a:t>|</a:t>
+              <a:rPr lang="en-US" dirty="0">
+                <a:latin typeface="Courier New" panose="02070309020205020404" pitchFamily="49" charset="0"/>
+                <a:cs typeface="Courier New" panose="02070309020205020404" pitchFamily="49" charset="0"/>
+              </a:rPr>
+              <a:t># model</a:t>
             </a:r>
           </a:p>
           <a:p>
@@ -6888,64 +7710,105 @@
               <a:buNone/>
             </a:pPr>
             <a:r>
-              <a:rPr lang="en-US" sz="1900" dirty="0">
-                <a:latin typeface="Courier New" panose="02070309020205020404" pitchFamily="49" charset="0"/>
-                <a:cs typeface="Courier New" panose="02070309020205020404" pitchFamily="49" charset="0"/>
-              </a:rPr>
-              <a:t>+--s3</a:t>
+              <a:rPr lang="en-US" dirty="0">
+                <a:solidFill>
+                  <a:srgbClr val="FF0000"/>
+                </a:solidFill>
+                <a:latin typeface="Courier New" panose="02070309020205020404" pitchFamily="49" charset="0"/>
+                <a:cs typeface="Courier New" panose="02070309020205020404" pitchFamily="49" charset="0"/>
+              </a:rPr>
+              <a:t>model=K2P</a:t>
             </a:r>
           </a:p>
           <a:p>
             <a:pPr marL="0" indent="0">
               <a:buNone/>
             </a:pPr>
-            <a:br>
+            <a:r>
               <a:rPr lang="en-US" dirty="0">
                 <a:latin typeface="Courier New" panose="02070309020205020404" pitchFamily="49" charset="0"/>
                 <a:cs typeface="Courier New" panose="02070309020205020404" pitchFamily="49" charset="0"/>
               </a:rPr>
-            </a:br>
-            <a:endParaRPr lang="en-US" dirty="0">
-              <a:latin typeface="Courier New" panose="02070309020205020404" pitchFamily="49" charset="0"/>
-              <a:cs typeface="Courier New" panose="02070309020205020404" pitchFamily="49" charset="0"/>
-            </a:endParaRPr>
-          </a:p>
-          <a:p>
-            <a:pPr marL="0" indent="0">
-              <a:buNone/>
-            </a:pPr>
+              <a:t>../scripts/iqtree2/bin/iqtree2 -m $model -s $in -</a:t>
+            </a:r>
+            <a:r>
+              <a:rPr lang="en-US" dirty="0" err="1">
+                <a:latin typeface="Courier New" panose="02070309020205020404" pitchFamily="49" charset="0"/>
+                <a:cs typeface="Courier New" panose="02070309020205020404" pitchFamily="49" charset="0"/>
+              </a:rPr>
+              <a:t>nt</a:t>
+            </a:r>
             <a:r>
               <a:rPr lang="en-US" dirty="0">
                 <a:latin typeface="Courier New" panose="02070309020205020404" pitchFamily="49" charset="0"/>
                 <a:cs typeface="Courier New" panose="02070309020205020404" pitchFamily="49" charset="0"/>
               </a:rPr>
-              <a:t>Tree in </a:t>
-            </a:r>
-            <a:r>
-              <a:rPr lang="en-US" dirty="0" err="1">
-                <a:latin typeface="Courier New" panose="02070309020205020404" pitchFamily="49" charset="0"/>
-                <a:cs typeface="Courier New" panose="02070309020205020404" pitchFamily="49" charset="0"/>
-              </a:rPr>
-              <a:t>newick</a:t>
-            </a:r>
-            <a:r>
-              <a:rPr lang="en-US" dirty="0">
-                <a:latin typeface="Courier New" panose="02070309020205020404" pitchFamily="49" charset="0"/>
-                <a:cs typeface="Courier New" panose="02070309020205020404" pitchFamily="49" charset="0"/>
-              </a:rPr>
-              <a:t> format:</a:t>
-            </a:r>
-          </a:p>
-          <a:p>
-            <a:pPr marL="0" indent="0">
-              <a:buNone/>
-            </a:pPr>
-            <a:r>
-              <a:rPr lang="en-US" dirty="0">
-                <a:latin typeface="Courier New" panose="02070309020205020404" pitchFamily="49" charset="0"/>
-                <a:cs typeface="Courier New" panose="02070309020205020404" pitchFamily="49" charset="0"/>
-              </a:rPr>
-              <a:t>(s1:9.9999988658,s2:0.0702378591,s3:0.0647318661);</a:t>
+              <a:t> 1</a:t>
+            </a:r>
+          </a:p>
+        </p:txBody>
+      </p:sp>
+      <p:sp>
+        <p:nvSpPr>
+          <p:cNvPr id="6" name="TextBox 5">
+            <a:extLst>
+              <a:ext uri="{FF2B5EF4-FFF2-40B4-BE49-F238E27FC236}">
+                <a16:creationId xmlns:a16="http://schemas.microsoft.com/office/drawing/2014/main" id="{56E64046-ED34-8A22-37BF-743DBD020392}"/>
+              </a:ext>
+            </a:extLst>
+          </p:cNvPr>
+          <p:cNvSpPr txBox="1"/>
+          <p:nvPr/>
+        </p:nvSpPr>
+        <p:spPr>
+          <a:xfrm>
+            <a:off x="628650" y="3873950"/>
+            <a:ext cx="3547381" cy="954107"/>
+          </a:xfrm>
+          <a:prstGeom prst="rect">
+            <a:avLst/>
+          </a:prstGeom>
+          <a:noFill/>
+        </p:spPr>
+        <p:txBody>
+          <a:bodyPr wrap="none" rtlCol="0">
+            <a:spAutoFit/>
+          </a:bodyPr>
+          <a:lstStyle/>
+          <a:p>
+            <a:r>
+              <a:rPr lang="en-US" sz="2800" dirty="0" err="1">
+                <a:solidFill>
+                  <a:schemeClr val="tx1">
+                    <a:lumMod val="95000"/>
+                    <a:lumOff val="5000"/>
+                  </a:schemeClr>
+                </a:solidFill>
+              </a:rPr>
+              <a:t>maxium</a:t>
+            </a:r>
+            <a:r>
+              <a:rPr lang="en-US" sz="2800" dirty="0">
+                <a:solidFill>
+                  <a:schemeClr val="tx1">
+                    <a:lumMod val="95000"/>
+                    <a:lumOff val="5000"/>
+                  </a:schemeClr>
+                </a:solidFill>
+              </a:rPr>
+              <a:t> likelihood tree</a:t>
+            </a:r>
+          </a:p>
+          <a:p>
+            <a:r>
+              <a:rPr lang="en-US" sz="2800" b="1" dirty="0">
+                <a:solidFill>
+                  <a:schemeClr val="accent2">
+                    <a:lumMod val="50000"/>
+                  </a:schemeClr>
+                </a:solidFill>
+              </a:rPr>
+              <a:t>covid.2.treefile </a:t>
             </a:r>
           </a:p>
         </p:txBody>
@@ -6953,7 +7816,7 @@
     </p:spTree>
     <p:extLst>
       <p:ext uri="{BB962C8B-B14F-4D97-AF65-F5344CB8AC3E}">
-        <p14:creationId xmlns:p14="http://schemas.microsoft.com/office/powerpoint/2010/main" val="1165108009"/>
+        <p14:creationId xmlns:p14="http://schemas.microsoft.com/office/powerpoint/2010/main" val="2516774485"/>
       </p:ext>
     </p:extLst>
   </p:cSld>
@@ -6982,6 +7845,251 @@
       </p:grpSpPr>
       <p:sp>
         <p:nvSpPr>
+          <p:cNvPr id="2" name="Title 1">
+            <a:extLst>
+              <a:ext uri="{FF2B5EF4-FFF2-40B4-BE49-F238E27FC236}">
+                <a16:creationId xmlns:a16="http://schemas.microsoft.com/office/drawing/2014/main" id="{DC76DADE-2A74-0D26-0990-A3571030C7DB}"/>
+              </a:ext>
+            </a:extLst>
+          </p:cNvPr>
+          <p:cNvSpPr>
+            <a:spLocks noGrp="1"/>
+          </p:cNvSpPr>
+          <p:nvPr>
+            <p:ph type="title"/>
+          </p:nvPr>
+        </p:nvSpPr>
+        <p:spPr>
+          <a:xfrm>
+            <a:off x="628650" y="108768"/>
+            <a:ext cx="7886700" cy="1032158"/>
+          </a:xfrm>
+        </p:spPr>
+        <p:txBody>
+          <a:bodyPr>
+            <a:normAutofit/>
+          </a:bodyPr>
+          <a:lstStyle/>
+          <a:p>
+            <a:pPr algn="ctr"/>
+            <a:r>
+              <a:rPr lang="en-US" sz="3200" dirty="0" err="1">
+                <a:solidFill>
+                  <a:schemeClr val="tx1">
+                    <a:lumMod val="95000"/>
+                    <a:lumOff val="5000"/>
+                  </a:schemeClr>
+                </a:solidFill>
+              </a:rPr>
+              <a:t>maxium</a:t>
+            </a:r>
+            <a:r>
+              <a:rPr lang="en-US" sz="3200" dirty="0">
+                <a:solidFill>
+                  <a:schemeClr val="tx1">
+                    <a:lumMod val="95000"/>
+                    <a:lumOff val="5000"/>
+                  </a:schemeClr>
+                </a:solidFill>
+              </a:rPr>
+              <a:t> likelihood tree</a:t>
+            </a:r>
+            <a:br>
+              <a:rPr lang="en-US" sz="2400" dirty="0">
+                <a:solidFill>
+                  <a:schemeClr val="tx1">
+                    <a:lumMod val="95000"/>
+                    <a:lumOff val="5000"/>
+                  </a:schemeClr>
+                </a:solidFill>
+              </a:rPr>
+            </a:br>
+            <a:r>
+              <a:rPr lang="en-US" sz="2400" dirty="0">
+                <a:solidFill>
+                  <a:srgbClr val="2FB41D"/>
+                </a:solidFill>
+                <a:latin typeface="Monaco" pitchFamily="2" charset="77"/>
+              </a:rPr>
+              <a:t>covid.2.treefile </a:t>
+            </a:r>
+          </a:p>
+        </p:txBody>
+      </p:sp>
+      <p:sp>
+        <p:nvSpPr>
+          <p:cNvPr id="3" name="Content Placeholder 2">
+            <a:extLst>
+              <a:ext uri="{FF2B5EF4-FFF2-40B4-BE49-F238E27FC236}">
+                <a16:creationId xmlns:a16="http://schemas.microsoft.com/office/drawing/2014/main" id="{B30B73B8-7B53-23E5-8371-E6AB6065E284}"/>
+              </a:ext>
+            </a:extLst>
+          </p:cNvPr>
+          <p:cNvSpPr>
+            <a:spLocks noGrp="1"/>
+          </p:cNvSpPr>
+          <p:nvPr>
+            <p:ph idx="1"/>
+          </p:nvPr>
+        </p:nvSpPr>
+        <p:spPr>
+          <a:xfrm>
+            <a:off x="205484" y="1212599"/>
+            <a:ext cx="8733033" cy="3560390"/>
+          </a:xfrm>
+        </p:spPr>
+        <p:txBody>
+          <a:bodyPr>
+            <a:normAutofit/>
+          </a:bodyPr>
+          <a:lstStyle/>
+          <a:p>
+            <a:pPr marL="0" indent="0">
+              <a:buNone/>
+            </a:pPr>
+            <a:r>
+              <a:rPr lang="en-US" sz="1900" dirty="0">
+                <a:latin typeface="Courier New" panose="02070309020205020404" pitchFamily="49" charset="0"/>
+                <a:cs typeface="Courier New" panose="02070309020205020404" pitchFamily="49" charset="0"/>
+              </a:rPr>
+              <a:t>+-----------------------------------------------------------s1</a:t>
+            </a:r>
+          </a:p>
+          <a:p>
+            <a:pPr marL="0" indent="0">
+              <a:buNone/>
+            </a:pPr>
+            <a:r>
+              <a:rPr lang="en-US" sz="1900" dirty="0">
+                <a:latin typeface="Courier New" panose="02070309020205020404" pitchFamily="49" charset="0"/>
+                <a:cs typeface="Courier New" panose="02070309020205020404" pitchFamily="49" charset="0"/>
+              </a:rPr>
+              <a:t>|</a:t>
+            </a:r>
+          </a:p>
+          <a:p>
+            <a:pPr marL="0" indent="0">
+              <a:buNone/>
+            </a:pPr>
+            <a:r>
+              <a:rPr lang="en-US" sz="1900" dirty="0">
+                <a:latin typeface="Courier New" panose="02070309020205020404" pitchFamily="49" charset="0"/>
+                <a:cs typeface="Courier New" panose="02070309020205020404" pitchFamily="49" charset="0"/>
+              </a:rPr>
+              <a:t>+--s2</a:t>
+            </a:r>
+          </a:p>
+          <a:p>
+            <a:pPr marL="0" indent="0">
+              <a:buNone/>
+            </a:pPr>
+            <a:r>
+              <a:rPr lang="en-US" sz="1900" dirty="0">
+                <a:latin typeface="Courier New" panose="02070309020205020404" pitchFamily="49" charset="0"/>
+                <a:cs typeface="Courier New" panose="02070309020205020404" pitchFamily="49" charset="0"/>
+              </a:rPr>
+              <a:t>|</a:t>
+            </a:r>
+          </a:p>
+          <a:p>
+            <a:pPr marL="0" indent="0">
+              <a:buNone/>
+            </a:pPr>
+            <a:r>
+              <a:rPr lang="en-US" sz="1900" dirty="0">
+                <a:latin typeface="Courier New" panose="02070309020205020404" pitchFamily="49" charset="0"/>
+                <a:cs typeface="Courier New" panose="02070309020205020404" pitchFamily="49" charset="0"/>
+              </a:rPr>
+              <a:t>+--s3</a:t>
+            </a:r>
+          </a:p>
+          <a:p>
+            <a:pPr marL="0" indent="0">
+              <a:buNone/>
+            </a:pPr>
+            <a:br>
+              <a:rPr lang="en-US" dirty="0">
+                <a:latin typeface="Courier New" panose="02070309020205020404" pitchFamily="49" charset="0"/>
+                <a:cs typeface="Courier New" panose="02070309020205020404" pitchFamily="49" charset="0"/>
+              </a:rPr>
+            </a:br>
+            <a:endParaRPr lang="en-US" dirty="0">
+              <a:latin typeface="Courier New" panose="02070309020205020404" pitchFamily="49" charset="0"/>
+              <a:cs typeface="Courier New" panose="02070309020205020404" pitchFamily="49" charset="0"/>
+            </a:endParaRPr>
+          </a:p>
+          <a:p>
+            <a:pPr marL="0" indent="0">
+              <a:buNone/>
+            </a:pPr>
+            <a:r>
+              <a:rPr lang="en-US" dirty="0">
+                <a:latin typeface="Courier New" panose="02070309020205020404" pitchFamily="49" charset="0"/>
+                <a:cs typeface="Courier New" panose="02070309020205020404" pitchFamily="49" charset="0"/>
+              </a:rPr>
+              <a:t>Tree in </a:t>
+            </a:r>
+            <a:r>
+              <a:rPr lang="en-US" dirty="0" err="1">
+                <a:latin typeface="Courier New" panose="02070309020205020404" pitchFamily="49" charset="0"/>
+                <a:cs typeface="Courier New" panose="02070309020205020404" pitchFamily="49" charset="0"/>
+              </a:rPr>
+              <a:t>newick</a:t>
+            </a:r>
+            <a:r>
+              <a:rPr lang="en-US" dirty="0">
+                <a:latin typeface="Courier New" panose="02070309020205020404" pitchFamily="49" charset="0"/>
+                <a:cs typeface="Courier New" panose="02070309020205020404" pitchFamily="49" charset="0"/>
+              </a:rPr>
+              <a:t> format:</a:t>
+            </a:r>
+          </a:p>
+          <a:p>
+            <a:pPr marL="0" indent="0">
+              <a:buNone/>
+            </a:pPr>
+            <a:r>
+              <a:rPr lang="en-US" dirty="0">
+                <a:latin typeface="Courier New" panose="02070309020205020404" pitchFamily="49" charset="0"/>
+                <a:cs typeface="Courier New" panose="02070309020205020404" pitchFamily="49" charset="0"/>
+              </a:rPr>
+              <a:t>(s1:9.9999988658,s2:0.0702378591,s3:0.0647318661);</a:t>
+            </a:r>
+          </a:p>
+        </p:txBody>
+      </p:sp>
+    </p:spTree>
+    <p:extLst>
+      <p:ext uri="{BB962C8B-B14F-4D97-AF65-F5344CB8AC3E}">
+        <p14:creationId xmlns:p14="http://schemas.microsoft.com/office/powerpoint/2010/main" val="1165108009"/>
+      </p:ext>
+    </p:extLst>
+  </p:cSld>
+  <p:clrMapOvr>
+    <a:masterClrMapping/>
+  </p:clrMapOvr>
+</p:sld>
+</file>
+
+<file path=ppt/slides/slide22.xml><?xml version="1.0" encoding="utf-8"?>
+<p:sld xmlns:a="http://schemas.openxmlformats.org/drawingml/2006/main" xmlns:r="http://schemas.openxmlformats.org/officeDocument/2006/relationships" xmlns:p="http://schemas.openxmlformats.org/presentationml/2006/main">
+  <p:cSld>
+    <p:spTree>
+      <p:nvGrpSpPr>
+        <p:cNvPr id="1" name=""/>
+        <p:cNvGrpSpPr/>
+        <p:nvPr/>
+      </p:nvGrpSpPr>
+      <p:grpSpPr>
+        <a:xfrm>
+          <a:off x="0" y="0"/>
+          <a:ext cx="0" cy="0"/>
+          <a:chOff x="0" y="0"/>
+          <a:chExt cx="0" cy="0"/>
+        </a:xfrm>
+      </p:grpSpPr>
+      <p:sp>
+        <p:nvSpPr>
           <p:cNvPr id="2" name="Title 1"/>
           <p:cNvSpPr>
             <a:spLocks noGrp="1"/>
@@ -7155,7 +8263,7 @@
 </p:sld>
 </file>
 
-<file path=ppt/slides/slide22.xml><?xml version="1.0" encoding="utf-8"?>
+<file path=ppt/slides/slide23.xml><?xml version="1.0" encoding="utf-8"?>
 <p:sld xmlns:a="http://schemas.openxmlformats.org/drawingml/2006/main" xmlns:r="http://schemas.openxmlformats.org/officeDocument/2006/relationships" xmlns:p="http://schemas.openxmlformats.org/presentationml/2006/main">
   <p:cSld>
     <p:spTree>
@@ -7321,7 +8429,7 @@
           <p:nvPr/>
         </p:nvPicPr>
         <p:blipFill>
-          <a:blip r:embed="rId2">
+          <a:blip r:embed="rId3">
             <a:extLst>
               <a:ext uri="{28A0092B-C50C-407E-A947-70E740481C1C}">
                 <a14:useLocalDpi xmlns:a14="http://schemas.microsoft.com/office/drawing/2010/main" val="0"/>
@@ -7862,7 +8970,7 @@
           <p:nvPr/>
         </p:nvPicPr>
         <p:blipFill>
-          <a:blip r:embed="rId2"/>
+          <a:blip r:embed="rId3"/>
           <a:stretch>
             <a:fillRect/>
           </a:stretch>
@@ -7892,7 +9000,7 @@
           <p:nvPr/>
         </p:nvPicPr>
         <p:blipFill>
-          <a:blip r:embed="rId3"/>
+          <a:blip r:embed="rId4"/>
           <a:stretch>
             <a:fillRect/>
           </a:stretch>
